--- a/assets/visualization.pptx
+++ b/assets/visualization.pptx
@@ -6,6 +6,7 @@
   </p:sldMasterIdLst>
   <p:sldIdLst>
     <p:sldId id="256" r:id="rId2"/>
+    <p:sldId id="257" r:id="rId3"/>
   </p:sldIdLst>
   <p:sldSz cx="12192000" cy="6858000"/>
   <p:notesSz cx="6858000" cy="9144000"/>
@@ -104,6 +105,11 @@
       </a:defRPr>
     </a:lvl9pPr>
   </p:defaultTextStyle>
+  <p:extLst>
+    <p:ext uri="{EFAFB233-063F-42B5-8137-9DF3F51BA10A}">
+      <p15:sldGuideLst xmlns:p15="http://schemas.microsoft.com/office/powerpoint/2012/main"/>
+    </p:ext>
+  </p:extLst>
 </p:presentation>
 </file>
 
@@ -256,7 +262,7 @@
           <a:p>
             <a:fld id="{F6ADB65A-66C8-F04C-AE2A-B59A3EC32353}" type="datetimeFigureOut">
               <a:rPr lang="en-VN" smtClean="0"/>
-              <a:t>5/8/24</a:t>
+              <a:t>16/8/24</a:t>
             </a:fld>
             <a:endParaRPr lang="en-VN"/>
           </a:p>
@@ -456,7 +462,7 @@
           <a:p>
             <a:fld id="{F6ADB65A-66C8-F04C-AE2A-B59A3EC32353}" type="datetimeFigureOut">
               <a:rPr lang="en-VN" smtClean="0"/>
-              <a:t>5/8/24</a:t>
+              <a:t>16/8/24</a:t>
             </a:fld>
             <a:endParaRPr lang="en-VN"/>
           </a:p>
@@ -666,7 +672,7 @@
           <a:p>
             <a:fld id="{F6ADB65A-66C8-F04C-AE2A-B59A3EC32353}" type="datetimeFigureOut">
               <a:rPr lang="en-VN" smtClean="0"/>
-              <a:t>5/8/24</a:t>
+              <a:t>16/8/24</a:t>
             </a:fld>
             <a:endParaRPr lang="en-VN"/>
           </a:p>
@@ -866,7 +872,7 @@
           <a:p>
             <a:fld id="{F6ADB65A-66C8-F04C-AE2A-B59A3EC32353}" type="datetimeFigureOut">
               <a:rPr lang="en-VN" smtClean="0"/>
-              <a:t>5/8/24</a:t>
+              <a:t>16/8/24</a:t>
             </a:fld>
             <a:endParaRPr lang="en-VN"/>
           </a:p>
@@ -1142,7 +1148,7 @@
           <a:p>
             <a:fld id="{F6ADB65A-66C8-F04C-AE2A-B59A3EC32353}" type="datetimeFigureOut">
               <a:rPr lang="en-VN" smtClean="0"/>
-              <a:t>5/8/24</a:t>
+              <a:t>16/8/24</a:t>
             </a:fld>
             <a:endParaRPr lang="en-VN"/>
           </a:p>
@@ -1410,7 +1416,7 @@
           <a:p>
             <a:fld id="{F6ADB65A-66C8-F04C-AE2A-B59A3EC32353}" type="datetimeFigureOut">
               <a:rPr lang="en-VN" smtClean="0"/>
-              <a:t>5/8/24</a:t>
+              <a:t>16/8/24</a:t>
             </a:fld>
             <a:endParaRPr lang="en-VN"/>
           </a:p>
@@ -1825,7 +1831,7 @@
           <a:p>
             <a:fld id="{F6ADB65A-66C8-F04C-AE2A-B59A3EC32353}" type="datetimeFigureOut">
               <a:rPr lang="en-VN" smtClean="0"/>
-              <a:t>5/8/24</a:t>
+              <a:t>16/8/24</a:t>
             </a:fld>
             <a:endParaRPr lang="en-VN"/>
           </a:p>
@@ -1967,7 +1973,7 @@
           <a:p>
             <a:fld id="{F6ADB65A-66C8-F04C-AE2A-B59A3EC32353}" type="datetimeFigureOut">
               <a:rPr lang="en-VN" smtClean="0"/>
-              <a:t>5/8/24</a:t>
+              <a:t>16/8/24</a:t>
             </a:fld>
             <a:endParaRPr lang="en-VN"/>
           </a:p>
@@ -2080,7 +2086,7 @@
           <a:p>
             <a:fld id="{F6ADB65A-66C8-F04C-AE2A-B59A3EC32353}" type="datetimeFigureOut">
               <a:rPr lang="en-VN" smtClean="0"/>
-              <a:t>5/8/24</a:t>
+              <a:t>16/8/24</a:t>
             </a:fld>
             <a:endParaRPr lang="en-VN"/>
           </a:p>
@@ -2393,7 +2399,7 @@
           <a:p>
             <a:fld id="{F6ADB65A-66C8-F04C-AE2A-B59A3EC32353}" type="datetimeFigureOut">
               <a:rPr lang="en-VN" smtClean="0"/>
-              <a:t>5/8/24</a:t>
+              <a:t>16/8/24</a:t>
             </a:fld>
             <a:endParaRPr lang="en-VN"/>
           </a:p>
@@ -2682,7 +2688,7 @@
           <a:p>
             <a:fld id="{F6ADB65A-66C8-F04C-AE2A-B59A3EC32353}" type="datetimeFigureOut">
               <a:rPr lang="en-VN" smtClean="0"/>
-              <a:t>5/8/24</a:t>
+              <a:t>16/8/24</a:t>
             </a:fld>
             <a:endParaRPr lang="en-VN"/>
           </a:p>
@@ -2925,7 +2931,7 @@
           <a:p>
             <a:fld id="{F6ADB65A-66C8-F04C-AE2A-B59A3EC32353}" type="datetimeFigureOut">
               <a:rPr lang="en-VN" smtClean="0"/>
-              <a:t>5/8/24</a:t>
+              <a:t>16/8/24</a:t>
             </a:fld>
             <a:endParaRPr lang="en-VN"/>
           </a:p>
@@ -6576,6 +6582,5295 @@
 </p:sld>
 </file>
 
+<file path=ppt/slides/slide2.xml><?xml version="1.0" encoding="utf-8"?>
+<p:sld xmlns:a="http://schemas.openxmlformats.org/drawingml/2006/main" xmlns:r="http://schemas.openxmlformats.org/officeDocument/2006/relationships" xmlns:p="http://schemas.openxmlformats.org/presentationml/2006/main">
+  <p:cSld>
+    <p:spTree>
+      <p:nvGrpSpPr>
+        <p:cNvPr id="1" name=""/>
+        <p:cNvGrpSpPr/>
+        <p:nvPr/>
+      </p:nvGrpSpPr>
+      <p:grpSpPr>
+        <a:xfrm>
+          <a:off x="0" y="0"/>
+          <a:ext cx="0" cy="0"/>
+          <a:chOff x="0" y="0"/>
+          <a:chExt cx="0" cy="0"/>
+        </a:xfrm>
+      </p:grpSpPr>
+      <p:sp>
+        <p:nvSpPr>
+          <p:cNvPr id="10" name="Right Arrow Callout 9">
+            <a:extLst>
+              <a:ext uri="{FF2B5EF4-FFF2-40B4-BE49-F238E27FC236}">
+                <a16:creationId xmlns:a16="http://schemas.microsoft.com/office/drawing/2014/main" id="{61896E2A-5685-D194-0475-62B6EF4B8000}"/>
+              </a:ext>
+            </a:extLst>
+          </p:cNvPr>
+          <p:cNvSpPr/>
+          <p:nvPr/>
+        </p:nvSpPr>
+        <p:spPr>
+          <a:xfrm>
+            <a:off x="537004" y="535267"/>
+            <a:ext cx="2110682" cy="2781036"/>
+          </a:xfrm>
+          <a:prstGeom prst="rightArrowCallout">
+            <a:avLst>
+              <a:gd name="adj1" fmla="val 25000"/>
+              <a:gd name="adj2" fmla="val 25000"/>
+              <a:gd name="adj3" fmla="val 20732"/>
+              <a:gd name="adj4" fmla="val 72293"/>
+            </a:avLst>
+          </a:prstGeom>
+          <a:solidFill>
+            <a:srgbClr val="FFFFAD"/>
+          </a:solidFill>
+        </p:spPr>
+        <p:style>
+          <a:lnRef idx="2">
+            <a:schemeClr val="accent1">
+              <a:shade val="15000"/>
+            </a:schemeClr>
+          </a:lnRef>
+          <a:fillRef idx="1">
+            <a:schemeClr val="accent1"/>
+          </a:fillRef>
+          <a:effectRef idx="0">
+            <a:schemeClr val="accent1"/>
+          </a:effectRef>
+          <a:fontRef idx="minor">
+            <a:schemeClr val="lt1"/>
+          </a:fontRef>
+        </p:style>
+        <p:txBody>
+          <a:bodyPr rtlCol="0" anchor="ctr"/>
+          <a:lstStyle/>
+          <a:p>
+            <a:pPr algn="ctr"/>
+            <a:r>
+              <a:rPr lang="en-VN" sz="1600" dirty="0">
+                <a:solidFill>
+                  <a:sysClr val="windowText" lastClr="000000"/>
+                </a:solidFill>
+                <a:latin typeface="Comic Sans MS" panose="030F0902030302020204" pitchFamily="66" charset="0"/>
+              </a:rPr>
+              <a:t>ArXiv Parser</a:t>
+            </a:r>
+          </a:p>
+        </p:txBody>
+      </p:sp>
+      <p:sp>
+        <p:nvSpPr>
+          <p:cNvPr id="122" name="Cube 121">
+            <a:extLst>
+              <a:ext uri="{FF2B5EF4-FFF2-40B4-BE49-F238E27FC236}">
+                <a16:creationId xmlns:a16="http://schemas.microsoft.com/office/drawing/2014/main" id="{67741A34-5389-33CB-3D57-78BF9BB513AF}"/>
+              </a:ext>
+            </a:extLst>
+          </p:cNvPr>
+          <p:cNvSpPr/>
+          <p:nvPr/>
+        </p:nvSpPr>
+        <p:spPr>
+          <a:xfrm>
+            <a:off x="3141375" y="4780692"/>
+            <a:ext cx="2082331" cy="1056773"/>
+          </a:xfrm>
+          <a:prstGeom prst="cube">
+            <a:avLst>
+              <a:gd name="adj" fmla="val 20646"/>
+            </a:avLst>
+          </a:prstGeom>
+          <a:solidFill>
+            <a:schemeClr val="bg2">
+              <a:lumMod val="90000"/>
+            </a:schemeClr>
+          </a:solidFill>
+        </p:spPr>
+        <p:style>
+          <a:lnRef idx="2">
+            <a:schemeClr val="accent1">
+              <a:shade val="15000"/>
+            </a:schemeClr>
+          </a:lnRef>
+          <a:fillRef idx="1">
+            <a:schemeClr val="accent1"/>
+          </a:fillRef>
+          <a:effectRef idx="0">
+            <a:schemeClr val="accent1"/>
+          </a:effectRef>
+          <a:fontRef idx="minor">
+            <a:schemeClr val="lt1"/>
+          </a:fontRef>
+        </p:style>
+        <p:txBody>
+          <a:bodyPr rtlCol="0" anchor="ctr"/>
+          <a:lstStyle/>
+          <a:p>
+            <a:pPr algn="ctr"/>
+            <a:r>
+              <a:rPr lang="en-US" sz="1100" b="1" i="0" dirty="0">
+                <a:solidFill>
+                  <a:srgbClr val="000000"/>
+                </a:solidFill>
+                <a:effectLst/>
+                <a:latin typeface="Comic Sans MS" panose="030F0902030302020204" pitchFamily="66" charset="0"/>
+              </a:rPr>
+              <a:t>BAAI/bge-base-en-v1.5</a:t>
+            </a:r>
+            <a:endParaRPr lang="en-US" sz="1100" b="1" i="0" dirty="0">
+              <a:solidFill>
+                <a:srgbClr val="000000"/>
+              </a:solidFill>
+              <a:latin typeface="Comic Sans MS" panose="030F0902030302020204" pitchFamily="66" charset="0"/>
+            </a:endParaRPr>
+          </a:p>
+          <a:p>
+            <a:pPr algn="ctr"/>
+            <a:r>
+              <a:rPr lang="en-US" sz="1400" b="1" dirty="0">
+                <a:solidFill>
+                  <a:srgbClr val="000000"/>
+                </a:solidFill>
+                <a:effectLst/>
+                <a:latin typeface="Comic Sans MS" panose="030F0902030302020204" pitchFamily="66" charset="0"/>
+              </a:rPr>
+              <a:t>Embedder</a:t>
+            </a:r>
+            <a:endParaRPr lang="en-US" sz="1400" b="1" i="0" dirty="0">
+              <a:solidFill>
+                <a:srgbClr val="000000"/>
+              </a:solidFill>
+              <a:effectLst/>
+              <a:latin typeface="Comic Sans MS" panose="030F0902030302020204" pitchFamily="66" charset="0"/>
+            </a:endParaRPr>
+          </a:p>
+        </p:txBody>
+      </p:sp>
+      <p:grpSp>
+        <p:nvGrpSpPr>
+          <p:cNvPr id="128" name="Group 127">
+            <a:extLst>
+              <a:ext uri="{FF2B5EF4-FFF2-40B4-BE49-F238E27FC236}">
+                <a16:creationId xmlns:a16="http://schemas.microsoft.com/office/drawing/2014/main" id="{074542A6-00B4-4C91-9AAD-2C69F4E415C3}"/>
+              </a:ext>
+            </a:extLst>
+          </p:cNvPr>
+          <p:cNvGrpSpPr/>
+          <p:nvPr/>
+        </p:nvGrpSpPr>
+        <p:grpSpPr>
+          <a:xfrm>
+            <a:off x="2792774" y="111851"/>
+            <a:ext cx="2971235" cy="3209750"/>
+            <a:chOff x="1861324" y="1642645"/>
+            <a:chExt cx="2698793" cy="2090988"/>
+          </a:xfrm>
+        </p:grpSpPr>
+        <p:grpSp>
+          <p:nvGrpSpPr>
+            <p:cNvPr id="104" name="Group 103">
+              <a:extLst>
+                <a:ext uri="{FF2B5EF4-FFF2-40B4-BE49-F238E27FC236}">
+                  <a16:creationId xmlns:a16="http://schemas.microsoft.com/office/drawing/2014/main" id="{F8CBE224-A1B3-3370-B314-0D4F6B10A4D4}"/>
+                </a:ext>
+              </a:extLst>
+            </p:cNvPr>
+            <p:cNvGrpSpPr/>
+            <p:nvPr/>
+          </p:nvGrpSpPr>
+          <p:grpSpPr>
+            <a:xfrm>
+              <a:off x="1861324" y="1863923"/>
+              <a:ext cx="2698793" cy="1869710"/>
+              <a:chOff x="7574548" y="1763944"/>
+              <a:chExt cx="2987090" cy="2575631"/>
+            </a:xfrm>
+          </p:grpSpPr>
+          <p:sp>
+            <p:nvSpPr>
+              <p:cNvPr id="88" name="Can 87">
+                <a:extLst>
+                  <a:ext uri="{FF2B5EF4-FFF2-40B4-BE49-F238E27FC236}">
+                    <a16:creationId xmlns:a16="http://schemas.microsoft.com/office/drawing/2014/main" id="{EAED495C-A2E3-44A9-2E9F-8439AE925104}"/>
+                  </a:ext>
+                </a:extLst>
+              </p:cNvPr>
+              <p:cNvSpPr/>
+              <p:nvPr/>
+            </p:nvSpPr>
+            <p:spPr>
+              <a:xfrm>
+                <a:off x="7574548" y="1763944"/>
+                <a:ext cx="2987090" cy="2575631"/>
+              </a:xfrm>
+              <a:prstGeom prst="can">
+                <a:avLst>
+                  <a:gd name="adj" fmla="val 16104"/>
+                </a:avLst>
+              </a:prstGeom>
+              <a:solidFill>
+                <a:schemeClr val="accent4">
+                  <a:lumMod val="20000"/>
+                  <a:lumOff val="80000"/>
+                </a:schemeClr>
+              </a:solidFill>
+            </p:spPr>
+            <p:style>
+              <a:lnRef idx="2">
+                <a:schemeClr val="accent4">
+                  <a:shade val="15000"/>
+                </a:schemeClr>
+              </a:lnRef>
+              <a:fillRef idx="1">
+                <a:schemeClr val="accent4"/>
+              </a:fillRef>
+              <a:effectRef idx="0">
+                <a:schemeClr val="accent4"/>
+              </a:effectRef>
+              <a:fontRef idx="minor">
+                <a:schemeClr val="lt1"/>
+              </a:fontRef>
+            </p:style>
+            <p:txBody>
+              <a:bodyPr rtlCol="0" anchor="ctr"/>
+              <a:lstStyle/>
+              <a:p>
+                <a:pPr algn="ctr"/>
+                <a:endParaRPr lang="en-VN" sz="900" dirty="0">
+                  <a:latin typeface="Comic Sans MS" panose="030F0902030302020204" pitchFamily="66" charset="0"/>
+                </a:endParaRPr>
+              </a:p>
+            </p:txBody>
+          </p:sp>
+          <p:grpSp>
+            <p:nvGrpSpPr>
+              <p:cNvPr id="102" name="Group 101">
+                <a:extLst>
+                  <a:ext uri="{FF2B5EF4-FFF2-40B4-BE49-F238E27FC236}">
+                    <a16:creationId xmlns:a16="http://schemas.microsoft.com/office/drawing/2014/main" id="{C2F8EB84-4615-3FF1-C40C-06C05FE69034}"/>
+                  </a:ext>
+                </a:extLst>
+              </p:cNvPr>
+              <p:cNvGrpSpPr/>
+              <p:nvPr/>
+            </p:nvGrpSpPr>
+            <p:grpSpPr>
+              <a:xfrm>
+                <a:off x="7681710" y="2338038"/>
+                <a:ext cx="2772766" cy="1772724"/>
+                <a:chOff x="4975531" y="830153"/>
+                <a:chExt cx="2772766" cy="1772724"/>
+              </a:xfrm>
+            </p:grpSpPr>
+            <p:sp>
+              <p:nvSpPr>
+                <p:cNvPr id="70" name="Document 69">
+                  <a:extLst>
+                    <a:ext uri="{FF2B5EF4-FFF2-40B4-BE49-F238E27FC236}">
+                      <a16:creationId xmlns:a16="http://schemas.microsoft.com/office/drawing/2014/main" id="{B7FD82DB-12B0-2710-7490-A8D11636EDE1}"/>
+                    </a:ext>
+                  </a:extLst>
+                </p:cNvPr>
+                <p:cNvSpPr/>
+                <p:nvPr/>
+              </p:nvSpPr>
+              <p:spPr>
+                <a:xfrm>
+                  <a:off x="4975531" y="830155"/>
+                  <a:ext cx="856086" cy="418805"/>
+                </a:xfrm>
+                <a:prstGeom prst="flowChartDocument">
+                  <a:avLst/>
+                </a:prstGeom>
+                <a:solidFill>
+                  <a:schemeClr val="accent2">
+                    <a:lumMod val="20000"/>
+                    <a:lumOff val="80000"/>
+                  </a:schemeClr>
+                </a:solidFill>
+              </p:spPr>
+              <p:style>
+                <a:lnRef idx="2">
+                  <a:schemeClr val="accent1">
+                    <a:shade val="15000"/>
+                  </a:schemeClr>
+                </a:lnRef>
+                <a:fillRef idx="1">
+                  <a:schemeClr val="accent1"/>
+                </a:fillRef>
+                <a:effectRef idx="0">
+                  <a:schemeClr val="accent1"/>
+                </a:effectRef>
+                <a:fontRef idx="minor">
+                  <a:schemeClr val="lt1"/>
+                </a:fontRef>
+              </p:style>
+              <p:txBody>
+                <a:bodyPr rtlCol="0" anchor="ctr"/>
+                <a:lstStyle/>
+                <a:p>
+                  <a:pPr algn="ctr"/>
+                  <a:r>
+                    <a:rPr lang="en-US" sz="900" dirty="0">
+                      <a:solidFill>
+                        <a:schemeClr val="tx1"/>
+                      </a:solidFill>
+                      <a:latin typeface="Comic Sans MS" panose="030F0902030302020204" pitchFamily="66" charset="0"/>
+                    </a:rPr>
+                    <a:t>a</a:t>
+                  </a:r>
+                  <a:r>
+                    <a:rPr lang="en-VN" sz="900" dirty="0">
+                      <a:solidFill>
+                        <a:schemeClr val="tx1"/>
+                      </a:solidFill>
+                      <a:latin typeface="Comic Sans MS" panose="030F0902030302020204" pitchFamily="66" charset="0"/>
+                    </a:rPr>
+                    <a:t>bstract#1</a:t>
+                  </a:r>
+                </a:p>
+              </p:txBody>
+            </p:sp>
+            <p:sp>
+              <p:nvSpPr>
+                <p:cNvPr id="71" name="Document 70">
+                  <a:extLst>
+                    <a:ext uri="{FF2B5EF4-FFF2-40B4-BE49-F238E27FC236}">
+                      <a16:creationId xmlns:a16="http://schemas.microsoft.com/office/drawing/2014/main" id="{0C9E4A4A-9FC7-D772-0A03-5FFD2C96EFD9}"/>
+                    </a:ext>
+                  </a:extLst>
+                </p:cNvPr>
+                <p:cNvSpPr/>
+                <p:nvPr/>
+              </p:nvSpPr>
+              <p:spPr>
+                <a:xfrm>
+                  <a:off x="5926307" y="830154"/>
+                  <a:ext cx="856086" cy="418805"/>
+                </a:xfrm>
+                <a:prstGeom prst="flowChartDocument">
+                  <a:avLst/>
+                </a:prstGeom>
+                <a:solidFill>
+                  <a:schemeClr val="accent2">
+                    <a:lumMod val="20000"/>
+                    <a:lumOff val="80000"/>
+                  </a:schemeClr>
+                </a:solidFill>
+              </p:spPr>
+              <p:style>
+                <a:lnRef idx="2">
+                  <a:schemeClr val="accent1">
+                    <a:shade val="15000"/>
+                  </a:schemeClr>
+                </a:lnRef>
+                <a:fillRef idx="1">
+                  <a:schemeClr val="accent1"/>
+                </a:fillRef>
+                <a:effectRef idx="0">
+                  <a:schemeClr val="accent1"/>
+                </a:effectRef>
+                <a:fontRef idx="minor">
+                  <a:schemeClr val="lt1"/>
+                </a:fontRef>
+              </p:style>
+              <p:txBody>
+                <a:bodyPr rtlCol="0" anchor="ctr"/>
+                <a:lstStyle/>
+                <a:p>
+                  <a:pPr algn="ctr"/>
+                  <a:r>
+                    <a:rPr lang="en-US" sz="900" dirty="0">
+                      <a:solidFill>
+                        <a:schemeClr val="tx1"/>
+                      </a:solidFill>
+                      <a:latin typeface="Comic Sans MS" panose="030F0902030302020204" pitchFamily="66" charset="0"/>
+                    </a:rPr>
+                    <a:t>a</a:t>
+                  </a:r>
+                  <a:r>
+                    <a:rPr lang="en-VN" sz="900" dirty="0">
+                      <a:solidFill>
+                        <a:schemeClr val="tx1"/>
+                      </a:solidFill>
+                      <a:latin typeface="Comic Sans MS" panose="030F0902030302020204" pitchFamily="66" charset="0"/>
+                    </a:rPr>
+                    <a:t>bstract#2</a:t>
+                  </a:r>
+                </a:p>
+              </p:txBody>
+            </p:sp>
+            <p:sp>
+              <p:nvSpPr>
+                <p:cNvPr id="72" name="Document 71">
+                  <a:extLst>
+                    <a:ext uri="{FF2B5EF4-FFF2-40B4-BE49-F238E27FC236}">
+                      <a16:creationId xmlns:a16="http://schemas.microsoft.com/office/drawing/2014/main" id="{4A238EC6-0089-95EA-F3B7-9CC5A4B9586F}"/>
+                    </a:ext>
+                  </a:extLst>
+                </p:cNvPr>
+                <p:cNvSpPr/>
+                <p:nvPr/>
+              </p:nvSpPr>
+              <p:spPr>
+                <a:xfrm>
+                  <a:off x="6892211" y="830153"/>
+                  <a:ext cx="856086" cy="418805"/>
+                </a:xfrm>
+                <a:prstGeom prst="flowChartDocument">
+                  <a:avLst/>
+                </a:prstGeom>
+                <a:solidFill>
+                  <a:schemeClr val="accent2">
+                    <a:lumMod val="20000"/>
+                    <a:lumOff val="80000"/>
+                  </a:schemeClr>
+                </a:solidFill>
+              </p:spPr>
+              <p:style>
+                <a:lnRef idx="2">
+                  <a:schemeClr val="accent1">
+                    <a:shade val="15000"/>
+                  </a:schemeClr>
+                </a:lnRef>
+                <a:fillRef idx="1">
+                  <a:schemeClr val="accent1"/>
+                </a:fillRef>
+                <a:effectRef idx="0">
+                  <a:schemeClr val="accent1"/>
+                </a:effectRef>
+                <a:fontRef idx="minor">
+                  <a:schemeClr val="lt1"/>
+                </a:fontRef>
+              </p:style>
+              <p:txBody>
+                <a:bodyPr rtlCol="0" anchor="ctr"/>
+                <a:lstStyle/>
+                <a:p>
+                  <a:pPr algn="ctr"/>
+                  <a:r>
+                    <a:rPr lang="en-US" sz="900" dirty="0">
+                      <a:solidFill>
+                        <a:schemeClr val="tx1"/>
+                      </a:solidFill>
+                      <a:latin typeface="Comic Sans MS" panose="030F0902030302020204" pitchFamily="66" charset="0"/>
+                    </a:rPr>
+                    <a:t>a</a:t>
+                  </a:r>
+                  <a:r>
+                    <a:rPr lang="en-VN" sz="900" dirty="0">
+                      <a:solidFill>
+                        <a:schemeClr val="tx1"/>
+                      </a:solidFill>
+                      <a:latin typeface="Comic Sans MS" panose="030F0902030302020204" pitchFamily="66" charset="0"/>
+                    </a:rPr>
+                    <a:t>bstract#3</a:t>
+                  </a:r>
+                </a:p>
+              </p:txBody>
+            </p:sp>
+            <p:sp>
+              <p:nvSpPr>
+                <p:cNvPr id="74" name="Document 73">
+                  <a:extLst>
+                    <a:ext uri="{FF2B5EF4-FFF2-40B4-BE49-F238E27FC236}">
+                      <a16:creationId xmlns:a16="http://schemas.microsoft.com/office/drawing/2014/main" id="{38F217D2-FF54-16B4-6570-95AEF87167B7}"/>
+                    </a:ext>
+                  </a:extLst>
+                </p:cNvPr>
+                <p:cNvSpPr/>
+                <p:nvPr/>
+              </p:nvSpPr>
+              <p:spPr>
+                <a:xfrm>
+                  <a:off x="4975531" y="1335246"/>
+                  <a:ext cx="856086" cy="418805"/>
+                </a:xfrm>
+                <a:prstGeom prst="flowChartDocument">
+                  <a:avLst/>
+                </a:prstGeom>
+                <a:solidFill>
+                  <a:schemeClr val="accent2">
+                    <a:lumMod val="20000"/>
+                    <a:lumOff val="80000"/>
+                  </a:schemeClr>
+                </a:solidFill>
+              </p:spPr>
+              <p:style>
+                <a:lnRef idx="2">
+                  <a:schemeClr val="accent1">
+                    <a:shade val="15000"/>
+                  </a:schemeClr>
+                </a:lnRef>
+                <a:fillRef idx="1">
+                  <a:schemeClr val="accent1"/>
+                </a:fillRef>
+                <a:effectRef idx="0">
+                  <a:schemeClr val="accent1"/>
+                </a:effectRef>
+                <a:fontRef idx="minor">
+                  <a:schemeClr val="lt1"/>
+                </a:fontRef>
+              </p:style>
+              <p:txBody>
+                <a:bodyPr rtlCol="0" anchor="ctr"/>
+                <a:lstStyle/>
+                <a:p>
+                  <a:pPr algn="ctr"/>
+                  <a:r>
+                    <a:rPr lang="en-US" sz="900" dirty="0">
+                      <a:solidFill>
+                        <a:schemeClr val="tx1"/>
+                      </a:solidFill>
+                      <a:latin typeface="Comic Sans MS" panose="030F0902030302020204" pitchFamily="66" charset="0"/>
+                    </a:rPr>
+                    <a:t>a</a:t>
+                  </a:r>
+                  <a:r>
+                    <a:rPr lang="en-VN" sz="900" dirty="0">
+                      <a:solidFill>
+                        <a:schemeClr val="tx1"/>
+                      </a:solidFill>
+                      <a:latin typeface="Comic Sans MS" panose="030F0902030302020204" pitchFamily="66" charset="0"/>
+                    </a:rPr>
+                    <a:t>bstract#4</a:t>
+                  </a:r>
+                </a:p>
+              </p:txBody>
+            </p:sp>
+            <p:sp>
+              <p:nvSpPr>
+                <p:cNvPr id="75" name="Document 74">
+                  <a:extLst>
+                    <a:ext uri="{FF2B5EF4-FFF2-40B4-BE49-F238E27FC236}">
+                      <a16:creationId xmlns:a16="http://schemas.microsoft.com/office/drawing/2014/main" id="{6425EECD-BBB7-4842-E0B8-1E81565D16DC}"/>
+                    </a:ext>
+                  </a:extLst>
+                </p:cNvPr>
+                <p:cNvSpPr/>
+                <p:nvPr/>
+              </p:nvSpPr>
+              <p:spPr>
+                <a:xfrm>
+                  <a:off x="5926307" y="1335245"/>
+                  <a:ext cx="856086" cy="418805"/>
+                </a:xfrm>
+                <a:prstGeom prst="flowChartDocument">
+                  <a:avLst/>
+                </a:prstGeom>
+                <a:solidFill>
+                  <a:schemeClr val="accent2">
+                    <a:lumMod val="20000"/>
+                    <a:lumOff val="80000"/>
+                  </a:schemeClr>
+                </a:solidFill>
+              </p:spPr>
+              <p:style>
+                <a:lnRef idx="2">
+                  <a:schemeClr val="accent1">
+                    <a:shade val="15000"/>
+                  </a:schemeClr>
+                </a:lnRef>
+                <a:fillRef idx="1">
+                  <a:schemeClr val="accent1"/>
+                </a:fillRef>
+                <a:effectRef idx="0">
+                  <a:schemeClr val="accent1"/>
+                </a:effectRef>
+                <a:fontRef idx="minor">
+                  <a:schemeClr val="lt1"/>
+                </a:fontRef>
+              </p:style>
+              <p:txBody>
+                <a:bodyPr rtlCol="0" anchor="ctr"/>
+                <a:lstStyle/>
+                <a:p>
+                  <a:pPr algn="ctr"/>
+                  <a:r>
+                    <a:rPr lang="en-US" sz="900" dirty="0">
+                      <a:solidFill>
+                        <a:schemeClr val="tx1"/>
+                      </a:solidFill>
+                      <a:latin typeface="Comic Sans MS" panose="030F0902030302020204" pitchFamily="66" charset="0"/>
+                    </a:rPr>
+                    <a:t>a</a:t>
+                  </a:r>
+                  <a:r>
+                    <a:rPr lang="en-VN" sz="900" dirty="0">
+                      <a:solidFill>
+                        <a:schemeClr val="tx1"/>
+                      </a:solidFill>
+                      <a:latin typeface="Comic Sans MS" panose="030F0902030302020204" pitchFamily="66" charset="0"/>
+                    </a:rPr>
+                    <a:t>bstract#5</a:t>
+                  </a:r>
+                </a:p>
+              </p:txBody>
+            </p:sp>
+            <p:sp>
+              <p:nvSpPr>
+                <p:cNvPr id="76" name="Document 75">
+                  <a:extLst>
+                    <a:ext uri="{FF2B5EF4-FFF2-40B4-BE49-F238E27FC236}">
+                      <a16:creationId xmlns:a16="http://schemas.microsoft.com/office/drawing/2014/main" id="{3FBB5F22-5AC9-D9FB-12E5-E140FAE27935}"/>
+                    </a:ext>
+                  </a:extLst>
+                </p:cNvPr>
+                <p:cNvSpPr/>
+                <p:nvPr/>
+              </p:nvSpPr>
+              <p:spPr>
+                <a:xfrm>
+                  <a:off x="6892211" y="1335244"/>
+                  <a:ext cx="856086" cy="418805"/>
+                </a:xfrm>
+                <a:prstGeom prst="flowChartDocument">
+                  <a:avLst/>
+                </a:prstGeom>
+                <a:solidFill>
+                  <a:schemeClr val="accent2">
+                    <a:lumMod val="20000"/>
+                    <a:lumOff val="80000"/>
+                  </a:schemeClr>
+                </a:solidFill>
+              </p:spPr>
+              <p:style>
+                <a:lnRef idx="2">
+                  <a:schemeClr val="accent1">
+                    <a:shade val="15000"/>
+                  </a:schemeClr>
+                </a:lnRef>
+                <a:fillRef idx="1">
+                  <a:schemeClr val="accent1"/>
+                </a:fillRef>
+                <a:effectRef idx="0">
+                  <a:schemeClr val="accent1"/>
+                </a:effectRef>
+                <a:fontRef idx="minor">
+                  <a:schemeClr val="lt1"/>
+                </a:fontRef>
+              </p:style>
+              <p:txBody>
+                <a:bodyPr rtlCol="0" anchor="ctr"/>
+                <a:lstStyle/>
+                <a:p>
+                  <a:pPr algn="ctr"/>
+                  <a:r>
+                    <a:rPr lang="en-US" sz="900" dirty="0">
+                      <a:solidFill>
+                        <a:schemeClr val="tx1"/>
+                      </a:solidFill>
+                      <a:latin typeface="Comic Sans MS" panose="030F0902030302020204" pitchFamily="66" charset="0"/>
+                    </a:rPr>
+                    <a:t>a</a:t>
+                  </a:r>
+                  <a:r>
+                    <a:rPr lang="en-VN" sz="900" dirty="0">
+                      <a:solidFill>
+                        <a:schemeClr val="tx1"/>
+                      </a:solidFill>
+                      <a:latin typeface="Comic Sans MS" panose="030F0902030302020204" pitchFamily="66" charset="0"/>
+                    </a:rPr>
+                    <a:t>bstract#6</a:t>
+                  </a:r>
+                </a:p>
+              </p:txBody>
+            </p:sp>
+            <p:sp>
+              <p:nvSpPr>
+                <p:cNvPr id="78" name="Document 77">
+                  <a:extLst>
+                    <a:ext uri="{FF2B5EF4-FFF2-40B4-BE49-F238E27FC236}">
+                      <a16:creationId xmlns:a16="http://schemas.microsoft.com/office/drawing/2014/main" id="{C87EF6AF-1A66-02E8-1FA0-C2052641585E}"/>
+                    </a:ext>
+                  </a:extLst>
+                </p:cNvPr>
+                <p:cNvSpPr/>
+                <p:nvPr/>
+              </p:nvSpPr>
+              <p:spPr>
+                <a:xfrm>
+                  <a:off x="4975531" y="2184072"/>
+                  <a:ext cx="856086" cy="418805"/>
+                </a:xfrm>
+                <a:prstGeom prst="flowChartDocument">
+                  <a:avLst/>
+                </a:prstGeom>
+                <a:solidFill>
+                  <a:schemeClr val="accent2">
+                    <a:lumMod val="20000"/>
+                    <a:lumOff val="80000"/>
+                  </a:schemeClr>
+                </a:solidFill>
+              </p:spPr>
+              <p:style>
+                <a:lnRef idx="2">
+                  <a:schemeClr val="accent1">
+                    <a:shade val="15000"/>
+                  </a:schemeClr>
+                </a:lnRef>
+                <a:fillRef idx="1">
+                  <a:schemeClr val="accent1"/>
+                </a:fillRef>
+                <a:effectRef idx="0">
+                  <a:schemeClr val="accent1"/>
+                </a:effectRef>
+                <a:fontRef idx="minor">
+                  <a:schemeClr val="lt1"/>
+                </a:fontRef>
+              </p:style>
+              <p:txBody>
+                <a:bodyPr rtlCol="0" anchor="ctr"/>
+                <a:lstStyle/>
+                <a:p>
+                  <a:pPr algn="ctr"/>
+                  <a:r>
+                    <a:rPr lang="en-US" sz="900" dirty="0">
+                      <a:solidFill>
+                        <a:schemeClr val="tx1"/>
+                      </a:solidFill>
+                      <a:latin typeface="Comic Sans MS" panose="030F0902030302020204" pitchFamily="66" charset="0"/>
+                    </a:rPr>
+                    <a:t>a</a:t>
+                  </a:r>
+                  <a:r>
+                    <a:rPr lang="en-VN" sz="900" dirty="0">
+                      <a:solidFill>
+                        <a:schemeClr val="tx1"/>
+                      </a:solidFill>
+                      <a:latin typeface="Comic Sans MS" panose="030F0902030302020204" pitchFamily="66" charset="0"/>
+                    </a:rPr>
+                    <a:t>bstract#x</a:t>
+                  </a:r>
+                </a:p>
+              </p:txBody>
+            </p:sp>
+            <p:sp>
+              <p:nvSpPr>
+                <p:cNvPr id="79" name="Document 78">
+                  <a:extLst>
+                    <a:ext uri="{FF2B5EF4-FFF2-40B4-BE49-F238E27FC236}">
+                      <a16:creationId xmlns:a16="http://schemas.microsoft.com/office/drawing/2014/main" id="{F7FBD87E-CB67-EB0E-C93A-9BF0B454F16E}"/>
+                    </a:ext>
+                  </a:extLst>
+                </p:cNvPr>
+                <p:cNvSpPr/>
+                <p:nvPr/>
+              </p:nvSpPr>
+              <p:spPr>
+                <a:xfrm>
+                  <a:off x="5926307" y="2184071"/>
+                  <a:ext cx="856086" cy="418805"/>
+                </a:xfrm>
+                <a:prstGeom prst="flowChartDocument">
+                  <a:avLst/>
+                </a:prstGeom>
+                <a:solidFill>
+                  <a:schemeClr val="accent2">
+                    <a:lumMod val="20000"/>
+                    <a:lumOff val="80000"/>
+                  </a:schemeClr>
+                </a:solidFill>
+              </p:spPr>
+              <p:style>
+                <a:lnRef idx="2">
+                  <a:schemeClr val="accent1">
+                    <a:shade val="15000"/>
+                  </a:schemeClr>
+                </a:lnRef>
+                <a:fillRef idx="1">
+                  <a:schemeClr val="accent1"/>
+                </a:fillRef>
+                <a:effectRef idx="0">
+                  <a:schemeClr val="accent1"/>
+                </a:effectRef>
+                <a:fontRef idx="minor">
+                  <a:schemeClr val="lt1"/>
+                </a:fontRef>
+              </p:style>
+              <p:txBody>
+                <a:bodyPr rtlCol="0" anchor="ctr"/>
+                <a:lstStyle/>
+                <a:p>
+                  <a:pPr algn="ctr"/>
+                  <a:r>
+                    <a:rPr lang="en-US" sz="900" dirty="0">
+                      <a:solidFill>
+                        <a:schemeClr val="tx1"/>
+                      </a:solidFill>
+                      <a:latin typeface="Comic Sans MS" panose="030F0902030302020204" pitchFamily="66" charset="0"/>
+                    </a:rPr>
+                    <a:t>a</a:t>
+                  </a:r>
+                  <a:r>
+                    <a:rPr lang="en-VN" sz="900" dirty="0">
+                      <a:solidFill>
+                        <a:schemeClr val="tx1"/>
+                      </a:solidFill>
+                      <a:latin typeface="Comic Sans MS" panose="030F0902030302020204" pitchFamily="66" charset="0"/>
+                    </a:rPr>
+                    <a:t>bstract#y</a:t>
+                  </a:r>
+                </a:p>
+              </p:txBody>
+            </p:sp>
+            <p:sp>
+              <p:nvSpPr>
+                <p:cNvPr id="80" name="Document 79">
+                  <a:extLst>
+                    <a:ext uri="{FF2B5EF4-FFF2-40B4-BE49-F238E27FC236}">
+                      <a16:creationId xmlns:a16="http://schemas.microsoft.com/office/drawing/2014/main" id="{F388369C-7DF2-2289-4D0A-0D605042FEDC}"/>
+                    </a:ext>
+                  </a:extLst>
+                </p:cNvPr>
+                <p:cNvSpPr/>
+                <p:nvPr/>
+              </p:nvSpPr>
+              <p:spPr>
+                <a:xfrm>
+                  <a:off x="6892211" y="2184070"/>
+                  <a:ext cx="856086" cy="418805"/>
+                </a:xfrm>
+                <a:prstGeom prst="flowChartDocument">
+                  <a:avLst/>
+                </a:prstGeom>
+                <a:solidFill>
+                  <a:schemeClr val="accent2">
+                    <a:lumMod val="20000"/>
+                    <a:lumOff val="80000"/>
+                  </a:schemeClr>
+                </a:solidFill>
+              </p:spPr>
+              <p:style>
+                <a:lnRef idx="2">
+                  <a:schemeClr val="accent1">
+                    <a:shade val="15000"/>
+                  </a:schemeClr>
+                </a:lnRef>
+                <a:fillRef idx="1">
+                  <a:schemeClr val="accent1"/>
+                </a:fillRef>
+                <a:effectRef idx="0">
+                  <a:schemeClr val="accent1"/>
+                </a:effectRef>
+                <a:fontRef idx="minor">
+                  <a:schemeClr val="lt1"/>
+                </a:fontRef>
+              </p:style>
+              <p:txBody>
+                <a:bodyPr rtlCol="0" anchor="ctr"/>
+                <a:lstStyle/>
+                <a:p>
+                  <a:pPr algn="ctr"/>
+                  <a:r>
+                    <a:rPr lang="en-US" sz="900" dirty="0">
+                      <a:solidFill>
+                        <a:schemeClr val="tx1"/>
+                      </a:solidFill>
+                      <a:latin typeface="Comic Sans MS" panose="030F0902030302020204" pitchFamily="66" charset="0"/>
+                    </a:rPr>
+                    <a:t>a</a:t>
+                  </a:r>
+                  <a:r>
+                    <a:rPr lang="en-VN" sz="900" dirty="0">
+                      <a:solidFill>
+                        <a:schemeClr val="tx1"/>
+                      </a:solidFill>
+                      <a:latin typeface="Comic Sans MS" panose="030F0902030302020204" pitchFamily="66" charset="0"/>
+                    </a:rPr>
+                    <a:t>bstract#z</a:t>
+                  </a:r>
+                </a:p>
+              </p:txBody>
+            </p:sp>
+            <p:sp>
+              <p:nvSpPr>
+                <p:cNvPr id="84" name="TextBox 83">
+                  <a:extLst>
+                    <a:ext uri="{FF2B5EF4-FFF2-40B4-BE49-F238E27FC236}">
+                      <a16:creationId xmlns:a16="http://schemas.microsoft.com/office/drawing/2014/main" id="{F6F11F9A-51F3-7BA3-BDAC-C47439A763F9}"/>
+                    </a:ext>
+                  </a:extLst>
+                </p:cNvPr>
+                <p:cNvSpPr txBox="1"/>
+                <p:nvPr/>
+              </p:nvSpPr>
+              <p:spPr>
+                <a:xfrm>
+                  <a:off x="5146641" y="1673731"/>
+                  <a:ext cx="509325" cy="414302"/>
+                </a:xfrm>
+                <a:prstGeom prst="rect">
+                  <a:avLst/>
+                </a:prstGeom>
+                <a:noFill/>
+              </p:spPr>
+              <p:txBody>
+                <a:bodyPr wrap="square" rtlCol="0">
+                  <a:spAutoFit/>
+                </a:bodyPr>
+                <a:lstStyle/>
+                <a:p>
+                  <a:pPr algn="ctr"/>
+                  <a:r>
+                    <a:rPr lang="en-VN" sz="2400" dirty="0">
+                      <a:latin typeface="Comic Sans MS" panose="030F0902030302020204" pitchFamily="66" charset="0"/>
+                    </a:rPr>
+                    <a:t>…</a:t>
+                  </a:r>
+                </a:p>
+              </p:txBody>
+            </p:sp>
+            <p:sp>
+              <p:nvSpPr>
+                <p:cNvPr id="85" name="TextBox 84">
+                  <a:extLst>
+                    <a:ext uri="{FF2B5EF4-FFF2-40B4-BE49-F238E27FC236}">
+                      <a16:creationId xmlns:a16="http://schemas.microsoft.com/office/drawing/2014/main" id="{0787B46A-01A5-C8C0-C58E-38261D6076D4}"/>
+                    </a:ext>
+                  </a:extLst>
+                </p:cNvPr>
+                <p:cNvSpPr txBox="1"/>
+                <p:nvPr/>
+              </p:nvSpPr>
+              <p:spPr>
+                <a:xfrm>
+                  <a:off x="6107252" y="1673731"/>
+                  <a:ext cx="509325" cy="414302"/>
+                </a:xfrm>
+                <a:prstGeom prst="rect">
+                  <a:avLst/>
+                </a:prstGeom>
+                <a:noFill/>
+              </p:spPr>
+              <p:txBody>
+                <a:bodyPr wrap="square" rtlCol="0">
+                  <a:spAutoFit/>
+                </a:bodyPr>
+                <a:lstStyle/>
+                <a:p>
+                  <a:pPr algn="ctr"/>
+                  <a:r>
+                    <a:rPr lang="en-VN" sz="2400" dirty="0">
+                      <a:latin typeface="Comic Sans MS" panose="030F0902030302020204" pitchFamily="66" charset="0"/>
+                    </a:rPr>
+                    <a:t>…</a:t>
+                  </a:r>
+                </a:p>
+              </p:txBody>
+            </p:sp>
+            <p:sp>
+              <p:nvSpPr>
+                <p:cNvPr id="86" name="TextBox 85">
+                  <a:extLst>
+                    <a:ext uri="{FF2B5EF4-FFF2-40B4-BE49-F238E27FC236}">
+                      <a16:creationId xmlns:a16="http://schemas.microsoft.com/office/drawing/2014/main" id="{EA0FB68D-7798-9952-4E20-781A75093712}"/>
+                    </a:ext>
+                  </a:extLst>
+                </p:cNvPr>
+                <p:cNvSpPr txBox="1"/>
+                <p:nvPr/>
+              </p:nvSpPr>
+              <p:spPr>
+                <a:xfrm>
+                  <a:off x="7062953" y="1673731"/>
+                  <a:ext cx="509325" cy="414302"/>
+                </a:xfrm>
+                <a:prstGeom prst="rect">
+                  <a:avLst/>
+                </a:prstGeom>
+                <a:noFill/>
+              </p:spPr>
+              <p:txBody>
+                <a:bodyPr wrap="square" rtlCol="0">
+                  <a:spAutoFit/>
+                </a:bodyPr>
+                <a:lstStyle/>
+                <a:p>
+                  <a:pPr algn="ctr"/>
+                  <a:r>
+                    <a:rPr lang="en-VN" sz="2400" dirty="0">
+                      <a:latin typeface="Comic Sans MS" panose="030F0902030302020204" pitchFamily="66" charset="0"/>
+                    </a:rPr>
+                    <a:t>…</a:t>
+                  </a:r>
+                </a:p>
+              </p:txBody>
+            </p:sp>
+          </p:grpSp>
+        </p:grpSp>
+        <p:sp>
+          <p:nvSpPr>
+            <p:cNvPr id="125" name="TextBox 124">
+              <a:extLst>
+                <a:ext uri="{FF2B5EF4-FFF2-40B4-BE49-F238E27FC236}">
+                  <a16:creationId xmlns:a16="http://schemas.microsoft.com/office/drawing/2014/main" id="{73159E49-F6E9-E970-EBE9-ACCF5695980D}"/>
+                </a:ext>
+              </a:extLst>
+            </p:cNvPr>
+            <p:cNvSpPr txBox="1"/>
+            <p:nvPr/>
+          </p:nvSpPr>
+          <p:spPr>
+            <a:xfrm>
+              <a:off x="2166583" y="1642645"/>
+              <a:ext cx="2088274" cy="221277"/>
+            </a:xfrm>
+            <a:prstGeom prst="rect">
+              <a:avLst/>
+            </a:prstGeom>
+            <a:noFill/>
+          </p:spPr>
+          <p:txBody>
+            <a:bodyPr wrap="square" rtlCol="0">
+              <a:spAutoFit/>
+            </a:bodyPr>
+            <a:lstStyle/>
+            <a:p>
+              <a:pPr algn="ctr"/>
+              <a:r>
+                <a:rPr lang="en-VN" sz="1400" dirty="0">
+                  <a:latin typeface="Comic Sans MS" panose="030F0902030302020204" pitchFamily="66" charset="0"/>
+                </a:rPr>
+                <a:t>Abstracts database</a:t>
+              </a:r>
+            </a:p>
+          </p:txBody>
+        </p:sp>
+      </p:grpSp>
+      <p:grpSp>
+        <p:nvGrpSpPr>
+          <p:cNvPr id="143" name="Group 142">
+            <a:extLst>
+              <a:ext uri="{FF2B5EF4-FFF2-40B4-BE49-F238E27FC236}">
+                <a16:creationId xmlns:a16="http://schemas.microsoft.com/office/drawing/2014/main" id="{356C29DE-FDC6-6943-BEDF-2C6AFFF7AD54}"/>
+              </a:ext>
+            </a:extLst>
+          </p:cNvPr>
+          <p:cNvGrpSpPr/>
+          <p:nvPr/>
+        </p:nvGrpSpPr>
+        <p:grpSpPr>
+          <a:xfrm>
+            <a:off x="564261" y="4635998"/>
+            <a:ext cx="1164034" cy="1545025"/>
+            <a:chOff x="8778080" y="3102328"/>
+            <a:chExt cx="2590436" cy="2970398"/>
+          </a:xfrm>
+          <a:solidFill>
+            <a:schemeClr val="accent6">
+              <a:lumMod val="40000"/>
+              <a:lumOff val="60000"/>
+            </a:schemeClr>
+          </a:solidFill>
+        </p:grpSpPr>
+        <p:sp>
+          <p:nvSpPr>
+            <p:cNvPr id="111" name="Can 110">
+              <a:extLst>
+                <a:ext uri="{FF2B5EF4-FFF2-40B4-BE49-F238E27FC236}">
+                  <a16:creationId xmlns:a16="http://schemas.microsoft.com/office/drawing/2014/main" id="{202AE43A-45D6-5729-A693-943008B90410}"/>
+                </a:ext>
+              </a:extLst>
+            </p:cNvPr>
+            <p:cNvSpPr/>
+            <p:nvPr/>
+          </p:nvSpPr>
+          <p:spPr>
+            <a:xfrm>
+              <a:off x="8778080" y="4827523"/>
+              <a:ext cx="2590436" cy="1245203"/>
+            </a:xfrm>
+            <a:prstGeom prst="can">
+              <a:avLst>
+                <a:gd name="adj" fmla="val 43613"/>
+              </a:avLst>
+            </a:prstGeom>
+            <a:grpFill/>
+          </p:spPr>
+          <p:style>
+            <a:lnRef idx="2">
+              <a:schemeClr val="accent4">
+                <a:shade val="15000"/>
+              </a:schemeClr>
+            </a:lnRef>
+            <a:fillRef idx="1">
+              <a:schemeClr val="accent4"/>
+            </a:fillRef>
+            <a:effectRef idx="0">
+              <a:schemeClr val="accent4"/>
+            </a:effectRef>
+            <a:fontRef idx="minor">
+              <a:schemeClr val="lt1"/>
+            </a:fontRef>
+          </p:style>
+          <p:txBody>
+            <a:bodyPr rtlCol="0" anchor="ctr"/>
+            <a:lstStyle/>
+            <a:p>
+              <a:pPr algn="ctr"/>
+              <a:endParaRPr lang="en-VN" sz="800" dirty="0">
+                <a:latin typeface="Comic Sans MS" panose="030F0902030302020204" pitchFamily="66" charset="0"/>
+              </a:endParaRPr>
+            </a:p>
+          </p:txBody>
+        </p:sp>
+        <p:sp>
+          <p:nvSpPr>
+            <p:cNvPr id="121" name="Can 120">
+              <a:extLst>
+                <a:ext uri="{FF2B5EF4-FFF2-40B4-BE49-F238E27FC236}">
+                  <a16:creationId xmlns:a16="http://schemas.microsoft.com/office/drawing/2014/main" id="{25C84256-BA5E-6971-69C9-8AB551DAFC58}"/>
+                </a:ext>
+              </a:extLst>
+            </p:cNvPr>
+            <p:cNvSpPr/>
+            <p:nvPr/>
+          </p:nvSpPr>
+          <p:spPr>
+            <a:xfrm>
+              <a:off x="8778080" y="3975519"/>
+              <a:ext cx="2590436" cy="1245203"/>
+            </a:xfrm>
+            <a:prstGeom prst="can">
+              <a:avLst>
+                <a:gd name="adj" fmla="val 43613"/>
+              </a:avLst>
+            </a:prstGeom>
+            <a:grpFill/>
+          </p:spPr>
+          <p:style>
+            <a:lnRef idx="2">
+              <a:schemeClr val="accent4">
+                <a:shade val="15000"/>
+              </a:schemeClr>
+            </a:lnRef>
+            <a:fillRef idx="1">
+              <a:schemeClr val="accent4"/>
+            </a:fillRef>
+            <a:effectRef idx="0">
+              <a:schemeClr val="accent4"/>
+            </a:effectRef>
+            <a:fontRef idx="minor">
+              <a:schemeClr val="lt1"/>
+            </a:fontRef>
+          </p:style>
+          <p:txBody>
+            <a:bodyPr rtlCol="0" anchor="ctr"/>
+            <a:lstStyle/>
+            <a:p>
+              <a:pPr algn="ctr"/>
+              <a:endParaRPr lang="en-VN" sz="800" dirty="0">
+                <a:latin typeface="Comic Sans MS" panose="030F0902030302020204" pitchFamily="66" charset="0"/>
+              </a:endParaRPr>
+            </a:p>
+          </p:txBody>
+        </p:sp>
+        <p:sp>
+          <p:nvSpPr>
+            <p:cNvPr id="124" name="Can 123">
+              <a:extLst>
+                <a:ext uri="{FF2B5EF4-FFF2-40B4-BE49-F238E27FC236}">
+                  <a16:creationId xmlns:a16="http://schemas.microsoft.com/office/drawing/2014/main" id="{86CEF118-4E47-193B-2399-575ECD636570}"/>
+                </a:ext>
+              </a:extLst>
+            </p:cNvPr>
+            <p:cNvSpPr/>
+            <p:nvPr/>
+          </p:nvSpPr>
+          <p:spPr>
+            <a:xfrm>
+              <a:off x="8778080" y="3102328"/>
+              <a:ext cx="2590436" cy="1245203"/>
+            </a:xfrm>
+            <a:prstGeom prst="can">
+              <a:avLst>
+                <a:gd name="adj" fmla="val 43613"/>
+              </a:avLst>
+            </a:prstGeom>
+            <a:grpFill/>
+          </p:spPr>
+          <p:style>
+            <a:lnRef idx="2">
+              <a:schemeClr val="accent4">
+                <a:shade val="15000"/>
+              </a:schemeClr>
+            </a:lnRef>
+            <a:fillRef idx="1">
+              <a:schemeClr val="accent4"/>
+            </a:fillRef>
+            <a:effectRef idx="0">
+              <a:schemeClr val="accent4"/>
+            </a:effectRef>
+            <a:fontRef idx="minor">
+              <a:schemeClr val="lt1"/>
+            </a:fontRef>
+          </p:style>
+          <p:txBody>
+            <a:bodyPr rtlCol="0" anchor="ctr"/>
+            <a:lstStyle/>
+            <a:p>
+              <a:pPr algn="ctr"/>
+              <a:endParaRPr lang="en-VN" sz="800" dirty="0">
+                <a:latin typeface="Comic Sans MS" panose="030F0902030302020204" pitchFamily="66" charset="0"/>
+              </a:endParaRPr>
+            </a:p>
+          </p:txBody>
+        </p:sp>
+      </p:grpSp>
+      <p:grpSp>
+        <p:nvGrpSpPr>
+          <p:cNvPr id="142" name="Group 141">
+            <a:extLst>
+              <a:ext uri="{FF2B5EF4-FFF2-40B4-BE49-F238E27FC236}">
+                <a16:creationId xmlns:a16="http://schemas.microsoft.com/office/drawing/2014/main" id="{29A194A9-8788-1C60-6834-60B9609A943D}"/>
+              </a:ext>
+            </a:extLst>
+          </p:cNvPr>
+          <p:cNvGrpSpPr/>
+          <p:nvPr/>
+        </p:nvGrpSpPr>
+        <p:grpSpPr>
+          <a:xfrm>
+            <a:off x="7276272" y="451522"/>
+            <a:ext cx="4406855" cy="2870079"/>
+            <a:chOff x="992628" y="225778"/>
+            <a:chExt cx="4966126" cy="3203222"/>
+          </a:xfrm>
+        </p:grpSpPr>
+        <p:grpSp>
+          <p:nvGrpSpPr>
+            <p:cNvPr id="140" name="Group 139">
+              <a:extLst>
+                <a:ext uri="{FF2B5EF4-FFF2-40B4-BE49-F238E27FC236}">
+                  <a16:creationId xmlns:a16="http://schemas.microsoft.com/office/drawing/2014/main" id="{96D2A1A1-B1DD-2E99-724C-23C3A43B98B6}"/>
+                </a:ext>
+              </a:extLst>
+            </p:cNvPr>
+            <p:cNvGrpSpPr/>
+            <p:nvPr/>
+          </p:nvGrpSpPr>
+          <p:grpSpPr>
+            <a:xfrm>
+              <a:off x="1148656" y="225778"/>
+              <a:ext cx="4433310" cy="3122650"/>
+              <a:chOff x="1087150" y="78295"/>
+              <a:chExt cx="4433310" cy="3122650"/>
+            </a:xfrm>
+          </p:grpSpPr>
+          <p:sp>
+            <p:nvSpPr>
+              <p:cNvPr id="9" name="Document 8">
+                <a:extLst>
+                  <a:ext uri="{FF2B5EF4-FFF2-40B4-BE49-F238E27FC236}">
+                    <a16:creationId xmlns:a16="http://schemas.microsoft.com/office/drawing/2014/main" id="{5F4DF5D6-BA41-84EE-953B-8B20FABAFC69}"/>
+                  </a:ext>
+                </a:extLst>
+              </p:cNvPr>
+              <p:cNvSpPr/>
+              <p:nvPr/>
+            </p:nvSpPr>
+            <p:spPr>
+              <a:xfrm>
+                <a:off x="2114047" y="383501"/>
+                <a:ext cx="929718" cy="405297"/>
+              </a:xfrm>
+              <a:prstGeom prst="flowChartDocument">
+                <a:avLst/>
+              </a:prstGeom>
+              <a:solidFill>
+                <a:schemeClr val="accent3">
+                  <a:lumMod val="20000"/>
+                  <a:lumOff val="80000"/>
+                </a:schemeClr>
+              </a:solidFill>
+            </p:spPr>
+            <p:style>
+              <a:lnRef idx="2">
+                <a:schemeClr val="accent1">
+                  <a:shade val="15000"/>
+                </a:schemeClr>
+              </a:lnRef>
+              <a:fillRef idx="1">
+                <a:schemeClr val="accent1"/>
+              </a:fillRef>
+              <a:effectRef idx="0">
+                <a:schemeClr val="accent1"/>
+              </a:effectRef>
+              <a:fontRef idx="minor">
+                <a:schemeClr val="lt1"/>
+              </a:fontRef>
+            </p:style>
+            <p:txBody>
+              <a:bodyPr rtlCol="0" anchor="ctr"/>
+              <a:lstStyle/>
+              <a:p>
+                <a:pPr algn="ctr"/>
+                <a:r>
+                  <a:rPr lang="en-US" sz="900" dirty="0">
+                    <a:solidFill>
+                      <a:schemeClr val="tx1"/>
+                    </a:solidFill>
+                    <a:latin typeface="Comic Sans MS" panose="030F0902030302020204" pitchFamily="66" charset="0"/>
+                  </a:rPr>
+                  <a:t>a</a:t>
+                </a:r>
+                <a:r>
+                  <a:rPr lang="en-VN" sz="900" dirty="0">
+                    <a:solidFill>
+                      <a:schemeClr val="tx1"/>
+                    </a:solidFill>
+                    <a:latin typeface="Comic Sans MS" panose="030F0902030302020204" pitchFamily="66" charset="0"/>
+                  </a:rPr>
+                  <a:t>bstract#1</a:t>
+                </a:r>
+              </a:p>
+            </p:txBody>
+          </p:sp>
+          <p:sp>
+            <p:nvSpPr>
+              <p:cNvPr id="12" name="Document 11">
+                <a:extLst>
+                  <a:ext uri="{FF2B5EF4-FFF2-40B4-BE49-F238E27FC236}">
+                    <a16:creationId xmlns:a16="http://schemas.microsoft.com/office/drawing/2014/main" id="{08E48464-73D5-F517-5AD6-04C4B5B0FE4E}"/>
+                  </a:ext>
+                </a:extLst>
+              </p:cNvPr>
+              <p:cNvSpPr/>
+              <p:nvPr/>
+            </p:nvSpPr>
+            <p:spPr>
+              <a:xfrm>
+                <a:off x="3152823" y="373553"/>
+                <a:ext cx="929718" cy="405297"/>
+              </a:xfrm>
+              <a:prstGeom prst="flowChartDocument">
+                <a:avLst/>
+              </a:prstGeom>
+              <a:solidFill>
+                <a:schemeClr val="accent3">
+                  <a:lumMod val="20000"/>
+                  <a:lumOff val="80000"/>
+                </a:schemeClr>
+              </a:solidFill>
+            </p:spPr>
+            <p:style>
+              <a:lnRef idx="2">
+                <a:schemeClr val="accent1">
+                  <a:shade val="15000"/>
+                </a:schemeClr>
+              </a:lnRef>
+              <a:fillRef idx="1">
+                <a:schemeClr val="accent1"/>
+              </a:fillRef>
+              <a:effectRef idx="0">
+                <a:schemeClr val="accent1"/>
+              </a:effectRef>
+              <a:fontRef idx="minor">
+                <a:schemeClr val="lt1"/>
+              </a:fontRef>
+            </p:style>
+            <p:txBody>
+              <a:bodyPr rtlCol="0" anchor="ctr"/>
+              <a:lstStyle/>
+              <a:p>
+                <a:pPr algn="ctr"/>
+                <a:r>
+                  <a:rPr lang="en-US" sz="900" dirty="0">
+                    <a:solidFill>
+                      <a:schemeClr val="tx1"/>
+                    </a:solidFill>
+                    <a:latin typeface="Comic Sans MS" panose="030F0902030302020204" pitchFamily="66" charset="0"/>
+                  </a:rPr>
+                  <a:t>a</a:t>
+                </a:r>
+                <a:r>
+                  <a:rPr lang="en-VN" sz="900" dirty="0">
+                    <a:solidFill>
+                      <a:schemeClr val="tx1"/>
+                    </a:solidFill>
+                    <a:latin typeface="Comic Sans MS" panose="030F0902030302020204" pitchFamily="66" charset="0"/>
+                  </a:rPr>
+                  <a:t>bstract#5</a:t>
+                </a:r>
+              </a:p>
+            </p:txBody>
+          </p:sp>
+          <p:sp>
+            <p:nvSpPr>
+              <p:cNvPr id="13" name="Document 12">
+                <a:extLst>
+                  <a:ext uri="{FF2B5EF4-FFF2-40B4-BE49-F238E27FC236}">
+                    <a16:creationId xmlns:a16="http://schemas.microsoft.com/office/drawing/2014/main" id="{49D48439-36BF-5554-CD04-99B50782F228}"/>
+                  </a:ext>
+                </a:extLst>
+              </p:cNvPr>
+              <p:cNvSpPr/>
+              <p:nvPr/>
+            </p:nvSpPr>
+            <p:spPr>
+              <a:xfrm>
+                <a:off x="4590742" y="373132"/>
+                <a:ext cx="929718" cy="405297"/>
+              </a:xfrm>
+              <a:prstGeom prst="flowChartDocument">
+                <a:avLst/>
+              </a:prstGeom>
+              <a:solidFill>
+                <a:schemeClr val="accent3">
+                  <a:lumMod val="20000"/>
+                  <a:lumOff val="80000"/>
+                </a:schemeClr>
+              </a:solidFill>
+            </p:spPr>
+            <p:style>
+              <a:lnRef idx="2">
+                <a:schemeClr val="accent1">
+                  <a:shade val="15000"/>
+                </a:schemeClr>
+              </a:lnRef>
+              <a:fillRef idx="1">
+                <a:schemeClr val="accent1"/>
+              </a:fillRef>
+              <a:effectRef idx="0">
+                <a:schemeClr val="accent1"/>
+              </a:effectRef>
+              <a:fontRef idx="minor">
+                <a:schemeClr val="lt1"/>
+              </a:fontRef>
+            </p:style>
+            <p:txBody>
+              <a:bodyPr rtlCol="0" anchor="ctr"/>
+              <a:lstStyle/>
+              <a:p>
+                <a:pPr algn="ctr"/>
+                <a:r>
+                  <a:rPr lang="en-US" sz="900" dirty="0">
+                    <a:solidFill>
+                      <a:schemeClr val="tx1"/>
+                    </a:solidFill>
+                    <a:latin typeface="Comic Sans MS" panose="030F0902030302020204" pitchFamily="66" charset="0"/>
+                  </a:rPr>
+                  <a:t>a</a:t>
+                </a:r>
+                <a:r>
+                  <a:rPr lang="en-VN" sz="900" dirty="0">
+                    <a:solidFill>
+                      <a:schemeClr val="tx1"/>
+                    </a:solidFill>
+                    <a:latin typeface="Comic Sans MS" panose="030F0902030302020204" pitchFamily="66" charset="0"/>
+                  </a:rPr>
+                  <a:t>bstract#3</a:t>
+                </a:r>
+              </a:p>
+            </p:txBody>
+          </p:sp>
+          <p:sp>
+            <p:nvSpPr>
+              <p:cNvPr id="14" name="Document 13">
+                <a:extLst>
+                  <a:ext uri="{FF2B5EF4-FFF2-40B4-BE49-F238E27FC236}">
+                    <a16:creationId xmlns:a16="http://schemas.microsoft.com/office/drawing/2014/main" id="{58A67433-698D-D450-C93F-17F13F9F900F}"/>
+                  </a:ext>
+                </a:extLst>
+              </p:cNvPr>
+              <p:cNvSpPr/>
+              <p:nvPr/>
+            </p:nvSpPr>
+            <p:spPr>
+              <a:xfrm>
+                <a:off x="2114047" y="1329263"/>
+                <a:ext cx="929718" cy="405297"/>
+              </a:xfrm>
+              <a:prstGeom prst="flowChartDocument">
+                <a:avLst/>
+              </a:prstGeom>
+              <a:solidFill>
+                <a:schemeClr val="accent5">
+                  <a:lumMod val="20000"/>
+                  <a:lumOff val="80000"/>
+                </a:schemeClr>
+              </a:solidFill>
+            </p:spPr>
+            <p:style>
+              <a:lnRef idx="2">
+                <a:schemeClr val="accent1">
+                  <a:shade val="15000"/>
+                </a:schemeClr>
+              </a:lnRef>
+              <a:fillRef idx="1">
+                <a:schemeClr val="accent1"/>
+              </a:fillRef>
+              <a:effectRef idx="0">
+                <a:schemeClr val="accent1"/>
+              </a:effectRef>
+              <a:fontRef idx="minor">
+                <a:schemeClr val="lt1"/>
+              </a:fontRef>
+            </p:style>
+            <p:txBody>
+              <a:bodyPr rtlCol="0" anchor="ctr"/>
+              <a:lstStyle/>
+              <a:p>
+                <a:pPr algn="ctr"/>
+                <a:r>
+                  <a:rPr lang="en-US" sz="900" dirty="0">
+                    <a:solidFill>
+                      <a:schemeClr val="tx1"/>
+                    </a:solidFill>
+                    <a:latin typeface="Comic Sans MS" panose="030F0902030302020204" pitchFamily="66" charset="0"/>
+                  </a:rPr>
+                  <a:t>a</a:t>
+                </a:r>
+                <a:r>
+                  <a:rPr lang="en-VN" sz="900" dirty="0">
+                    <a:solidFill>
+                      <a:schemeClr val="tx1"/>
+                    </a:solidFill>
+                    <a:latin typeface="Comic Sans MS" panose="030F0902030302020204" pitchFamily="66" charset="0"/>
+                  </a:rPr>
+                  <a:t>bstract#2</a:t>
+                </a:r>
+              </a:p>
+            </p:txBody>
+          </p:sp>
+          <p:sp>
+            <p:nvSpPr>
+              <p:cNvPr id="15" name="Document 14">
+                <a:extLst>
+                  <a:ext uri="{FF2B5EF4-FFF2-40B4-BE49-F238E27FC236}">
+                    <a16:creationId xmlns:a16="http://schemas.microsoft.com/office/drawing/2014/main" id="{BB982957-01C4-8D1D-4772-E1C0C9373262}"/>
+                  </a:ext>
+                </a:extLst>
+              </p:cNvPr>
+              <p:cNvSpPr/>
+              <p:nvPr/>
+            </p:nvSpPr>
+            <p:spPr>
+              <a:xfrm>
+                <a:off x="3152823" y="1319315"/>
+                <a:ext cx="929718" cy="405297"/>
+              </a:xfrm>
+              <a:prstGeom prst="flowChartDocument">
+                <a:avLst/>
+              </a:prstGeom>
+              <a:solidFill>
+                <a:schemeClr val="accent5">
+                  <a:lumMod val="20000"/>
+                  <a:lumOff val="80000"/>
+                </a:schemeClr>
+              </a:solidFill>
+            </p:spPr>
+            <p:style>
+              <a:lnRef idx="2">
+                <a:schemeClr val="accent1">
+                  <a:shade val="15000"/>
+                </a:schemeClr>
+              </a:lnRef>
+              <a:fillRef idx="1">
+                <a:schemeClr val="accent1"/>
+              </a:fillRef>
+              <a:effectRef idx="0">
+                <a:schemeClr val="accent1"/>
+              </a:effectRef>
+              <a:fontRef idx="minor">
+                <a:schemeClr val="lt1"/>
+              </a:fontRef>
+            </p:style>
+            <p:txBody>
+              <a:bodyPr rtlCol="0" anchor="ctr"/>
+              <a:lstStyle/>
+              <a:p>
+                <a:pPr algn="ctr"/>
+                <a:r>
+                  <a:rPr lang="en-US" sz="900" dirty="0">
+                    <a:solidFill>
+                      <a:schemeClr val="tx1"/>
+                    </a:solidFill>
+                    <a:latin typeface="Comic Sans MS" panose="030F0902030302020204" pitchFamily="66" charset="0"/>
+                  </a:rPr>
+                  <a:t>a</a:t>
+                </a:r>
+                <a:r>
+                  <a:rPr lang="en-VN" sz="900" dirty="0">
+                    <a:solidFill>
+                      <a:schemeClr val="tx1"/>
+                    </a:solidFill>
+                    <a:latin typeface="Comic Sans MS" panose="030F0902030302020204" pitchFamily="66" charset="0"/>
+                  </a:rPr>
+                  <a:t>bstract#8</a:t>
+                </a:r>
+              </a:p>
+            </p:txBody>
+          </p:sp>
+          <p:sp>
+            <p:nvSpPr>
+              <p:cNvPr id="16" name="Document 15">
+                <a:extLst>
+                  <a:ext uri="{FF2B5EF4-FFF2-40B4-BE49-F238E27FC236}">
+                    <a16:creationId xmlns:a16="http://schemas.microsoft.com/office/drawing/2014/main" id="{674E75F3-1708-31C5-4ED3-1B14ED35E2E8}"/>
+                  </a:ext>
+                </a:extLst>
+              </p:cNvPr>
+              <p:cNvSpPr/>
+              <p:nvPr/>
+            </p:nvSpPr>
+            <p:spPr>
+              <a:xfrm>
+                <a:off x="4590742" y="1318895"/>
+                <a:ext cx="929718" cy="405297"/>
+              </a:xfrm>
+              <a:prstGeom prst="flowChartDocument">
+                <a:avLst/>
+              </a:prstGeom>
+              <a:solidFill>
+                <a:schemeClr val="accent5">
+                  <a:lumMod val="20000"/>
+                  <a:lumOff val="80000"/>
+                </a:schemeClr>
+              </a:solidFill>
+            </p:spPr>
+            <p:style>
+              <a:lnRef idx="2">
+                <a:schemeClr val="accent1">
+                  <a:shade val="15000"/>
+                </a:schemeClr>
+              </a:lnRef>
+              <a:fillRef idx="1">
+                <a:schemeClr val="accent1"/>
+              </a:fillRef>
+              <a:effectRef idx="0">
+                <a:schemeClr val="accent1"/>
+              </a:effectRef>
+              <a:fontRef idx="minor">
+                <a:schemeClr val="lt1"/>
+              </a:fontRef>
+            </p:style>
+            <p:txBody>
+              <a:bodyPr rtlCol="0" anchor="ctr"/>
+              <a:lstStyle/>
+              <a:p>
+                <a:pPr algn="ctr"/>
+                <a:r>
+                  <a:rPr lang="en-US" sz="900" dirty="0">
+                    <a:solidFill>
+                      <a:schemeClr val="tx1"/>
+                    </a:solidFill>
+                    <a:latin typeface="Comic Sans MS" panose="030F0902030302020204" pitchFamily="66" charset="0"/>
+                  </a:rPr>
+                  <a:t>a</a:t>
+                </a:r>
+                <a:r>
+                  <a:rPr lang="en-VN" sz="900" dirty="0">
+                    <a:solidFill>
+                      <a:schemeClr val="tx1"/>
+                    </a:solidFill>
+                    <a:latin typeface="Comic Sans MS" panose="030F0902030302020204" pitchFamily="66" charset="0"/>
+                  </a:rPr>
+                  <a:t>bstract#7</a:t>
+                </a:r>
+              </a:p>
+            </p:txBody>
+          </p:sp>
+          <p:sp>
+            <p:nvSpPr>
+              <p:cNvPr id="17" name="Document 16">
+                <a:extLst>
+                  <a:ext uri="{FF2B5EF4-FFF2-40B4-BE49-F238E27FC236}">
+                    <a16:creationId xmlns:a16="http://schemas.microsoft.com/office/drawing/2014/main" id="{0A16CF75-4DB5-C93E-B478-708F9A78E3DB}"/>
+                  </a:ext>
+                </a:extLst>
+              </p:cNvPr>
+              <p:cNvSpPr/>
+              <p:nvPr/>
+            </p:nvSpPr>
+            <p:spPr>
+              <a:xfrm>
+                <a:off x="2111011" y="2590102"/>
+                <a:ext cx="929718" cy="405297"/>
+              </a:xfrm>
+              <a:prstGeom prst="flowChartDocument">
+                <a:avLst/>
+              </a:prstGeom>
+              <a:solidFill>
+                <a:srgbClr val="FFC6D2"/>
+              </a:solidFill>
+            </p:spPr>
+            <p:style>
+              <a:lnRef idx="2">
+                <a:schemeClr val="accent1">
+                  <a:shade val="15000"/>
+                </a:schemeClr>
+              </a:lnRef>
+              <a:fillRef idx="1">
+                <a:schemeClr val="accent1"/>
+              </a:fillRef>
+              <a:effectRef idx="0">
+                <a:schemeClr val="accent1"/>
+              </a:effectRef>
+              <a:fontRef idx="minor">
+                <a:schemeClr val="lt1"/>
+              </a:fontRef>
+            </p:style>
+            <p:txBody>
+              <a:bodyPr rtlCol="0" anchor="ctr"/>
+              <a:lstStyle/>
+              <a:p>
+                <a:pPr algn="ctr"/>
+                <a:r>
+                  <a:rPr lang="en-US" sz="900" dirty="0">
+                    <a:solidFill>
+                      <a:schemeClr val="tx1"/>
+                    </a:solidFill>
+                    <a:latin typeface="Comic Sans MS" panose="030F0902030302020204" pitchFamily="66" charset="0"/>
+                  </a:rPr>
+                  <a:t>a</a:t>
+                </a:r>
+                <a:r>
+                  <a:rPr lang="en-VN" sz="900" dirty="0">
+                    <a:solidFill>
+                      <a:schemeClr val="tx1"/>
+                    </a:solidFill>
+                    <a:latin typeface="Comic Sans MS" panose="030F0902030302020204" pitchFamily="66" charset="0"/>
+                  </a:rPr>
+                  <a:t>bstract#y</a:t>
+                </a:r>
+              </a:p>
+            </p:txBody>
+          </p:sp>
+          <p:sp>
+            <p:nvSpPr>
+              <p:cNvPr id="18" name="Document 17">
+                <a:extLst>
+                  <a:ext uri="{FF2B5EF4-FFF2-40B4-BE49-F238E27FC236}">
+                    <a16:creationId xmlns:a16="http://schemas.microsoft.com/office/drawing/2014/main" id="{82369462-512A-9149-BB67-693716D27DD4}"/>
+                  </a:ext>
+                </a:extLst>
+              </p:cNvPr>
+              <p:cNvSpPr/>
+              <p:nvPr/>
+            </p:nvSpPr>
+            <p:spPr>
+              <a:xfrm>
+                <a:off x="3149787" y="2580154"/>
+                <a:ext cx="929718" cy="405297"/>
+              </a:xfrm>
+              <a:prstGeom prst="flowChartDocument">
+                <a:avLst/>
+              </a:prstGeom>
+              <a:solidFill>
+                <a:srgbClr val="FFC6D2"/>
+              </a:solidFill>
+            </p:spPr>
+            <p:style>
+              <a:lnRef idx="2">
+                <a:schemeClr val="accent1">
+                  <a:shade val="15000"/>
+                </a:schemeClr>
+              </a:lnRef>
+              <a:fillRef idx="1">
+                <a:schemeClr val="accent1"/>
+              </a:fillRef>
+              <a:effectRef idx="0">
+                <a:schemeClr val="accent1"/>
+              </a:effectRef>
+              <a:fontRef idx="minor">
+                <a:schemeClr val="lt1"/>
+              </a:fontRef>
+            </p:style>
+            <p:txBody>
+              <a:bodyPr rtlCol="0" anchor="ctr"/>
+              <a:lstStyle/>
+              <a:p>
+                <a:pPr algn="ctr"/>
+                <a:r>
+                  <a:rPr lang="en-US" sz="900" dirty="0">
+                    <a:solidFill>
+                      <a:schemeClr val="tx1"/>
+                    </a:solidFill>
+                    <a:latin typeface="Comic Sans MS" panose="030F0902030302020204" pitchFamily="66" charset="0"/>
+                  </a:rPr>
+                  <a:t>a</a:t>
+                </a:r>
+                <a:r>
+                  <a:rPr lang="en-VN" sz="900" dirty="0">
+                    <a:solidFill>
+                      <a:schemeClr val="tx1"/>
+                    </a:solidFill>
+                    <a:latin typeface="Comic Sans MS" panose="030F0902030302020204" pitchFamily="66" charset="0"/>
+                  </a:rPr>
+                  <a:t>bstract#x</a:t>
+                </a:r>
+              </a:p>
+            </p:txBody>
+          </p:sp>
+          <p:sp>
+            <p:nvSpPr>
+              <p:cNvPr id="19" name="Document 18">
+                <a:extLst>
+                  <a:ext uri="{FF2B5EF4-FFF2-40B4-BE49-F238E27FC236}">
+                    <a16:creationId xmlns:a16="http://schemas.microsoft.com/office/drawing/2014/main" id="{BC431962-A2DC-2C20-8866-A5063BB3E766}"/>
+                  </a:ext>
+                </a:extLst>
+              </p:cNvPr>
+              <p:cNvSpPr/>
+              <p:nvPr/>
+            </p:nvSpPr>
+            <p:spPr>
+              <a:xfrm>
+                <a:off x="4587706" y="2579734"/>
+                <a:ext cx="929718" cy="405297"/>
+              </a:xfrm>
+              <a:prstGeom prst="flowChartDocument">
+                <a:avLst/>
+              </a:prstGeom>
+              <a:solidFill>
+                <a:srgbClr val="FFC6D2"/>
+              </a:solidFill>
+            </p:spPr>
+            <p:style>
+              <a:lnRef idx="2">
+                <a:schemeClr val="accent1">
+                  <a:shade val="15000"/>
+                </a:schemeClr>
+              </a:lnRef>
+              <a:fillRef idx="1">
+                <a:schemeClr val="accent1"/>
+              </a:fillRef>
+              <a:effectRef idx="0">
+                <a:schemeClr val="accent1"/>
+              </a:effectRef>
+              <a:fontRef idx="minor">
+                <a:schemeClr val="lt1"/>
+              </a:fontRef>
+            </p:style>
+            <p:txBody>
+              <a:bodyPr rtlCol="0" anchor="ctr"/>
+              <a:lstStyle/>
+              <a:p>
+                <a:pPr algn="ctr"/>
+                <a:r>
+                  <a:rPr lang="en-US" sz="900" dirty="0">
+                    <a:solidFill>
+                      <a:schemeClr val="tx1"/>
+                    </a:solidFill>
+                    <a:latin typeface="Comic Sans MS" panose="030F0902030302020204" pitchFamily="66" charset="0"/>
+                  </a:rPr>
+                  <a:t>a</a:t>
+                </a:r>
+                <a:r>
+                  <a:rPr lang="en-VN" sz="900" dirty="0">
+                    <a:solidFill>
+                      <a:schemeClr val="tx1"/>
+                    </a:solidFill>
+                    <a:latin typeface="Comic Sans MS" panose="030F0902030302020204" pitchFamily="66" charset="0"/>
+                  </a:rPr>
+                  <a:t>bstract#z</a:t>
+                </a:r>
+              </a:p>
+            </p:txBody>
+          </p:sp>
+          <p:sp>
+            <p:nvSpPr>
+              <p:cNvPr id="20" name="TextBox 19">
+                <a:extLst>
+                  <a:ext uri="{FF2B5EF4-FFF2-40B4-BE49-F238E27FC236}">
+                    <a16:creationId xmlns:a16="http://schemas.microsoft.com/office/drawing/2014/main" id="{077E2DD3-0ECB-EB64-B888-D91CD4B1ACE3}"/>
+                  </a:ext>
+                </a:extLst>
+              </p:cNvPr>
+              <p:cNvSpPr txBox="1"/>
+              <p:nvPr/>
+            </p:nvSpPr>
+            <p:spPr>
+              <a:xfrm>
+                <a:off x="1268837" y="1719173"/>
+                <a:ext cx="553132" cy="658988"/>
+              </a:xfrm>
+              <a:prstGeom prst="rect">
+                <a:avLst/>
+              </a:prstGeom>
+              <a:noFill/>
+            </p:spPr>
+            <p:txBody>
+              <a:bodyPr wrap="square" rtlCol="0">
+                <a:spAutoFit/>
+              </a:bodyPr>
+              <a:lstStyle/>
+              <a:p>
+                <a:pPr algn="ctr"/>
+                <a:r>
+                  <a:rPr lang="en-VN" sz="3200" dirty="0">
+                    <a:latin typeface="Comic Sans MS" panose="030F0902030302020204" pitchFamily="66" charset="0"/>
+                  </a:rPr>
+                  <a:t>…</a:t>
+                </a:r>
+              </a:p>
+            </p:txBody>
+          </p:sp>
+          <p:sp>
+            <p:nvSpPr>
+              <p:cNvPr id="21" name="TextBox 20">
+                <a:extLst>
+                  <a:ext uri="{FF2B5EF4-FFF2-40B4-BE49-F238E27FC236}">
+                    <a16:creationId xmlns:a16="http://schemas.microsoft.com/office/drawing/2014/main" id="{A105F655-757F-D7A2-0556-B47D2CBDF27D}"/>
+                  </a:ext>
+                </a:extLst>
+              </p:cNvPr>
+              <p:cNvSpPr txBox="1"/>
+              <p:nvPr/>
+            </p:nvSpPr>
+            <p:spPr>
+              <a:xfrm>
+                <a:off x="4055522" y="78295"/>
+                <a:ext cx="553132" cy="658988"/>
+              </a:xfrm>
+              <a:prstGeom prst="rect">
+                <a:avLst/>
+              </a:prstGeom>
+              <a:noFill/>
+            </p:spPr>
+            <p:txBody>
+              <a:bodyPr wrap="square" rtlCol="0">
+                <a:spAutoFit/>
+              </a:bodyPr>
+              <a:lstStyle/>
+              <a:p>
+                <a:pPr algn="ctr"/>
+                <a:r>
+                  <a:rPr lang="en-VN" sz="3200" dirty="0">
+                    <a:latin typeface="Comic Sans MS" panose="030F0902030302020204" pitchFamily="66" charset="0"/>
+                  </a:rPr>
+                  <a:t>…</a:t>
+                </a:r>
+              </a:p>
+            </p:txBody>
+          </p:sp>
+          <p:sp>
+            <p:nvSpPr>
+              <p:cNvPr id="22" name="TextBox 21">
+                <a:extLst>
+                  <a:ext uri="{FF2B5EF4-FFF2-40B4-BE49-F238E27FC236}">
+                    <a16:creationId xmlns:a16="http://schemas.microsoft.com/office/drawing/2014/main" id="{EB3865ED-A627-F211-C625-7EBF53624583}"/>
+                  </a:ext>
+                </a:extLst>
+              </p:cNvPr>
+              <p:cNvSpPr txBox="1"/>
+              <p:nvPr/>
+            </p:nvSpPr>
+            <p:spPr>
+              <a:xfrm>
+                <a:off x="4055522" y="1012950"/>
+                <a:ext cx="553132" cy="658988"/>
+              </a:xfrm>
+              <a:prstGeom prst="rect">
+                <a:avLst/>
+              </a:prstGeom>
+              <a:noFill/>
+            </p:spPr>
+            <p:txBody>
+              <a:bodyPr wrap="square" rtlCol="0">
+                <a:spAutoFit/>
+              </a:bodyPr>
+              <a:lstStyle/>
+              <a:p>
+                <a:pPr algn="ctr"/>
+                <a:r>
+                  <a:rPr lang="en-VN" sz="3200" dirty="0">
+                    <a:latin typeface="Comic Sans MS" panose="030F0902030302020204" pitchFamily="66" charset="0"/>
+                  </a:rPr>
+                  <a:t>…</a:t>
+                </a:r>
+              </a:p>
+            </p:txBody>
+          </p:sp>
+          <p:sp>
+            <p:nvSpPr>
+              <p:cNvPr id="23" name="TextBox 22">
+                <a:extLst>
+                  <a:ext uri="{FF2B5EF4-FFF2-40B4-BE49-F238E27FC236}">
+                    <a16:creationId xmlns:a16="http://schemas.microsoft.com/office/drawing/2014/main" id="{322DF584-1164-A9E5-3EEE-6288C4AF1F00}"/>
+                  </a:ext>
+                </a:extLst>
+              </p:cNvPr>
+              <p:cNvSpPr txBox="1"/>
+              <p:nvPr/>
+            </p:nvSpPr>
+            <p:spPr>
+              <a:xfrm>
+                <a:off x="4052486" y="2296258"/>
+                <a:ext cx="553132" cy="658988"/>
+              </a:xfrm>
+              <a:prstGeom prst="rect">
+                <a:avLst/>
+              </a:prstGeom>
+              <a:noFill/>
+            </p:spPr>
+            <p:txBody>
+              <a:bodyPr wrap="square" rtlCol="0">
+                <a:spAutoFit/>
+              </a:bodyPr>
+              <a:lstStyle/>
+              <a:p>
+                <a:pPr algn="ctr"/>
+                <a:r>
+                  <a:rPr lang="en-VN" sz="3200" dirty="0">
+                    <a:latin typeface="Comic Sans MS" panose="030F0902030302020204" pitchFamily="66" charset="0"/>
+                  </a:rPr>
+                  <a:t>…</a:t>
+                </a:r>
+              </a:p>
+            </p:txBody>
+          </p:sp>
+          <p:sp>
+            <p:nvSpPr>
+              <p:cNvPr id="24" name="TextBox 23">
+                <a:extLst>
+                  <a:ext uri="{FF2B5EF4-FFF2-40B4-BE49-F238E27FC236}">
+                    <a16:creationId xmlns:a16="http://schemas.microsoft.com/office/drawing/2014/main" id="{D5914971-8D58-987B-CFDA-D910FD68CE6E}"/>
+                  </a:ext>
+                </a:extLst>
+              </p:cNvPr>
+              <p:cNvSpPr txBox="1"/>
+              <p:nvPr/>
+            </p:nvSpPr>
+            <p:spPr>
+              <a:xfrm>
+                <a:off x="2254389" y="1713552"/>
+                <a:ext cx="553132" cy="658988"/>
+              </a:xfrm>
+              <a:prstGeom prst="rect">
+                <a:avLst/>
+              </a:prstGeom>
+              <a:noFill/>
+            </p:spPr>
+            <p:txBody>
+              <a:bodyPr wrap="square" rtlCol="0">
+                <a:spAutoFit/>
+              </a:bodyPr>
+              <a:lstStyle/>
+              <a:p>
+                <a:pPr algn="ctr"/>
+                <a:r>
+                  <a:rPr lang="en-VN" sz="3200" dirty="0">
+                    <a:latin typeface="Comic Sans MS" panose="030F0902030302020204" pitchFamily="66" charset="0"/>
+                  </a:rPr>
+                  <a:t>…</a:t>
+                </a:r>
+              </a:p>
+            </p:txBody>
+          </p:sp>
+          <p:sp>
+            <p:nvSpPr>
+              <p:cNvPr id="25" name="TextBox 24">
+                <a:extLst>
+                  <a:ext uri="{FF2B5EF4-FFF2-40B4-BE49-F238E27FC236}">
+                    <a16:creationId xmlns:a16="http://schemas.microsoft.com/office/drawing/2014/main" id="{B6F7B3A0-3B11-D5BB-43DE-3560901FA0C1}"/>
+                  </a:ext>
+                </a:extLst>
+              </p:cNvPr>
+              <p:cNvSpPr txBox="1"/>
+              <p:nvPr/>
+            </p:nvSpPr>
+            <p:spPr>
+              <a:xfrm>
+                <a:off x="3227283" y="1713552"/>
+                <a:ext cx="553132" cy="658988"/>
+              </a:xfrm>
+              <a:prstGeom prst="rect">
+                <a:avLst/>
+              </a:prstGeom>
+              <a:noFill/>
+            </p:spPr>
+            <p:txBody>
+              <a:bodyPr wrap="square" rtlCol="0">
+                <a:spAutoFit/>
+              </a:bodyPr>
+              <a:lstStyle/>
+              <a:p>
+                <a:pPr algn="ctr"/>
+                <a:r>
+                  <a:rPr lang="en-VN" sz="3200" dirty="0">
+                    <a:latin typeface="Comic Sans MS" panose="030F0902030302020204" pitchFamily="66" charset="0"/>
+                  </a:rPr>
+                  <a:t>…</a:t>
+                </a:r>
+              </a:p>
+            </p:txBody>
+          </p:sp>
+          <p:sp>
+            <p:nvSpPr>
+              <p:cNvPr id="26" name="TextBox 25">
+                <a:extLst>
+                  <a:ext uri="{FF2B5EF4-FFF2-40B4-BE49-F238E27FC236}">
+                    <a16:creationId xmlns:a16="http://schemas.microsoft.com/office/drawing/2014/main" id="{02942334-6D54-506B-6E88-AFE446146B38}"/>
+                  </a:ext>
+                </a:extLst>
+              </p:cNvPr>
+              <p:cNvSpPr txBox="1"/>
+              <p:nvPr/>
+            </p:nvSpPr>
+            <p:spPr>
+              <a:xfrm>
+                <a:off x="4756060" y="1728531"/>
+                <a:ext cx="553132" cy="658988"/>
+              </a:xfrm>
+              <a:prstGeom prst="rect">
+                <a:avLst/>
+              </a:prstGeom>
+              <a:noFill/>
+            </p:spPr>
+            <p:txBody>
+              <a:bodyPr wrap="square" rtlCol="0">
+                <a:spAutoFit/>
+              </a:bodyPr>
+              <a:lstStyle/>
+              <a:p>
+                <a:pPr algn="ctr"/>
+                <a:r>
+                  <a:rPr lang="en-VN" sz="3200" dirty="0">
+                    <a:latin typeface="Comic Sans MS" panose="030F0902030302020204" pitchFamily="66" charset="0"/>
+                  </a:rPr>
+                  <a:t>…</a:t>
+                </a:r>
+              </a:p>
+            </p:txBody>
+          </p:sp>
+          <p:grpSp>
+            <p:nvGrpSpPr>
+              <p:cNvPr id="133" name="Group 132">
+                <a:extLst>
+                  <a:ext uri="{FF2B5EF4-FFF2-40B4-BE49-F238E27FC236}">
+                    <a16:creationId xmlns:a16="http://schemas.microsoft.com/office/drawing/2014/main" id="{C89FBD24-14D3-793B-79A8-33284860F7BA}"/>
+                  </a:ext>
+                </a:extLst>
+              </p:cNvPr>
+              <p:cNvGrpSpPr/>
+              <p:nvPr/>
+            </p:nvGrpSpPr>
+            <p:grpSpPr>
+              <a:xfrm>
+                <a:off x="1098893" y="171759"/>
+                <a:ext cx="872872" cy="848868"/>
+                <a:chOff x="1144599" y="217398"/>
+                <a:chExt cx="872872" cy="848868"/>
+              </a:xfrm>
+            </p:grpSpPr>
+            <p:sp>
+              <p:nvSpPr>
+                <p:cNvPr id="6" name="TextBox 5">
+                  <a:extLst>
+                    <a:ext uri="{FF2B5EF4-FFF2-40B4-BE49-F238E27FC236}">
+                      <a16:creationId xmlns:a16="http://schemas.microsoft.com/office/drawing/2014/main" id="{DA3725EE-D82B-6CD0-7582-298571A89F17}"/>
+                    </a:ext>
+                  </a:extLst>
+                </p:cNvPr>
+                <p:cNvSpPr txBox="1"/>
+                <p:nvPr/>
+              </p:nvSpPr>
+              <p:spPr>
+                <a:xfrm>
+                  <a:off x="1144599" y="788797"/>
+                  <a:ext cx="872872" cy="277469"/>
+                </a:xfrm>
+                <a:prstGeom prst="rect">
+                  <a:avLst/>
+                </a:prstGeom>
+                <a:noFill/>
+              </p:spPr>
+              <p:txBody>
+                <a:bodyPr wrap="none" rtlCol="0">
+                  <a:spAutoFit/>
+                </a:bodyPr>
+                <a:lstStyle/>
+                <a:p>
+                  <a:pPr algn="ctr"/>
+                  <a:r>
+                    <a:rPr lang="en-VN" sz="1000" dirty="0">
+                      <a:latin typeface="Comic Sans MS" panose="030F0902030302020204" pitchFamily="66" charset="0"/>
+                    </a:rPr>
+                    <a:t>Author#1</a:t>
+                  </a:r>
+                </a:p>
+              </p:txBody>
+            </p:sp>
+            <p:pic>
+              <p:nvPicPr>
+                <p:cNvPr id="1028" name="Picture 4" descr="user Vector Icons free download in SVG, PNG Format">
+                  <a:extLst>
+                    <a:ext uri="{FF2B5EF4-FFF2-40B4-BE49-F238E27FC236}">
+                      <a16:creationId xmlns:a16="http://schemas.microsoft.com/office/drawing/2014/main" id="{2894A4D6-0EE0-802F-5FBA-D801345C856B}"/>
+                    </a:ext>
+                  </a:extLst>
+                </p:cNvPr>
+                <p:cNvPicPr>
+                  <a:picLocks noChangeAspect="1" noChangeArrowheads="1"/>
+                </p:cNvPicPr>
+                <p:nvPr/>
+              </p:nvPicPr>
+              <p:blipFill>
+                <a:blip r:embed="rId2">
+                  <a:extLst>
+                    <a:ext uri="{28A0092B-C50C-407E-A947-70E740481C1C}">
+                      <a14:useLocalDpi xmlns:a14="http://schemas.microsoft.com/office/drawing/2010/main" val="0"/>
+                    </a:ext>
+                  </a:extLst>
+                </a:blip>
+                <a:srcRect/>
+                <a:stretch>
+                  <a:fillRect/>
+                </a:stretch>
+              </p:blipFill>
+              <p:spPr bwMode="auto">
+                <a:xfrm>
+                  <a:off x="1240194" y="217398"/>
+                  <a:ext cx="706750" cy="706750"/>
+                </a:xfrm>
+                <a:prstGeom prst="rect">
+                  <a:avLst/>
+                </a:prstGeom>
+                <a:noFill/>
+                <a:extLst>
+                  <a:ext uri="{909E8E84-426E-40DD-AFC4-6F175D3DCCD1}">
+                    <a14:hiddenFill xmlns:a14="http://schemas.microsoft.com/office/drawing/2010/main">
+                      <a:solidFill>
+                        <a:srgbClr val="FFFFFF"/>
+                      </a:solidFill>
+                    </a14:hiddenFill>
+                  </a:ext>
+                </a:extLst>
+              </p:spPr>
+            </p:pic>
+          </p:grpSp>
+          <p:grpSp>
+            <p:nvGrpSpPr>
+              <p:cNvPr id="134" name="Group 133">
+                <a:extLst>
+                  <a:ext uri="{FF2B5EF4-FFF2-40B4-BE49-F238E27FC236}">
+                    <a16:creationId xmlns:a16="http://schemas.microsoft.com/office/drawing/2014/main" id="{6B960D04-BB11-4954-8F4F-7D20663B9182}"/>
+                  </a:ext>
+                </a:extLst>
+              </p:cNvPr>
+              <p:cNvGrpSpPr/>
+              <p:nvPr/>
+            </p:nvGrpSpPr>
+            <p:grpSpPr>
+              <a:xfrm>
+                <a:off x="1087150" y="1119253"/>
+                <a:ext cx="896356" cy="848868"/>
+                <a:chOff x="1132857" y="217398"/>
+                <a:chExt cx="896356" cy="848868"/>
+              </a:xfrm>
+            </p:grpSpPr>
+            <p:sp>
+              <p:nvSpPr>
+                <p:cNvPr id="135" name="TextBox 134">
+                  <a:extLst>
+                    <a:ext uri="{FF2B5EF4-FFF2-40B4-BE49-F238E27FC236}">
+                      <a16:creationId xmlns:a16="http://schemas.microsoft.com/office/drawing/2014/main" id="{A24EC88A-D475-BACD-BA30-6E2E82800901}"/>
+                    </a:ext>
+                  </a:extLst>
+                </p:cNvPr>
+                <p:cNvSpPr txBox="1"/>
+                <p:nvPr/>
+              </p:nvSpPr>
+              <p:spPr>
+                <a:xfrm>
+                  <a:off x="1132857" y="788797"/>
+                  <a:ext cx="896356" cy="277469"/>
+                </a:xfrm>
+                <a:prstGeom prst="rect">
+                  <a:avLst/>
+                </a:prstGeom>
+                <a:noFill/>
+              </p:spPr>
+              <p:txBody>
+                <a:bodyPr wrap="none" rtlCol="0">
+                  <a:spAutoFit/>
+                </a:bodyPr>
+                <a:lstStyle/>
+                <a:p>
+                  <a:pPr algn="ctr"/>
+                  <a:r>
+                    <a:rPr lang="en-VN" sz="1000" dirty="0">
+                      <a:latin typeface="Comic Sans MS" panose="030F0902030302020204" pitchFamily="66" charset="0"/>
+                    </a:rPr>
+                    <a:t>Author#2</a:t>
+                  </a:r>
+                </a:p>
+              </p:txBody>
+            </p:sp>
+            <p:pic>
+              <p:nvPicPr>
+                <p:cNvPr id="136" name="Picture 4" descr="user Vector Icons free download in SVG, PNG Format">
+                  <a:extLst>
+                    <a:ext uri="{FF2B5EF4-FFF2-40B4-BE49-F238E27FC236}">
+                      <a16:creationId xmlns:a16="http://schemas.microsoft.com/office/drawing/2014/main" id="{08E39AA5-57C2-63D7-DD1C-BD71767C050D}"/>
+                    </a:ext>
+                  </a:extLst>
+                </p:cNvPr>
+                <p:cNvPicPr>
+                  <a:picLocks noChangeAspect="1" noChangeArrowheads="1"/>
+                </p:cNvPicPr>
+                <p:nvPr/>
+              </p:nvPicPr>
+              <p:blipFill>
+                <a:blip r:embed="rId2">
+                  <a:extLst>
+                    <a:ext uri="{28A0092B-C50C-407E-A947-70E740481C1C}">
+                      <a14:useLocalDpi xmlns:a14="http://schemas.microsoft.com/office/drawing/2010/main" val="0"/>
+                    </a:ext>
+                  </a:extLst>
+                </a:blip>
+                <a:srcRect/>
+                <a:stretch>
+                  <a:fillRect/>
+                </a:stretch>
+              </p:blipFill>
+              <p:spPr bwMode="auto">
+                <a:xfrm>
+                  <a:off x="1240194" y="217398"/>
+                  <a:ext cx="706750" cy="706750"/>
+                </a:xfrm>
+                <a:prstGeom prst="rect">
+                  <a:avLst/>
+                </a:prstGeom>
+                <a:noFill/>
+                <a:extLst>
+                  <a:ext uri="{909E8E84-426E-40DD-AFC4-6F175D3DCCD1}">
+                    <a14:hiddenFill xmlns:a14="http://schemas.microsoft.com/office/drawing/2010/main">
+                      <a:solidFill>
+                        <a:srgbClr val="FFFFFF"/>
+                      </a:solidFill>
+                    </a14:hiddenFill>
+                  </a:ext>
+                </a:extLst>
+              </p:spPr>
+            </p:pic>
+          </p:grpSp>
+          <p:grpSp>
+            <p:nvGrpSpPr>
+              <p:cNvPr id="137" name="Group 136">
+                <a:extLst>
+                  <a:ext uri="{FF2B5EF4-FFF2-40B4-BE49-F238E27FC236}">
+                    <a16:creationId xmlns:a16="http://schemas.microsoft.com/office/drawing/2014/main" id="{DD563502-39DB-34D2-BF6F-6C1750D81ADD}"/>
+                  </a:ext>
+                </a:extLst>
+              </p:cNvPr>
+              <p:cNvGrpSpPr/>
+              <p:nvPr/>
+            </p:nvGrpSpPr>
+            <p:grpSpPr>
+              <a:xfrm>
+                <a:off x="1099376" y="2354745"/>
+                <a:ext cx="892744" cy="846200"/>
+                <a:chOff x="1134663" y="217398"/>
+                <a:chExt cx="892744" cy="846200"/>
+              </a:xfrm>
+            </p:grpSpPr>
+            <p:sp>
+              <p:nvSpPr>
+                <p:cNvPr id="138" name="TextBox 137">
+                  <a:extLst>
+                    <a:ext uri="{FF2B5EF4-FFF2-40B4-BE49-F238E27FC236}">
+                      <a16:creationId xmlns:a16="http://schemas.microsoft.com/office/drawing/2014/main" id="{51E3F332-0B0D-78E0-28AF-D371CA17165B}"/>
+                    </a:ext>
+                  </a:extLst>
+                </p:cNvPr>
+                <p:cNvSpPr txBox="1"/>
+                <p:nvPr/>
+              </p:nvSpPr>
+              <p:spPr>
+                <a:xfrm>
+                  <a:off x="1134663" y="788797"/>
+                  <a:ext cx="892744" cy="274801"/>
+                </a:xfrm>
+                <a:prstGeom prst="rect">
+                  <a:avLst/>
+                </a:prstGeom>
+                <a:noFill/>
+              </p:spPr>
+              <p:txBody>
+                <a:bodyPr wrap="none" rtlCol="0">
+                  <a:spAutoFit/>
+                </a:bodyPr>
+                <a:lstStyle/>
+                <a:p>
+                  <a:pPr algn="ctr"/>
+                  <a:r>
+                    <a:rPr lang="en-VN" sz="1000">
+                      <a:latin typeface="Comic Sans MS" panose="030F0902030302020204" pitchFamily="66" charset="0"/>
+                    </a:rPr>
+                    <a:t>Author#x</a:t>
+                  </a:r>
+                  <a:endParaRPr lang="en-VN" sz="1000" dirty="0">
+                    <a:latin typeface="Comic Sans MS" panose="030F0902030302020204" pitchFamily="66" charset="0"/>
+                  </a:endParaRPr>
+                </a:p>
+              </p:txBody>
+            </p:sp>
+            <p:pic>
+              <p:nvPicPr>
+                <p:cNvPr id="139" name="Picture 4" descr="user Vector Icons free download in SVG, PNG Format">
+                  <a:extLst>
+                    <a:ext uri="{FF2B5EF4-FFF2-40B4-BE49-F238E27FC236}">
+                      <a16:creationId xmlns:a16="http://schemas.microsoft.com/office/drawing/2014/main" id="{47860FD4-893B-8667-AE55-0F98755703E7}"/>
+                    </a:ext>
+                  </a:extLst>
+                </p:cNvPr>
+                <p:cNvPicPr>
+                  <a:picLocks noChangeAspect="1" noChangeArrowheads="1"/>
+                </p:cNvPicPr>
+                <p:nvPr/>
+              </p:nvPicPr>
+              <p:blipFill>
+                <a:blip r:embed="rId2">
+                  <a:extLst>
+                    <a:ext uri="{28A0092B-C50C-407E-A947-70E740481C1C}">
+                      <a14:useLocalDpi xmlns:a14="http://schemas.microsoft.com/office/drawing/2010/main" val="0"/>
+                    </a:ext>
+                  </a:extLst>
+                </a:blip>
+                <a:srcRect/>
+                <a:stretch>
+                  <a:fillRect/>
+                </a:stretch>
+              </p:blipFill>
+              <p:spPr bwMode="auto">
+                <a:xfrm>
+                  <a:off x="1240194" y="217398"/>
+                  <a:ext cx="706750" cy="706750"/>
+                </a:xfrm>
+                <a:prstGeom prst="rect">
+                  <a:avLst/>
+                </a:prstGeom>
+                <a:noFill/>
+                <a:extLst>
+                  <a:ext uri="{909E8E84-426E-40DD-AFC4-6F175D3DCCD1}">
+                    <a14:hiddenFill xmlns:a14="http://schemas.microsoft.com/office/drawing/2010/main">
+                      <a:solidFill>
+                        <a:srgbClr val="FFFFFF"/>
+                      </a:solidFill>
+                    </a14:hiddenFill>
+                  </a:ext>
+                </a:extLst>
+              </p:spPr>
+            </p:pic>
+          </p:grpSp>
+        </p:grpSp>
+        <p:sp>
+          <p:nvSpPr>
+            <p:cNvPr id="141" name="Rounded Rectangle 140">
+              <a:extLst>
+                <a:ext uri="{FF2B5EF4-FFF2-40B4-BE49-F238E27FC236}">
+                  <a16:creationId xmlns:a16="http://schemas.microsoft.com/office/drawing/2014/main" id="{A8ED0D95-305C-8AF4-E5CD-FC59A87D36E0}"/>
+                </a:ext>
+              </a:extLst>
+            </p:cNvPr>
+            <p:cNvSpPr/>
+            <p:nvPr/>
+          </p:nvSpPr>
+          <p:spPr>
+            <a:xfrm>
+              <a:off x="992628" y="238324"/>
+              <a:ext cx="4966126" cy="3190676"/>
+            </a:xfrm>
+            <a:prstGeom prst="roundRect">
+              <a:avLst>
+                <a:gd name="adj" fmla="val 4437"/>
+              </a:avLst>
+            </a:prstGeom>
+            <a:noFill/>
+          </p:spPr>
+          <p:style>
+            <a:lnRef idx="2">
+              <a:schemeClr val="dk1">
+                <a:shade val="15000"/>
+              </a:schemeClr>
+            </a:lnRef>
+            <a:fillRef idx="1">
+              <a:schemeClr val="dk1"/>
+            </a:fillRef>
+            <a:effectRef idx="0">
+              <a:schemeClr val="dk1"/>
+            </a:effectRef>
+            <a:fontRef idx="minor">
+              <a:schemeClr val="lt1"/>
+            </a:fontRef>
+          </p:style>
+          <p:txBody>
+            <a:bodyPr rtlCol="0" anchor="ctr"/>
+            <a:lstStyle/>
+            <a:p>
+              <a:pPr algn="ctr"/>
+              <a:endParaRPr lang="en-VN" sz="1600">
+                <a:latin typeface="Comic Sans MS" panose="030F0902030302020204" pitchFamily="66" charset="0"/>
+              </a:endParaRPr>
+            </a:p>
+          </p:txBody>
+        </p:sp>
+      </p:grpSp>
+      <p:grpSp>
+        <p:nvGrpSpPr>
+          <p:cNvPr id="169" name="Group 168">
+            <a:extLst>
+              <a:ext uri="{FF2B5EF4-FFF2-40B4-BE49-F238E27FC236}">
+                <a16:creationId xmlns:a16="http://schemas.microsoft.com/office/drawing/2014/main" id="{B136897C-51B9-5CC6-E922-43C1970C0DA8}"/>
+              </a:ext>
+            </a:extLst>
+          </p:cNvPr>
+          <p:cNvGrpSpPr/>
+          <p:nvPr/>
+        </p:nvGrpSpPr>
+        <p:grpSpPr>
+          <a:xfrm>
+            <a:off x="7264823" y="3999514"/>
+            <a:ext cx="4418304" cy="2407094"/>
+            <a:chOff x="6898061" y="4144781"/>
+            <a:chExt cx="4418304" cy="2407094"/>
+          </a:xfrm>
+        </p:grpSpPr>
+        <p:sp>
+          <p:nvSpPr>
+            <p:cNvPr id="158" name="Can 157">
+              <a:extLst>
+                <a:ext uri="{FF2B5EF4-FFF2-40B4-BE49-F238E27FC236}">
+                  <a16:creationId xmlns:a16="http://schemas.microsoft.com/office/drawing/2014/main" id="{F1FCE11B-372B-4BB4-A4FD-F40F0D6DC000}"/>
+                </a:ext>
+              </a:extLst>
+            </p:cNvPr>
+            <p:cNvSpPr/>
+            <p:nvPr/>
+          </p:nvSpPr>
+          <p:spPr>
+            <a:xfrm>
+              <a:off x="6898061" y="4144781"/>
+              <a:ext cx="4418304" cy="2407094"/>
+            </a:xfrm>
+            <a:prstGeom prst="can">
+              <a:avLst>
+                <a:gd name="adj" fmla="val 11624"/>
+              </a:avLst>
+            </a:prstGeom>
+            <a:solidFill>
+              <a:srgbClr val="FCE5B4"/>
+            </a:solidFill>
+          </p:spPr>
+          <p:style>
+            <a:lnRef idx="2">
+              <a:schemeClr val="accent4">
+                <a:shade val="15000"/>
+              </a:schemeClr>
+            </a:lnRef>
+            <a:fillRef idx="1">
+              <a:schemeClr val="accent4"/>
+            </a:fillRef>
+            <a:effectRef idx="0">
+              <a:schemeClr val="accent4"/>
+            </a:effectRef>
+            <a:fontRef idx="minor">
+              <a:schemeClr val="lt1"/>
+            </a:fontRef>
+          </p:style>
+          <p:txBody>
+            <a:bodyPr rtlCol="0" anchor="ctr"/>
+            <a:lstStyle/>
+            <a:p>
+              <a:pPr algn="ctr"/>
+              <a:endParaRPr lang="en-VN" sz="900" dirty="0">
+                <a:latin typeface="Comic Sans MS" panose="030F0902030302020204" pitchFamily="66" charset="0"/>
+              </a:endParaRPr>
+            </a:p>
+          </p:txBody>
+        </p:sp>
+        <p:grpSp>
+          <p:nvGrpSpPr>
+            <p:cNvPr id="168" name="Group 167">
+              <a:extLst>
+                <a:ext uri="{FF2B5EF4-FFF2-40B4-BE49-F238E27FC236}">
+                  <a16:creationId xmlns:a16="http://schemas.microsoft.com/office/drawing/2014/main" id="{00C348CB-110C-386C-152B-EBDE3F330F9B}"/>
+                </a:ext>
+              </a:extLst>
+            </p:cNvPr>
+            <p:cNvGrpSpPr/>
+            <p:nvPr/>
+          </p:nvGrpSpPr>
+          <p:grpSpPr>
+            <a:xfrm>
+              <a:off x="7501813" y="4339522"/>
+              <a:ext cx="3210799" cy="2067593"/>
+              <a:chOff x="7557883" y="4198155"/>
+              <a:chExt cx="3210799" cy="2067593"/>
+            </a:xfrm>
+          </p:grpSpPr>
+          <p:sp>
+            <p:nvSpPr>
+              <p:cNvPr id="33" name="Document 32">
+                <a:extLst>
+                  <a:ext uri="{FF2B5EF4-FFF2-40B4-BE49-F238E27FC236}">
+                    <a16:creationId xmlns:a16="http://schemas.microsoft.com/office/drawing/2014/main" id="{DBDB4D88-EE47-348E-53E1-0158034E651F}"/>
+                  </a:ext>
+                </a:extLst>
+              </p:cNvPr>
+              <p:cNvSpPr/>
+              <p:nvPr/>
+            </p:nvSpPr>
+            <p:spPr>
+              <a:xfrm>
+                <a:off x="7568955" y="4399739"/>
+                <a:ext cx="514984" cy="230080"/>
+              </a:xfrm>
+              <a:prstGeom prst="flowChartDocument">
+                <a:avLst/>
+              </a:prstGeom>
+              <a:solidFill>
+                <a:schemeClr val="accent3">
+                  <a:lumMod val="20000"/>
+                  <a:lumOff val="80000"/>
+                </a:schemeClr>
+              </a:solidFill>
+            </p:spPr>
+            <p:style>
+              <a:lnRef idx="2">
+                <a:schemeClr val="accent1">
+                  <a:shade val="15000"/>
+                </a:schemeClr>
+              </a:lnRef>
+              <a:fillRef idx="1">
+                <a:schemeClr val="accent1"/>
+              </a:fillRef>
+              <a:effectRef idx="0">
+                <a:schemeClr val="accent1"/>
+              </a:effectRef>
+              <a:fontRef idx="minor">
+                <a:schemeClr val="lt1"/>
+              </a:fontRef>
+            </p:style>
+            <p:txBody>
+              <a:bodyPr rtlCol="0" anchor="ctr"/>
+              <a:lstStyle/>
+              <a:p>
+                <a:pPr algn="ctr"/>
+                <a:r>
+                  <a:rPr lang="en-US" sz="800" dirty="0">
+                    <a:solidFill>
+                      <a:schemeClr val="tx1"/>
+                    </a:solidFill>
+                    <a:latin typeface="Comic Sans MS" panose="030F0902030302020204" pitchFamily="66" charset="0"/>
+                  </a:rPr>
+                  <a:t>P</a:t>
+                </a:r>
+                <a:r>
+                  <a:rPr lang="en-VN" sz="800" dirty="0">
+                    <a:solidFill>
+                      <a:schemeClr val="tx1"/>
+                    </a:solidFill>
+                    <a:latin typeface="Comic Sans MS" panose="030F0902030302020204" pitchFamily="66" charset="0"/>
+                  </a:rPr>
+                  <a:t>air#</a:t>
+                </a:r>
+              </a:p>
+            </p:txBody>
+          </p:sp>
+          <p:sp>
+            <p:nvSpPr>
+              <p:cNvPr id="34" name="Document 33">
+                <a:extLst>
+                  <a:ext uri="{FF2B5EF4-FFF2-40B4-BE49-F238E27FC236}">
+                    <a16:creationId xmlns:a16="http://schemas.microsoft.com/office/drawing/2014/main" id="{DCAB4EFF-C638-C6B1-A873-906B7A5D2CAE}"/>
+                  </a:ext>
+                </a:extLst>
+              </p:cNvPr>
+              <p:cNvSpPr/>
+              <p:nvPr/>
+            </p:nvSpPr>
+            <p:spPr>
+              <a:xfrm>
+                <a:off x="8140900" y="4399738"/>
+                <a:ext cx="514984" cy="230080"/>
+              </a:xfrm>
+              <a:prstGeom prst="flowChartDocument">
+                <a:avLst/>
+              </a:prstGeom>
+              <a:solidFill>
+                <a:schemeClr val="accent3">
+                  <a:lumMod val="20000"/>
+                  <a:lumOff val="80000"/>
+                </a:schemeClr>
+              </a:solidFill>
+            </p:spPr>
+            <p:style>
+              <a:lnRef idx="2">
+                <a:schemeClr val="accent1">
+                  <a:shade val="15000"/>
+                </a:schemeClr>
+              </a:lnRef>
+              <a:fillRef idx="1">
+                <a:schemeClr val="accent1"/>
+              </a:fillRef>
+              <a:effectRef idx="0">
+                <a:schemeClr val="accent1"/>
+              </a:effectRef>
+              <a:fontRef idx="minor">
+                <a:schemeClr val="lt1"/>
+              </a:fontRef>
+            </p:style>
+            <p:txBody>
+              <a:bodyPr rtlCol="0" anchor="ctr"/>
+              <a:lstStyle/>
+              <a:p>
+                <a:pPr algn="ctr"/>
+                <a:r>
+                  <a:rPr lang="en-US" sz="800" dirty="0">
+                    <a:solidFill>
+                      <a:schemeClr val="tx1"/>
+                    </a:solidFill>
+                    <a:latin typeface="Comic Sans MS" panose="030F0902030302020204" pitchFamily="66" charset="0"/>
+                  </a:rPr>
+                  <a:t>P</a:t>
+                </a:r>
+                <a:r>
+                  <a:rPr lang="en-VN" sz="800" dirty="0">
+                    <a:solidFill>
+                      <a:schemeClr val="tx1"/>
+                    </a:solidFill>
+                    <a:latin typeface="Comic Sans MS" panose="030F0902030302020204" pitchFamily="66" charset="0"/>
+                  </a:rPr>
+                  <a:t>air#</a:t>
+                </a:r>
+              </a:p>
+            </p:txBody>
+          </p:sp>
+          <p:sp>
+            <p:nvSpPr>
+              <p:cNvPr id="35" name="Document 34">
+                <a:extLst>
+                  <a:ext uri="{FF2B5EF4-FFF2-40B4-BE49-F238E27FC236}">
+                    <a16:creationId xmlns:a16="http://schemas.microsoft.com/office/drawing/2014/main" id="{B2B02D83-8C00-FD98-0106-3B7F5BC62089}"/>
+                  </a:ext>
+                </a:extLst>
+              </p:cNvPr>
+              <p:cNvSpPr/>
+              <p:nvPr/>
+            </p:nvSpPr>
+            <p:spPr>
+              <a:xfrm>
+                <a:off x="10253698" y="4396893"/>
+                <a:ext cx="514984" cy="230080"/>
+              </a:xfrm>
+              <a:prstGeom prst="flowChartDocument">
+                <a:avLst/>
+              </a:prstGeom>
+              <a:solidFill>
+                <a:schemeClr val="accent3">
+                  <a:lumMod val="20000"/>
+                  <a:lumOff val="80000"/>
+                </a:schemeClr>
+              </a:solidFill>
+            </p:spPr>
+            <p:style>
+              <a:lnRef idx="2">
+                <a:schemeClr val="accent1">
+                  <a:shade val="15000"/>
+                </a:schemeClr>
+              </a:lnRef>
+              <a:fillRef idx="1">
+                <a:schemeClr val="accent1"/>
+              </a:fillRef>
+              <a:effectRef idx="0">
+                <a:schemeClr val="accent1"/>
+              </a:effectRef>
+              <a:fontRef idx="minor">
+                <a:schemeClr val="lt1"/>
+              </a:fontRef>
+            </p:style>
+            <p:txBody>
+              <a:bodyPr rtlCol="0" anchor="ctr"/>
+              <a:lstStyle/>
+              <a:p>
+                <a:pPr algn="ctr"/>
+                <a:r>
+                  <a:rPr lang="en-US" sz="800" dirty="0">
+                    <a:solidFill>
+                      <a:schemeClr val="tx1"/>
+                    </a:solidFill>
+                    <a:latin typeface="Comic Sans MS" panose="030F0902030302020204" pitchFamily="66" charset="0"/>
+                  </a:rPr>
+                  <a:t>P</a:t>
+                </a:r>
+                <a:r>
+                  <a:rPr lang="en-VN" sz="800" dirty="0">
+                    <a:solidFill>
+                      <a:schemeClr val="tx1"/>
+                    </a:solidFill>
+                    <a:latin typeface="Comic Sans MS" panose="030F0902030302020204" pitchFamily="66" charset="0"/>
+                  </a:rPr>
+                  <a:t>air#</a:t>
+                </a:r>
+              </a:p>
+            </p:txBody>
+          </p:sp>
+          <p:sp>
+            <p:nvSpPr>
+              <p:cNvPr id="36" name="Document 35">
+                <a:extLst>
+                  <a:ext uri="{FF2B5EF4-FFF2-40B4-BE49-F238E27FC236}">
+                    <a16:creationId xmlns:a16="http://schemas.microsoft.com/office/drawing/2014/main" id="{BF0730AF-0BBD-AC63-42E0-A3C0AB937050}"/>
+                  </a:ext>
+                </a:extLst>
+              </p:cNvPr>
+              <p:cNvSpPr/>
+              <p:nvPr/>
+            </p:nvSpPr>
+            <p:spPr>
+              <a:xfrm rot="10800000">
+                <a:off x="7568955" y="4644236"/>
+                <a:ext cx="514984" cy="230080"/>
+              </a:xfrm>
+              <a:prstGeom prst="flowChartDocument">
+                <a:avLst/>
+              </a:prstGeom>
+              <a:solidFill>
+                <a:schemeClr val="accent3">
+                  <a:lumMod val="20000"/>
+                  <a:lumOff val="80000"/>
+                </a:schemeClr>
+              </a:solidFill>
+            </p:spPr>
+            <p:style>
+              <a:lnRef idx="2">
+                <a:schemeClr val="accent1">
+                  <a:shade val="15000"/>
+                </a:schemeClr>
+              </a:lnRef>
+              <a:fillRef idx="1">
+                <a:schemeClr val="accent1"/>
+              </a:fillRef>
+              <a:effectRef idx="0">
+                <a:schemeClr val="accent1"/>
+              </a:effectRef>
+              <a:fontRef idx="minor">
+                <a:schemeClr val="lt1"/>
+              </a:fontRef>
+            </p:style>
+            <p:txBody>
+              <a:bodyPr vert="horz" rtlCol="0" anchor="ctr"/>
+              <a:lstStyle/>
+              <a:p>
+                <a:pPr algn="ctr"/>
+                <a:endParaRPr lang="en-VN" sz="800" dirty="0">
+                  <a:solidFill>
+                    <a:schemeClr val="tx1"/>
+                  </a:solidFill>
+                  <a:latin typeface="Comic Sans MS" panose="030F0902030302020204" pitchFamily="66" charset="0"/>
+                </a:endParaRPr>
+              </a:p>
+            </p:txBody>
+          </p:sp>
+          <p:sp>
+            <p:nvSpPr>
+              <p:cNvPr id="37" name="Document 36">
+                <a:extLst>
+                  <a:ext uri="{FF2B5EF4-FFF2-40B4-BE49-F238E27FC236}">
+                    <a16:creationId xmlns:a16="http://schemas.microsoft.com/office/drawing/2014/main" id="{C15433A5-6A02-1B7E-AB30-C3A39D56B24F}"/>
+                  </a:ext>
+                </a:extLst>
+              </p:cNvPr>
+              <p:cNvSpPr/>
+              <p:nvPr/>
+            </p:nvSpPr>
+            <p:spPr>
+              <a:xfrm rot="10800000">
+                <a:off x="8140900" y="4644236"/>
+                <a:ext cx="514984" cy="230080"/>
+              </a:xfrm>
+              <a:prstGeom prst="flowChartDocument">
+                <a:avLst/>
+              </a:prstGeom>
+              <a:solidFill>
+                <a:schemeClr val="accent3">
+                  <a:lumMod val="20000"/>
+                  <a:lumOff val="80000"/>
+                </a:schemeClr>
+              </a:solidFill>
+            </p:spPr>
+            <p:style>
+              <a:lnRef idx="2">
+                <a:schemeClr val="accent1">
+                  <a:shade val="15000"/>
+                </a:schemeClr>
+              </a:lnRef>
+              <a:fillRef idx="1">
+                <a:schemeClr val="accent1"/>
+              </a:fillRef>
+              <a:effectRef idx="0">
+                <a:schemeClr val="accent1"/>
+              </a:effectRef>
+              <a:fontRef idx="minor">
+                <a:schemeClr val="lt1"/>
+              </a:fontRef>
+            </p:style>
+            <p:txBody>
+              <a:bodyPr vert="horz" rtlCol="0" anchor="ctr"/>
+              <a:lstStyle/>
+              <a:p>
+                <a:pPr algn="ctr"/>
+                <a:endParaRPr lang="en-VN" sz="800" dirty="0">
+                  <a:solidFill>
+                    <a:schemeClr val="tx1"/>
+                  </a:solidFill>
+                  <a:latin typeface="Comic Sans MS" panose="030F0902030302020204" pitchFamily="66" charset="0"/>
+                </a:endParaRPr>
+              </a:p>
+            </p:txBody>
+          </p:sp>
+          <p:sp>
+            <p:nvSpPr>
+              <p:cNvPr id="38" name="Document 37">
+                <a:extLst>
+                  <a:ext uri="{FF2B5EF4-FFF2-40B4-BE49-F238E27FC236}">
+                    <a16:creationId xmlns:a16="http://schemas.microsoft.com/office/drawing/2014/main" id="{BD6C881F-D40E-76E3-186C-1CE4979D5A3F}"/>
+                  </a:ext>
+                </a:extLst>
+              </p:cNvPr>
+              <p:cNvSpPr/>
+              <p:nvPr/>
+            </p:nvSpPr>
+            <p:spPr>
+              <a:xfrm rot="10800000">
+                <a:off x="10253698" y="4641391"/>
+                <a:ext cx="514984" cy="230080"/>
+              </a:xfrm>
+              <a:prstGeom prst="flowChartDocument">
+                <a:avLst/>
+              </a:prstGeom>
+              <a:solidFill>
+                <a:schemeClr val="accent3">
+                  <a:lumMod val="20000"/>
+                  <a:lumOff val="80000"/>
+                </a:schemeClr>
+              </a:solidFill>
+            </p:spPr>
+            <p:style>
+              <a:lnRef idx="2">
+                <a:schemeClr val="accent1">
+                  <a:shade val="15000"/>
+                </a:schemeClr>
+              </a:lnRef>
+              <a:fillRef idx="1">
+                <a:schemeClr val="accent1"/>
+              </a:fillRef>
+              <a:effectRef idx="0">
+                <a:schemeClr val="accent1"/>
+              </a:effectRef>
+              <a:fontRef idx="minor">
+                <a:schemeClr val="lt1"/>
+              </a:fontRef>
+            </p:style>
+            <p:txBody>
+              <a:bodyPr vert="horz" rtlCol="0" anchor="ctr"/>
+              <a:lstStyle/>
+              <a:p>
+                <a:pPr algn="ctr"/>
+                <a:endParaRPr lang="en-VN" sz="800" dirty="0">
+                  <a:solidFill>
+                    <a:schemeClr val="tx1"/>
+                  </a:solidFill>
+                  <a:latin typeface="Comic Sans MS" panose="030F0902030302020204" pitchFamily="66" charset="0"/>
+                </a:endParaRPr>
+              </a:p>
+            </p:txBody>
+          </p:sp>
+          <p:sp>
+            <p:nvSpPr>
+              <p:cNvPr id="63" name="Document 62">
+                <a:extLst>
+                  <a:ext uri="{FF2B5EF4-FFF2-40B4-BE49-F238E27FC236}">
+                    <a16:creationId xmlns:a16="http://schemas.microsoft.com/office/drawing/2014/main" id="{69444121-8EE6-0858-13EC-7575C6E38CA9}"/>
+                  </a:ext>
+                </a:extLst>
+              </p:cNvPr>
+              <p:cNvSpPr/>
+              <p:nvPr/>
+            </p:nvSpPr>
+            <p:spPr>
+              <a:xfrm>
+                <a:off x="7564405" y="4987454"/>
+                <a:ext cx="514984" cy="230080"/>
+              </a:xfrm>
+              <a:prstGeom prst="flowChartDocument">
+                <a:avLst/>
+              </a:prstGeom>
+              <a:solidFill>
+                <a:schemeClr val="accent5">
+                  <a:lumMod val="20000"/>
+                  <a:lumOff val="80000"/>
+                </a:schemeClr>
+              </a:solidFill>
+            </p:spPr>
+            <p:style>
+              <a:lnRef idx="2">
+                <a:schemeClr val="accent1">
+                  <a:shade val="15000"/>
+                </a:schemeClr>
+              </a:lnRef>
+              <a:fillRef idx="1">
+                <a:schemeClr val="accent1"/>
+              </a:fillRef>
+              <a:effectRef idx="0">
+                <a:schemeClr val="accent1"/>
+              </a:effectRef>
+              <a:fontRef idx="minor">
+                <a:schemeClr val="lt1"/>
+              </a:fontRef>
+            </p:style>
+            <p:txBody>
+              <a:bodyPr rtlCol="0" anchor="ctr"/>
+              <a:lstStyle/>
+              <a:p>
+                <a:pPr algn="ctr"/>
+                <a:r>
+                  <a:rPr lang="en-US" sz="800" dirty="0">
+                    <a:solidFill>
+                      <a:schemeClr val="tx1"/>
+                    </a:solidFill>
+                    <a:latin typeface="Comic Sans MS" panose="030F0902030302020204" pitchFamily="66" charset="0"/>
+                  </a:rPr>
+                  <a:t>P</a:t>
+                </a:r>
+                <a:r>
+                  <a:rPr lang="en-VN" sz="800" dirty="0">
+                    <a:solidFill>
+                      <a:schemeClr val="tx1"/>
+                    </a:solidFill>
+                    <a:latin typeface="Comic Sans MS" panose="030F0902030302020204" pitchFamily="66" charset="0"/>
+                  </a:rPr>
+                  <a:t>air#</a:t>
+                </a:r>
+              </a:p>
+            </p:txBody>
+          </p:sp>
+          <p:sp>
+            <p:nvSpPr>
+              <p:cNvPr id="64" name="Document 63">
+                <a:extLst>
+                  <a:ext uri="{FF2B5EF4-FFF2-40B4-BE49-F238E27FC236}">
+                    <a16:creationId xmlns:a16="http://schemas.microsoft.com/office/drawing/2014/main" id="{9FEC4831-83CD-D3ED-60E8-5DCA50430068}"/>
+                  </a:ext>
+                </a:extLst>
+              </p:cNvPr>
+              <p:cNvSpPr/>
+              <p:nvPr/>
+            </p:nvSpPr>
+            <p:spPr>
+              <a:xfrm>
+                <a:off x="8136350" y="4987454"/>
+                <a:ext cx="514984" cy="230080"/>
+              </a:xfrm>
+              <a:prstGeom prst="flowChartDocument">
+                <a:avLst/>
+              </a:prstGeom>
+              <a:solidFill>
+                <a:schemeClr val="accent5">
+                  <a:lumMod val="20000"/>
+                  <a:lumOff val="80000"/>
+                </a:schemeClr>
+              </a:solidFill>
+            </p:spPr>
+            <p:style>
+              <a:lnRef idx="2">
+                <a:schemeClr val="accent1">
+                  <a:shade val="15000"/>
+                </a:schemeClr>
+              </a:lnRef>
+              <a:fillRef idx="1">
+                <a:schemeClr val="accent1"/>
+              </a:fillRef>
+              <a:effectRef idx="0">
+                <a:schemeClr val="accent1"/>
+              </a:effectRef>
+              <a:fontRef idx="minor">
+                <a:schemeClr val="lt1"/>
+              </a:fontRef>
+            </p:style>
+            <p:txBody>
+              <a:bodyPr rtlCol="0" anchor="ctr"/>
+              <a:lstStyle/>
+              <a:p>
+                <a:pPr algn="ctr"/>
+                <a:r>
+                  <a:rPr lang="en-US" sz="800" dirty="0">
+                    <a:solidFill>
+                      <a:schemeClr val="tx1"/>
+                    </a:solidFill>
+                    <a:latin typeface="Comic Sans MS" panose="030F0902030302020204" pitchFamily="66" charset="0"/>
+                  </a:rPr>
+                  <a:t>P</a:t>
+                </a:r>
+                <a:r>
+                  <a:rPr lang="en-VN" sz="800" dirty="0">
+                    <a:solidFill>
+                      <a:schemeClr val="tx1"/>
+                    </a:solidFill>
+                    <a:latin typeface="Comic Sans MS" panose="030F0902030302020204" pitchFamily="66" charset="0"/>
+                  </a:rPr>
+                  <a:t>air#</a:t>
+                </a:r>
+              </a:p>
+            </p:txBody>
+          </p:sp>
+          <p:sp>
+            <p:nvSpPr>
+              <p:cNvPr id="65" name="Document 64">
+                <a:extLst>
+                  <a:ext uri="{FF2B5EF4-FFF2-40B4-BE49-F238E27FC236}">
+                    <a16:creationId xmlns:a16="http://schemas.microsoft.com/office/drawing/2014/main" id="{7F4F6B68-B9C8-44BC-4713-7D5F58A53F3A}"/>
+                  </a:ext>
+                </a:extLst>
+              </p:cNvPr>
+              <p:cNvSpPr/>
+              <p:nvPr/>
+            </p:nvSpPr>
+            <p:spPr>
+              <a:xfrm>
+                <a:off x="10249148" y="4984609"/>
+                <a:ext cx="514984" cy="230080"/>
+              </a:xfrm>
+              <a:prstGeom prst="flowChartDocument">
+                <a:avLst/>
+              </a:prstGeom>
+              <a:solidFill>
+                <a:schemeClr val="accent5">
+                  <a:lumMod val="20000"/>
+                  <a:lumOff val="80000"/>
+                </a:schemeClr>
+              </a:solidFill>
+            </p:spPr>
+            <p:style>
+              <a:lnRef idx="2">
+                <a:schemeClr val="accent1">
+                  <a:shade val="15000"/>
+                </a:schemeClr>
+              </a:lnRef>
+              <a:fillRef idx="1">
+                <a:schemeClr val="accent1"/>
+              </a:fillRef>
+              <a:effectRef idx="0">
+                <a:schemeClr val="accent1"/>
+              </a:effectRef>
+              <a:fontRef idx="minor">
+                <a:schemeClr val="lt1"/>
+              </a:fontRef>
+            </p:style>
+            <p:txBody>
+              <a:bodyPr rtlCol="0" anchor="ctr"/>
+              <a:lstStyle/>
+              <a:p>
+                <a:pPr algn="ctr"/>
+                <a:r>
+                  <a:rPr lang="en-US" sz="800" dirty="0">
+                    <a:solidFill>
+                      <a:schemeClr val="tx1"/>
+                    </a:solidFill>
+                    <a:latin typeface="Comic Sans MS" panose="030F0902030302020204" pitchFamily="66" charset="0"/>
+                  </a:rPr>
+                  <a:t>P</a:t>
+                </a:r>
+                <a:r>
+                  <a:rPr lang="en-VN" sz="800" dirty="0">
+                    <a:solidFill>
+                      <a:schemeClr val="tx1"/>
+                    </a:solidFill>
+                    <a:latin typeface="Comic Sans MS" panose="030F0902030302020204" pitchFamily="66" charset="0"/>
+                  </a:rPr>
+                  <a:t>air#</a:t>
+                </a:r>
+              </a:p>
+            </p:txBody>
+          </p:sp>
+          <p:sp>
+            <p:nvSpPr>
+              <p:cNvPr id="66" name="Document 65">
+                <a:extLst>
+                  <a:ext uri="{FF2B5EF4-FFF2-40B4-BE49-F238E27FC236}">
+                    <a16:creationId xmlns:a16="http://schemas.microsoft.com/office/drawing/2014/main" id="{E79F64C3-8CA3-DACD-CDA5-8F4869B6635C}"/>
+                  </a:ext>
+                </a:extLst>
+              </p:cNvPr>
+              <p:cNvSpPr/>
+              <p:nvPr/>
+            </p:nvSpPr>
+            <p:spPr>
+              <a:xfrm rot="10800000">
+                <a:off x="7564405" y="5231952"/>
+                <a:ext cx="514984" cy="230080"/>
+              </a:xfrm>
+              <a:prstGeom prst="flowChartDocument">
+                <a:avLst/>
+              </a:prstGeom>
+              <a:solidFill>
+                <a:schemeClr val="accent5">
+                  <a:lumMod val="20000"/>
+                  <a:lumOff val="80000"/>
+                </a:schemeClr>
+              </a:solidFill>
+            </p:spPr>
+            <p:style>
+              <a:lnRef idx="2">
+                <a:schemeClr val="accent1">
+                  <a:shade val="15000"/>
+                </a:schemeClr>
+              </a:lnRef>
+              <a:fillRef idx="1">
+                <a:schemeClr val="accent1"/>
+              </a:fillRef>
+              <a:effectRef idx="0">
+                <a:schemeClr val="accent1"/>
+              </a:effectRef>
+              <a:fontRef idx="minor">
+                <a:schemeClr val="lt1"/>
+              </a:fontRef>
+            </p:style>
+            <p:txBody>
+              <a:bodyPr vert="horz" rtlCol="0" anchor="ctr"/>
+              <a:lstStyle/>
+              <a:p>
+                <a:pPr algn="ctr"/>
+                <a:endParaRPr lang="en-VN" sz="800" dirty="0">
+                  <a:solidFill>
+                    <a:schemeClr val="tx1"/>
+                  </a:solidFill>
+                  <a:latin typeface="Comic Sans MS" panose="030F0902030302020204" pitchFamily="66" charset="0"/>
+                </a:endParaRPr>
+              </a:p>
+            </p:txBody>
+          </p:sp>
+          <p:sp>
+            <p:nvSpPr>
+              <p:cNvPr id="67" name="Document 66">
+                <a:extLst>
+                  <a:ext uri="{FF2B5EF4-FFF2-40B4-BE49-F238E27FC236}">
+                    <a16:creationId xmlns:a16="http://schemas.microsoft.com/office/drawing/2014/main" id="{9F17560F-275C-6999-E611-C27CA574AAE2}"/>
+                  </a:ext>
+                </a:extLst>
+              </p:cNvPr>
+              <p:cNvSpPr/>
+              <p:nvPr/>
+            </p:nvSpPr>
+            <p:spPr>
+              <a:xfrm rot="10800000">
+                <a:off x="8136350" y="5231951"/>
+                <a:ext cx="514984" cy="230080"/>
+              </a:xfrm>
+              <a:prstGeom prst="flowChartDocument">
+                <a:avLst/>
+              </a:prstGeom>
+              <a:solidFill>
+                <a:schemeClr val="accent5">
+                  <a:lumMod val="20000"/>
+                  <a:lumOff val="80000"/>
+                </a:schemeClr>
+              </a:solidFill>
+            </p:spPr>
+            <p:style>
+              <a:lnRef idx="2">
+                <a:schemeClr val="accent1">
+                  <a:shade val="15000"/>
+                </a:schemeClr>
+              </a:lnRef>
+              <a:fillRef idx="1">
+                <a:schemeClr val="accent1"/>
+              </a:fillRef>
+              <a:effectRef idx="0">
+                <a:schemeClr val="accent1"/>
+              </a:effectRef>
+              <a:fontRef idx="minor">
+                <a:schemeClr val="lt1"/>
+              </a:fontRef>
+            </p:style>
+            <p:txBody>
+              <a:bodyPr vert="horz" rtlCol="0" anchor="ctr"/>
+              <a:lstStyle/>
+              <a:p>
+                <a:pPr algn="ctr"/>
+                <a:endParaRPr lang="en-VN" sz="800" dirty="0">
+                  <a:solidFill>
+                    <a:schemeClr val="tx1"/>
+                  </a:solidFill>
+                  <a:latin typeface="Comic Sans MS" panose="030F0902030302020204" pitchFamily="66" charset="0"/>
+                </a:endParaRPr>
+              </a:p>
+            </p:txBody>
+          </p:sp>
+          <p:sp>
+            <p:nvSpPr>
+              <p:cNvPr id="68" name="Document 67">
+                <a:extLst>
+                  <a:ext uri="{FF2B5EF4-FFF2-40B4-BE49-F238E27FC236}">
+                    <a16:creationId xmlns:a16="http://schemas.microsoft.com/office/drawing/2014/main" id="{DA654FE1-533F-E25E-0137-0AC9956836D6}"/>
+                  </a:ext>
+                </a:extLst>
+              </p:cNvPr>
+              <p:cNvSpPr/>
+              <p:nvPr/>
+            </p:nvSpPr>
+            <p:spPr>
+              <a:xfrm rot="10800000">
+                <a:off x="10249148" y="5229106"/>
+                <a:ext cx="514984" cy="230080"/>
+              </a:xfrm>
+              <a:prstGeom prst="flowChartDocument">
+                <a:avLst/>
+              </a:prstGeom>
+              <a:solidFill>
+                <a:schemeClr val="accent5">
+                  <a:lumMod val="20000"/>
+                  <a:lumOff val="80000"/>
+                </a:schemeClr>
+              </a:solidFill>
+            </p:spPr>
+            <p:style>
+              <a:lnRef idx="2">
+                <a:schemeClr val="accent1">
+                  <a:shade val="15000"/>
+                </a:schemeClr>
+              </a:lnRef>
+              <a:fillRef idx="1">
+                <a:schemeClr val="accent1"/>
+              </a:fillRef>
+              <a:effectRef idx="0">
+                <a:schemeClr val="accent1"/>
+              </a:effectRef>
+              <a:fontRef idx="minor">
+                <a:schemeClr val="lt1"/>
+              </a:fontRef>
+            </p:style>
+            <p:txBody>
+              <a:bodyPr vert="horz" rtlCol="0" anchor="ctr"/>
+              <a:lstStyle/>
+              <a:p>
+                <a:pPr algn="ctr"/>
+                <a:endParaRPr lang="en-VN" sz="800" dirty="0">
+                  <a:solidFill>
+                    <a:schemeClr val="tx1"/>
+                  </a:solidFill>
+                  <a:latin typeface="Comic Sans MS" panose="030F0902030302020204" pitchFamily="66" charset="0"/>
+                </a:endParaRPr>
+              </a:p>
+            </p:txBody>
+          </p:sp>
+          <p:sp>
+            <p:nvSpPr>
+              <p:cNvPr id="73" name="Document 72">
+                <a:extLst>
+                  <a:ext uri="{FF2B5EF4-FFF2-40B4-BE49-F238E27FC236}">
+                    <a16:creationId xmlns:a16="http://schemas.microsoft.com/office/drawing/2014/main" id="{F8522C81-1A71-A3FF-3BA7-86BB859597C3}"/>
+                  </a:ext>
+                </a:extLst>
+              </p:cNvPr>
+              <p:cNvSpPr/>
+              <p:nvPr/>
+            </p:nvSpPr>
+            <p:spPr>
+              <a:xfrm>
+                <a:off x="7557883" y="5791170"/>
+                <a:ext cx="514984" cy="230080"/>
+              </a:xfrm>
+              <a:prstGeom prst="flowChartDocument">
+                <a:avLst/>
+              </a:prstGeom>
+              <a:solidFill>
+                <a:srgbClr val="FFA7B8"/>
+              </a:solidFill>
+            </p:spPr>
+            <p:style>
+              <a:lnRef idx="2">
+                <a:schemeClr val="accent1">
+                  <a:shade val="15000"/>
+                </a:schemeClr>
+              </a:lnRef>
+              <a:fillRef idx="1">
+                <a:schemeClr val="accent1"/>
+              </a:fillRef>
+              <a:effectRef idx="0">
+                <a:schemeClr val="accent1"/>
+              </a:effectRef>
+              <a:fontRef idx="minor">
+                <a:schemeClr val="lt1"/>
+              </a:fontRef>
+            </p:style>
+            <p:txBody>
+              <a:bodyPr rtlCol="0" anchor="ctr"/>
+              <a:lstStyle/>
+              <a:p>
+                <a:pPr algn="ctr"/>
+                <a:r>
+                  <a:rPr lang="en-US" sz="800" dirty="0">
+                    <a:solidFill>
+                      <a:schemeClr val="tx1"/>
+                    </a:solidFill>
+                    <a:latin typeface="Comic Sans MS" panose="030F0902030302020204" pitchFamily="66" charset="0"/>
+                  </a:rPr>
+                  <a:t>P</a:t>
+                </a:r>
+                <a:r>
+                  <a:rPr lang="en-VN" sz="800" dirty="0">
+                    <a:solidFill>
+                      <a:schemeClr val="tx1"/>
+                    </a:solidFill>
+                    <a:latin typeface="Comic Sans MS" panose="030F0902030302020204" pitchFamily="66" charset="0"/>
+                  </a:rPr>
+                  <a:t>air#</a:t>
+                </a:r>
+              </a:p>
+            </p:txBody>
+          </p:sp>
+          <p:sp>
+            <p:nvSpPr>
+              <p:cNvPr id="77" name="Document 76">
+                <a:extLst>
+                  <a:ext uri="{FF2B5EF4-FFF2-40B4-BE49-F238E27FC236}">
+                    <a16:creationId xmlns:a16="http://schemas.microsoft.com/office/drawing/2014/main" id="{F3C72854-2EC8-0F14-90B7-9DE42CF7ADB2}"/>
+                  </a:ext>
+                </a:extLst>
+              </p:cNvPr>
+              <p:cNvSpPr/>
+              <p:nvPr/>
+            </p:nvSpPr>
+            <p:spPr>
+              <a:xfrm>
+                <a:off x="8129828" y="5791169"/>
+                <a:ext cx="514984" cy="230080"/>
+              </a:xfrm>
+              <a:prstGeom prst="flowChartDocument">
+                <a:avLst/>
+              </a:prstGeom>
+              <a:solidFill>
+                <a:srgbClr val="FFA7B8"/>
+              </a:solidFill>
+            </p:spPr>
+            <p:style>
+              <a:lnRef idx="2">
+                <a:schemeClr val="accent1">
+                  <a:shade val="15000"/>
+                </a:schemeClr>
+              </a:lnRef>
+              <a:fillRef idx="1">
+                <a:schemeClr val="accent1"/>
+              </a:fillRef>
+              <a:effectRef idx="0">
+                <a:schemeClr val="accent1"/>
+              </a:effectRef>
+              <a:fontRef idx="minor">
+                <a:schemeClr val="lt1"/>
+              </a:fontRef>
+            </p:style>
+            <p:txBody>
+              <a:bodyPr rtlCol="0" anchor="ctr"/>
+              <a:lstStyle/>
+              <a:p>
+                <a:pPr algn="ctr"/>
+                <a:r>
+                  <a:rPr lang="en-US" sz="800" dirty="0">
+                    <a:solidFill>
+                      <a:schemeClr val="tx1"/>
+                    </a:solidFill>
+                    <a:latin typeface="Comic Sans MS" panose="030F0902030302020204" pitchFamily="66" charset="0"/>
+                  </a:rPr>
+                  <a:t>P</a:t>
+                </a:r>
+                <a:r>
+                  <a:rPr lang="en-VN" sz="800" dirty="0">
+                    <a:solidFill>
+                      <a:schemeClr val="tx1"/>
+                    </a:solidFill>
+                    <a:latin typeface="Comic Sans MS" panose="030F0902030302020204" pitchFamily="66" charset="0"/>
+                  </a:rPr>
+                  <a:t>air#</a:t>
+                </a:r>
+              </a:p>
+            </p:txBody>
+          </p:sp>
+          <p:sp>
+            <p:nvSpPr>
+              <p:cNvPr id="81" name="Document 80">
+                <a:extLst>
+                  <a:ext uri="{FF2B5EF4-FFF2-40B4-BE49-F238E27FC236}">
+                    <a16:creationId xmlns:a16="http://schemas.microsoft.com/office/drawing/2014/main" id="{0370AFC0-2CDA-5035-CBD5-9108F97DB2F0}"/>
+                  </a:ext>
+                </a:extLst>
+              </p:cNvPr>
+              <p:cNvSpPr/>
+              <p:nvPr/>
+            </p:nvSpPr>
+            <p:spPr>
+              <a:xfrm>
+                <a:off x="10242626" y="5788324"/>
+                <a:ext cx="514984" cy="230080"/>
+              </a:xfrm>
+              <a:prstGeom prst="flowChartDocument">
+                <a:avLst/>
+              </a:prstGeom>
+              <a:solidFill>
+                <a:srgbClr val="FFA7B8"/>
+              </a:solidFill>
+            </p:spPr>
+            <p:style>
+              <a:lnRef idx="2">
+                <a:schemeClr val="accent1">
+                  <a:shade val="15000"/>
+                </a:schemeClr>
+              </a:lnRef>
+              <a:fillRef idx="1">
+                <a:schemeClr val="accent1"/>
+              </a:fillRef>
+              <a:effectRef idx="0">
+                <a:schemeClr val="accent1"/>
+              </a:effectRef>
+              <a:fontRef idx="minor">
+                <a:schemeClr val="lt1"/>
+              </a:fontRef>
+            </p:style>
+            <p:txBody>
+              <a:bodyPr rtlCol="0" anchor="ctr"/>
+              <a:lstStyle/>
+              <a:p>
+                <a:pPr algn="ctr"/>
+                <a:r>
+                  <a:rPr lang="en-US" sz="800" dirty="0">
+                    <a:solidFill>
+                      <a:schemeClr val="tx1"/>
+                    </a:solidFill>
+                    <a:latin typeface="Comic Sans MS" panose="030F0902030302020204" pitchFamily="66" charset="0"/>
+                  </a:rPr>
+                  <a:t>P</a:t>
+                </a:r>
+                <a:r>
+                  <a:rPr lang="en-VN" sz="800" dirty="0">
+                    <a:solidFill>
+                      <a:schemeClr val="tx1"/>
+                    </a:solidFill>
+                    <a:latin typeface="Comic Sans MS" panose="030F0902030302020204" pitchFamily="66" charset="0"/>
+                  </a:rPr>
+                  <a:t>air#</a:t>
+                </a:r>
+              </a:p>
+            </p:txBody>
+          </p:sp>
+          <p:sp>
+            <p:nvSpPr>
+              <p:cNvPr id="82" name="Document 81">
+                <a:extLst>
+                  <a:ext uri="{FF2B5EF4-FFF2-40B4-BE49-F238E27FC236}">
+                    <a16:creationId xmlns:a16="http://schemas.microsoft.com/office/drawing/2014/main" id="{20A2C240-419E-8422-9321-13EA26BF7050}"/>
+                  </a:ext>
+                </a:extLst>
+              </p:cNvPr>
+              <p:cNvSpPr/>
+              <p:nvPr/>
+            </p:nvSpPr>
+            <p:spPr>
+              <a:xfrm rot="10800000">
+                <a:off x="7557883" y="6035668"/>
+                <a:ext cx="514984" cy="230080"/>
+              </a:xfrm>
+              <a:prstGeom prst="flowChartDocument">
+                <a:avLst/>
+              </a:prstGeom>
+              <a:solidFill>
+                <a:srgbClr val="FFA7B8"/>
+              </a:solidFill>
+            </p:spPr>
+            <p:style>
+              <a:lnRef idx="2">
+                <a:schemeClr val="accent1">
+                  <a:shade val="15000"/>
+                </a:schemeClr>
+              </a:lnRef>
+              <a:fillRef idx="1">
+                <a:schemeClr val="accent1"/>
+              </a:fillRef>
+              <a:effectRef idx="0">
+                <a:schemeClr val="accent1"/>
+              </a:effectRef>
+              <a:fontRef idx="minor">
+                <a:schemeClr val="lt1"/>
+              </a:fontRef>
+            </p:style>
+            <p:txBody>
+              <a:bodyPr vert="horz" rtlCol="0" anchor="ctr"/>
+              <a:lstStyle/>
+              <a:p>
+                <a:pPr algn="ctr"/>
+                <a:endParaRPr lang="en-VN" sz="800" dirty="0">
+                  <a:solidFill>
+                    <a:schemeClr val="tx1"/>
+                  </a:solidFill>
+                  <a:latin typeface="Comic Sans MS" panose="030F0902030302020204" pitchFamily="66" charset="0"/>
+                </a:endParaRPr>
+              </a:p>
+            </p:txBody>
+          </p:sp>
+          <p:sp>
+            <p:nvSpPr>
+              <p:cNvPr id="83" name="Document 82">
+                <a:extLst>
+                  <a:ext uri="{FF2B5EF4-FFF2-40B4-BE49-F238E27FC236}">
+                    <a16:creationId xmlns:a16="http://schemas.microsoft.com/office/drawing/2014/main" id="{48FEBD55-D7FC-A4B9-A654-A244D629006D}"/>
+                  </a:ext>
+                </a:extLst>
+              </p:cNvPr>
+              <p:cNvSpPr/>
+              <p:nvPr/>
+            </p:nvSpPr>
+            <p:spPr>
+              <a:xfrm rot="10800000">
+                <a:off x="8129828" y="6035667"/>
+                <a:ext cx="514984" cy="230080"/>
+              </a:xfrm>
+              <a:prstGeom prst="flowChartDocument">
+                <a:avLst/>
+              </a:prstGeom>
+              <a:solidFill>
+                <a:srgbClr val="FFA7B8"/>
+              </a:solidFill>
+            </p:spPr>
+            <p:style>
+              <a:lnRef idx="2">
+                <a:schemeClr val="accent1">
+                  <a:shade val="15000"/>
+                </a:schemeClr>
+              </a:lnRef>
+              <a:fillRef idx="1">
+                <a:schemeClr val="accent1"/>
+              </a:fillRef>
+              <a:effectRef idx="0">
+                <a:schemeClr val="accent1"/>
+              </a:effectRef>
+              <a:fontRef idx="minor">
+                <a:schemeClr val="lt1"/>
+              </a:fontRef>
+            </p:style>
+            <p:txBody>
+              <a:bodyPr vert="horz" rtlCol="0" anchor="ctr"/>
+              <a:lstStyle/>
+              <a:p>
+                <a:pPr algn="ctr"/>
+                <a:endParaRPr lang="en-VN" sz="800" dirty="0">
+                  <a:solidFill>
+                    <a:schemeClr val="tx1"/>
+                  </a:solidFill>
+                  <a:latin typeface="Comic Sans MS" panose="030F0902030302020204" pitchFamily="66" charset="0"/>
+                </a:endParaRPr>
+              </a:p>
+            </p:txBody>
+          </p:sp>
+          <p:sp>
+            <p:nvSpPr>
+              <p:cNvPr id="87" name="Document 86">
+                <a:extLst>
+                  <a:ext uri="{FF2B5EF4-FFF2-40B4-BE49-F238E27FC236}">
+                    <a16:creationId xmlns:a16="http://schemas.microsoft.com/office/drawing/2014/main" id="{12F17A37-B786-6813-3721-323CA00925D9}"/>
+                  </a:ext>
+                </a:extLst>
+              </p:cNvPr>
+              <p:cNvSpPr/>
+              <p:nvPr/>
+            </p:nvSpPr>
+            <p:spPr>
+              <a:xfrm rot="10800000">
+                <a:off x="10242626" y="6032822"/>
+                <a:ext cx="514984" cy="230080"/>
+              </a:xfrm>
+              <a:prstGeom prst="flowChartDocument">
+                <a:avLst/>
+              </a:prstGeom>
+              <a:solidFill>
+                <a:srgbClr val="FFA7B8"/>
+              </a:solidFill>
+            </p:spPr>
+            <p:style>
+              <a:lnRef idx="2">
+                <a:schemeClr val="accent1">
+                  <a:shade val="15000"/>
+                </a:schemeClr>
+              </a:lnRef>
+              <a:fillRef idx="1">
+                <a:schemeClr val="accent1"/>
+              </a:fillRef>
+              <a:effectRef idx="0">
+                <a:schemeClr val="accent1"/>
+              </a:effectRef>
+              <a:fontRef idx="minor">
+                <a:schemeClr val="lt1"/>
+              </a:fontRef>
+            </p:style>
+            <p:txBody>
+              <a:bodyPr vert="horz" rtlCol="0" anchor="ctr"/>
+              <a:lstStyle/>
+              <a:p>
+                <a:pPr algn="ctr"/>
+                <a:endParaRPr lang="en-VN" sz="800" dirty="0">
+                  <a:solidFill>
+                    <a:schemeClr val="tx1"/>
+                  </a:solidFill>
+                  <a:latin typeface="Comic Sans MS" panose="030F0902030302020204" pitchFamily="66" charset="0"/>
+                </a:endParaRPr>
+              </a:p>
+            </p:txBody>
+          </p:sp>
+          <p:sp>
+            <p:nvSpPr>
+              <p:cNvPr id="145" name="Document 144">
+                <a:extLst>
+                  <a:ext uri="{FF2B5EF4-FFF2-40B4-BE49-F238E27FC236}">
+                    <a16:creationId xmlns:a16="http://schemas.microsoft.com/office/drawing/2014/main" id="{BE820F3A-8D85-DE3B-48AD-7CA9187A2D0B}"/>
+                  </a:ext>
+                </a:extLst>
+              </p:cNvPr>
+              <p:cNvSpPr/>
+              <p:nvPr/>
+            </p:nvSpPr>
+            <p:spPr>
+              <a:xfrm>
+                <a:off x="8728284" y="4399738"/>
+                <a:ext cx="514984" cy="230080"/>
+              </a:xfrm>
+              <a:prstGeom prst="flowChartDocument">
+                <a:avLst/>
+              </a:prstGeom>
+              <a:solidFill>
+                <a:schemeClr val="accent3">
+                  <a:lumMod val="20000"/>
+                  <a:lumOff val="80000"/>
+                </a:schemeClr>
+              </a:solidFill>
+            </p:spPr>
+            <p:style>
+              <a:lnRef idx="2">
+                <a:schemeClr val="accent1">
+                  <a:shade val="15000"/>
+                </a:schemeClr>
+              </a:lnRef>
+              <a:fillRef idx="1">
+                <a:schemeClr val="accent1"/>
+              </a:fillRef>
+              <a:effectRef idx="0">
+                <a:schemeClr val="accent1"/>
+              </a:effectRef>
+              <a:fontRef idx="minor">
+                <a:schemeClr val="lt1"/>
+              </a:fontRef>
+            </p:style>
+            <p:txBody>
+              <a:bodyPr rtlCol="0" anchor="ctr"/>
+              <a:lstStyle/>
+              <a:p>
+                <a:pPr algn="ctr"/>
+                <a:r>
+                  <a:rPr lang="en-US" sz="800" dirty="0">
+                    <a:solidFill>
+                      <a:schemeClr val="tx1"/>
+                    </a:solidFill>
+                    <a:latin typeface="Comic Sans MS" panose="030F0902030302020204" pitchFamily="66" charset="0"/>
+                  </a:rPr>
+                  <a:t>P</a:t>
+                </a:r>
+                <a:r>
+                  <a:rPr lang="en-VN" sz="800" dirty="0">
+                    <a:solidFill>
+                      <a:schemeClr val="tx1"/>
+                    </a:solidFill>
+                    <a:latin typeface="Comic Sans MS" panose="030F0902030302020204" pitchFamily="66" charset="0"/>
+                  </a:rPr>
+                  <a:t>air#</a:t>
+                </a:r>
+              </a:p>
+            </p:txBody>
+          </p:sp>
+          <p:sp>
+            <p:nvSpPr>
+              <p:cNvPr id="146" name="Document 145">
+                <a:extLst>
+                  <a:ext uri="{FF2B5EF4-FFF2-40B4-BE49-F238E27FC236}">
+                    <a16:creationId xmlns:a16="http://schemas.microsoft.com/office/drawing/2014/main" id="{904E3B72-9D3B-B985-AAE6-80FE3AD2070C}"/>
+                  </a:ext>
+                </a:extLst>
+              </p:cNvPr>
+              <p:cNvSpPr/>
+              <p:nvPr/>
+            </p:nvSpPr>
+            <p:spPr>
+              <a:xfrm>
+                <a:off x="9300229" y="4399737"/>
+                <a:ext cx="514984" cy="230080"/>
+              </a:xfrm>
+              <a:prstGeom prst="flowChartDocument">
+                <a:avLst/>
+              </a:prstGeom>
+              <a:solidFill>
+                <a:schemeClr val="accent3">
+                  <a:lumMod val="20000"/>
+                  <a:lumOff val="80000"/>
+                </a:schemeClr>
+              </a:solidFill>
+            </p:spPr>
+            <p:style>
+              <a:lnRef idx="2">
+                <a:schemeClr val="accent1">
+                  <a:shade val="15000"/>
+                </a:schemeClr>
+              </a:lnRef>
+              <a:fillRef idx="1">
+                <a:schemeClr val="accent1"/>
+              </a:fillRef>
+              <a:effectRef idx="0">
+                <a:schemeClr val="accent1"/>
+              </a:effectRef>
+              <a:fontRef idx="minor">
+                <a:schemeClr val="lt1"/>
+              </a:fontRef>
+            </p:style>
+            <p:txBody>
+              <a:bodyPr rtlCol="0" anchor="ctr"/>
+              <a:lstStyle/>
+              <a:p>
+                <a:pPr algn="ctr"/>
+                <a:r>
+                  <a:rPr lang="en-US" sz="800" dirty="0">
+                    <a:solidFill>
+                      <a:schemeClr val="tx1"/>
+                    </a:solidFill>
+                    <a:latin typeface="Comic Sans MS" panose="030F0902030302020204" pitchFamily="66" charset="0"/>
+                  </a:rPr>
+                  <a:t>P</a:t>
+                </a:r>
+                <a:r>
+                  <a:rPr lang="en-VN" sz="800" dirty="0">
+                    <a:solidFill>
+                      <a:schemeClr val="tx1"/>
+                    </a:solidFill>
+                    <a:latin typeface="Comic Sans MS" panose="030F0902030302020204" pitchFamily="66" charset="0"/>
+                  </a:rPr>
+                  <a:t>air#</a:t>
+                </a:r>
+              </a:p>
+            </p:txBody>
+          </p:sp>
+          <p:sp>
+            <p:nvSpPr>
+              <p:cNvPr id="148" name="Document 147">
+                <a:extLst>
+                  <a:ext uri="{FF2B5EF4-FFF2-40B4-BE49-F238E27FC236}">
+                    <a16:creationId xmlns:a16="http://schemas.microsoft.com/office/drawing/2014/main" id="{5E7BF588-6706-83EB-B2E9-6280B2DD8F30}"/>
+                  </a:ext>
+                </a:extLst>
+              </p:cNvPr>
+              <p:cNvSpPr/>
+              <p:nvPr/>
+            </p:nvSpPr>
+            <p:spPr>
+              <a:xfrm rot="10800000">
+                <a:off x="8728284" y="4644235"/>
+                <a:ext cx="514984" cy="230080"/>
+              </a:xfrm>
+              <a:prstGeom prst="flowChartDocument">
+                <a:avLst/>
+              </a:prstGeom>
+              <a:solidFill>
+                <a:schemeClr val="accent3">
+                  <a:lumMod val="20000"/>
+                  <a:lumOff val="80000"/>
+                </a:schemeClr>
+              </a:solidFill>
+            </p:spPr>
+            <p:style>
+              <a:lnRef idx="2">
+                <a:schemeClr val="accent1">
+                  <a:shade val="15000"/>
+                </a:schemeClr>
+              </a:lnRef>
+              <a:fillRef idx="1">
+                <a:schemeClr val="accent1"/>
+              </a:fillRef>
+              <a:effectRef idx="0">
+                <a:schemeClr val="accent1"/>
+              </a:effectRef>
+              <a:fontRef idx="minor">
+                <a:schemeClr val="lt1"/>
+              </a:fontRef>
+            </p:style>
+            <p:txBody>
+              <a:bodyPr vert="horz" rtlCol="0" anchor="ctr"/>
+              <a:lstStyle/>
+              <a:p>
+                <a:pPr algn="ctr"/>
+                <a:endParaRPr lang="en-VN" sz="800" dirty="0">
+                  <a:solidFill>
+                    <a:schemeClr val="tx1"/>
+                  </a:solidFill>
+                  <a:latin typeface="Comic Sans MS" panose="030F0902030302020204" pitchFamily="66" charset="0"/>
+                </a:endParaRPr>
+              </a:p>
+            </p:txBody>
+          </p:sp>
+          <p:sp>
+            <p:nvSpPr>
+              <p:cNvPr id="149" name="Document 148">
+                <a:extLst>
+                  <a:ext uri="{FF2B5EF4-FFF2-40B4-BE49-F238E27FC236}">
+                    <a16:creationId xmlns:a16="http://schemas.microsoft.com/office/drawing/2014/main" id="{30FC3D5A-8036-46DA-5EA3-E8BEB101659B}"/>
+                  </a:ext>
+                </a:extLst>
+              </p:cNvPr>
+              <p:cNvSpPr/>
+              <p:nvPr/>
+            </p:nvSpPr>
+            <p:spPr>
+              <a:xfrm rot="10800000">
+                <a:off x="9300229" y="4644235"/>
+                <a:ext cx="514984" cy="230080"/>
+              </a:xfrm>
+              <a:prstGeom prst="flowChartDocument">
+                <a:avLst/>
+              </a:prstGeom>
+              <a:solidFill>
+                <a:schemeClr val="accent3">
+                  <a:lumMod val="20000"/>
+                  <a:lumOff val="80000"/>
+                </a:schemeClr>
+              </a:solidFill>
+            </p:spPr>
+            <p:style>
+              <a:lnRef idx="2">
+                <a:schemeClr val="accent1">
+                  <a:shade val="15000"/>
+                </a:schemeClr>
+              </a:lnRef>
+              <a:fillRef idx="1">
+                <a:schemeClr val="accent1"/>
+              </a:fillRef>
+              <a:effectRef idx="0">
+                <a:schemeClr val="accent1"/>
+              </a:effectRef>
+              <a:fontRef idx="minor">
+                <a:schemeClr val="lt1"/>
+              </a:fontRef>
+            </p:style>
+            <p:txBody>
+              <a:bodyPr vert="horz" rtlCol="0" anchor="ctr"/>
+              <a:lstStyle/>
+              <a:p>
+                <a:pPr algn="ctr"/>
+                <a:endParaRPr lang="en-VN" sz="800" dirty="0">
+                  <a:solidFill>
+                    <a:schemeClr val="tx1"/>
+                  </a:solidFill>
+                  <a:latin typeface="Comic Sans MS" panose="030F0902030302020204" pitchFamily="66" charset="0"/>
+                </a:endParaRPr>
+              </a:p>
+            </p:txBody>
+          </p:sp>
+          <p:sp>
+            <p:nvSpPr>
+              <p:cNvPr id="150" name="Document 149">
+                <a:extLst>
+                  <a:ext uri="{FF2B5EF4-FFF2-40B4-BE49-F238E27FC236}">
+                    <a16:creationId xmlns:a16="http://schemas.microsoft.com/office/drawing/2014/main" id="{AA118837-9607-9030-8FD3-23E7F14E7114}"/>
+                  </a:ext>
+                </a:extLst>
+              </p:cNvPr>
+              <p:cNvSpPr/>
+              <p:nvPr/>
+            </p:nvSpPr>
+            <p:spPr>
+              <a:xfrm>
+                <a:off x="8723734" y="4987453"/>
+                <a:ext cx="514984" cy="230080"/>
+              </a:xfrm>
+              <a:prstGeom prst="flowChartDocument">
+                <a:avLst/>
+              </a:prstGeom>
+              <a:solidFill>
+                <a:schemeClr val="accent5">
+                  <a:lumMod val="20000"/>
+                  <a:lumOff val="80000"/>
+                </a:schemeClr>
+              </a:solidFill>
+            </p:spPr>
+            <p:style>
+              <a:lnRef idx="2">
+                <a:schemeClr val="accent1">
+                  <a:shade val="15000"/>
+                </a:schemeClr>
+              </a:lnRef>
+              <a:fillRef idx="1">
+                <a:schemeClr val="accent1"/>
+              </a:fillRef>
+              <a:effectRef idx="0">
+                <a:schemeClr val="accent1"/>
+              </a:effectRef>
+              <a:fontRef idx="minor">
+                <a:schemeClr val="lt1"/>
+              </a:fontRef>
+            </p:style>
+            <p:txBody>
+              <a:bodyPr rtlCol="0" anchor="ctr"/>
+              <a:lstStyle/>
+              <a:p>
+                <a:pPr algn="ctr"/>
+                <a:r>
+                  <a:rPr lang="en-US" sz="800" dirty="0">
+                    <a:solidFill>
+                      <a:schemeClr val="tx1"/>
+                    </a:solidFill>
+                    <a:latin typeface="Comic Sans MS" panose="030F0902030302020204" pitchFamily="66" charset="0"/>
+                  </a:rPr>
+                  <a:t>P</a:t>
+                </a:r>
+                <a:r>
+                  <a:rPr lang="en-VN" sz="800" dirty="0">
+                    <a:solidFill>
+                      <a:schemeClr val="tx1"/>
+                    </a:solidFill>
+                    <a:latin typeface="Comic Sans MS" panose="030F0902030302020204" pitchFamily="66" charset="0"/>
+                  </a:rPr>
+                  <a:t>air#</a:t>
+                </a:r>
+              </a:p>
+            </p:txBody>
+          </p:sp>
+          <p:sp>
+            <p:nvSpPr>
+              <p:cNvPr id="151" name="Document 150">
+                <a:extLst>
+                  <a:ext uri="{FF2B5EF4-FFF2-40B4-BE49-F238E27FC236}">
+                    <a16:creationId xmlns:a16="http://schemas.microsoft.com/office/drawing/2014/main" id="{BA3968BB-F5C6-BDDE-4581-8CD8429B1AAB}"/>
+                  </a:ext>
+                </a:extLst>
+              </p:cNvPr>
+              <p:cNvSpPr/>
+              <p:nvPr/>
+            </p:nvSpPr>
+            <p:spPr>
+              <a:xfrm>
+                <a:off x="9295679" y="4987453"/>
+                <a:ext cx="514984" cy="230080"/>
+              </a:xfrm>
+              <a:prstGeom prst="flowChartDocument">
+                <a:avLst/>
+              </a:prstGeom>
+              <a:solidFill>
+                <a:schemeClr val="accent5">
+                  <a:lumMod val="20000"/>
+                  <a:lumOff val="80000"/>
+                </a:schemeClr>
+              </a:solidFill>
+            </p:spPr>
+            <p:style>
+              <a:lnRef idx="2">
+                <a:schemeClr val="accent1">
+                  <a:shade val="15000"/>
+                </a:schemeClr>
+              </a:lnRef>
+              <a:fillRef idx="1">
+                <a:schemeClr val="accent1"/>
+              </a:fillRef>
+              <a:effectRef idx="0">
+                <a:schemeClr val="accent1"/>
+              </a:effectRef>
+              <a:fontRef idx="minor">
+                <a:schemeClr val="lt1"/>
+              </a:fontRef>
+            </p:style>
+            <p:txBody>
+              <a:bodyPr rtlCol="0" anchor="ctr"/>
+              <a:lstStyle/>
+              <a:p>
+                <a:pPr algn="ctr"/>
+                <a:r>
+                  <a:rPr lang="en-US" sz="800" dirty="0">
+                    <a:solidFill>
+                      <a:schemeClr val="tx1"/>
+                    </a:solidFill>
+                    <a:latin typeface="Comic Sans MS" panose="030F0902030302020204" pitchFamily="66" charset="0"/>
+                  </a:rPr>
+                  <a:t>P</a:t>
+                </a:r>
+                <a:r>
+                  <a:rPr lang="en-VN" sz="800" dirty="0">
+                    <a:solidFill>
+                      <a:schemeClr val="tx1"/>
+                    </a:solidFill>
+                    <a:latin typeface="Comic Sans MS" panose="030F0902030302020204" pitchFamily="66" charset="0"/>
+                  </a:rPr>
+                  <a:t>air#</a:t>
+                </a:r>
+              </a:p>
+            </p:txBody>
+          </p:sp>
+          <p:sp>
+            <p:nvSpPr>
+              <p:cNvPr id="152" name="Document 151">
+                <a:extLst>
+                  <a:ext uri="{FF2B5EF4-FFF2-40B4-BE49-F238E27FC236}">
+                    <a16:creationId xmlns:a16="http://schemas.microsoft.com/office/drawing/2014/main" id="{9EDAE627-5EA4-85E1-695C-03685CC33E58}"/>
+                  </a:ext>
+                </a:extLst>
+              </p:cNvPr>
+              <p:cNvSpPr/>
+              <p:nvPr/>
+            </p:nvSpPr>
+            <p:spPr>
+              <a:xfrm rot="10800000">
+                <a:off x="8723734" y="5231951"/>
+                <a:ext cx="514984" cy="230080"/>
+              </a:xfrm>
+              <a:prstGeom prst="flowChartDocument">
+                <a:avLst/>
+              </a:prstGeom>
+              <a:solidFill>
+                <a:schemeClr val="accent5">
+                  <a:lumMod val="20000"/>
+                  <a:lumOff val="80000"/>
+                </a:schemeClr>
+              </a:solidFill>
+            </p:spPr>
+            <p:style>
+              <a:lnRef idx="2">
+                <a:schemeClr val="accent1">
+                  <a:shade val="15000"/>
+                </a:schemeClr>
+              </a:lnRef>
+              <a:fillRef idx="1">
+                <a:schemeClr val="accent1"/>
+              </a:fillRef>
+              <a:effectRef idx="0">
+                <a:schemeClr val="accent1"/>
+              </a:effectRef>
+              <a:fontRef idx="minor">
+                <a:schemeClr val="lt1"/>
+              </a:fontRef>
+            </p:style>
+            <p:txBody>
+              <a:bodyPr vert="horz" rtlCol="0" anchor="ctr"/>
+              <a:lstStyle/>
+              <a:p>
+                <a:pPr algn="ctr"/>
+                <a:endParaRPr lang="en-VN" sz="800" dirty="0">
+                  <a:solidFill>
+                    <a:schemeClr val="tx1"/>
+                  </a:solidFill>
+                  <a:latin typeface="Comic Sans MS" panose="030F0902030302020204" pitchFamily="66" charset="0"/>
+                </a:endParaRPr>
+              </a:p>
+            </p:txBody>
+          </p:sp>
+          <p:sp>
+            <p:nvSpPr>
+              <p:cNvPr id="153" name="Document 152">
+                <a:extLst>
+                  <a:ext uri="{FF2B5EF4-FFF2-40B4-BE49-F238E27FC236}">
+                    <a16:creationId xmlns:a16="http://schemas.microsoft.com/office/drawing/2014/main" id="{588D89CD-6EDC-EA01-EE49-8961872EE7DD}"/>
+                  </a:ext>
+                </a:extLst>
+              </p:cNvPr>
+              <p:cNvSpPr/>
+              <p:nvPr/>
+            </p:nvSpPr>
+            <p:spPr>
+              <a:xfrm rot="10800000">
+                <a:off x="9295679" y="5231950"/>
+                <a:ext cx="514984" cy="230080"/>
+              </a:xfrm>
+              <a:prstGeom prst="flowChartDocument">
+                <a:avLst/>
+              </a:prstGeom>
+              <a:solidFill>
+                <a:schemeClr val="accent5">
+                  <a:lumMod val="20000"/>
+                  <a:lumOff val="80000"/>
+                </a:schemeClr>
+              </a:solidFill>
+            </p:spPr>
+            <p:style>
+              <a:lnRef idx="2">
+                <a:schemeClr val="accent1">
+                  <a:shade val="15000"/>
+                </a:schemeClr>
+              </a:lnRef>
+              <a:fillRef idx="1">
+                <a:schemeClr val="accent1"/>
+              </a:fillRef>
+              <a:effectRef idx="0">
+                <a:schemeClr val="accent1"/>
+              </a:effectRef>
+              <a:fontRef idx="minor">
+                <a:schemeClr val="lt1"/>
+              </a:fontRef>
+            </p:style>
+            <p:txBody>
+              <a:bodyPr vert="horz" rtlCol="0" anchor="ctr"/>
+              <a:lstStyle/>
+              <a:p>
+                <a:pPr algn="ctr"/>
+                <a:endParaRPr lang="en-VN" sz="800" dirty="0">
+                  <a:solidFill>
+                    <a:schemeClr val="tx1"/>
+                  </a:solidFill>
+                  <a:latin typeface="Comic Sans MS" panose="030F0902030302020204" pitchFamily="66" charset="0"/>
+                </a:endParaRPr>
+              </a:p>
+            </p:txBody>
+          </p:sp>
+          <p:sp>
+            <p:nvSpPr>
+              <p:cNvPr id="154" name="Document 153">
+                <a:extLst>
+                  <a:ext uri="{FF2B5EF4-FFF2-40B4-BE49-F238E27FC236}">
+                    <a16:creationId xmlns:a16="http://schemas.microsoft.com/office/drawing/2014/main" id="{F91D89B2-03BA-E1D6-8DB2-726087ECA4F8}"/>
+                  </a:ext>
+                </a:extLst>
+              </p:cNvPr>
+              <p:cNvSpPr/>
+              <p:nvPr/>
+            </p:nvSpPr>
+            <p:spPr>
+              <a:xfrm>
+                <a:off x="8717212" y="5791169"/>
+                <a:ext cx="514984" cy="230080"/>
+              </a:xfrm>
+              <a:prstGeom prst="flowChartDocument">
+                <a:avLst/>
+              </a:prstGeom>
+              <a:solidFill>
+                <a:srgbClr val="FFA7B8"/>
+              </a:solidFill>
+            </p:spPr>
+            <p:style>
+              <a:lnRef idx="2">
+                <a:schemeClr val="accent1">
+                  <a:shade val="15000"/>
+                </a:schemeClr>
+              </a:lnRef>
+              <a:fillRef idx="1">
+                <a:schemeClr val="accent1"/>
+              </a:fillRef>
+              <a:effectRef idx="0">
+                <a:schemeClr val="accent1"/>
+              </a:effectRef>
+              <a:fontRef idx="minor">
+                <a:schemeClr val="lt1"/>
+              </a:fontRef>
+            </p:style>
+            <p:txBody>
+              <a:bodyPr rtlCol="0" anchor="ctr"/>
+              <a:lstStyle/>
+              <a:p>
+                <a:pPr algn="ctr"/>
+                <a:r>
+                  <a:rPr lang="en-US" sz="800" dirty="0">
+                    <a:solidFill>
+                      <a:schemeClr val="tx1"/>
+                    </a:solidFill>
+                    <a:latin typeface="Comic Sans MS" panose="030F0902030302020204" pitchFamily="66" charset="0"/>
+                  </a:rPr>
+                  <a:t>P</a:t>
+                </a:r>
+                <a:r>
+                  <a:rPr lang="en-VN" sz="800" dirty="0">
+                    <a:solidFill>
+                      <a:schemeClr val="tx1"/>
+                    </a:solidFill>
+                    <a:latin typeface="Comic Sans MS" panose="030F0902030302020204" pitchFamily="66" charset="0"/>
+                  </a:rPr>
+                  <a:t>air#</a:t>
+                </a:r>
+              </a:p>
+            </p:txBody>
+          </p:sp>
+          <p:sp>
+            <p:nvSpPr>
+              <p:cNvPr id="155" name="Document 154">
+                <a:extLst>
+                  <a:ext uri="{FF2B5EF4-FFF2-40B4-BE49-F238E27FC236}">
+                    <a16:creationId xmlns:a16="http://schemas.microsoft.com/office/drawing/2014/main" id="{BF0D4C7C-AEA9-6549-5B55-431CF88542A1}"/>
+                  </a:ext>
+                </a:extLst>
+              </p:cNvPr>
+              <p:cNvSpPr/>
+              <p:nvPr/>
+            </p:nvSpPr>
+            <p:spPr>
+              <a:xfrm>
+                <a:off x="9289157" y="5791168"/>
+                <a:ext cx="514984" cy="230080"/>
+              </a:xfrm>
+              <a:prstGeom prst="flowChartDocument">
+                <a:avLst/>
+              </a:prstGeom>
+              <a:solidFill>
+                <a:srgbClr val="FFA7B8"/>
+              </a:solidFill>
+            </p:spPr>
+            <p:style>
+              <a:lnRef idx="2">
+                <a:schemeClr val="accent1">
+                  <a:shade val="15000"/>
+                </a:schemeClr>
+              </a:lnRef>
+              <a:fillRef idx="1">
+                <a:schemeClr val="accent1"/>
+              </a:fillRef>
+              <a:effectRef idx="0">
+                <a:schemeClr val="accent1"/>
+              </a:effectRef>
+              <a:fontRef idx="minor">
+                <a:schemeClr val="lt1"/>
+              </a:fontRef>
+            </p:style>
+            <p:txBody>
+              <a:bodyPr rtlCol="0" anchor="ctr"/>
+              <a:lstStyle/>
+              <a:p>
+                <a:pPr algn="ctr"/>
+                <a:r>
+                  <a:rPr lang="en-US" sz="800" dirty="0">
+                    <a:solidFill>
+                      <a:schemeClr val="tx1"/>
+                    </a:solidFill>
+                    <a:latin typeface="Comic Sans MS" panose="030F0902030302020204" pitchFamily="66" charset="0"/>
+                  </a:rPr>
+                  <a:t>P</a:t>
+                </a:r>
+                <a:r>
+                  <a:rPr lang="en-VN" sz="800" dirty="0">
+                    <a:solidFill>
+                      <a:schemeClr val="tx1"/>
+                    </a:solidFill>
+                    <a:latin typeface="Comic Sans MS" panose="030F0902030302020204" pitchFamily="66" charset="0"/>
+                  </a:rPr>
+                  <a:t>air#</a:t>
+                </a:r>
+              </a:p>
+            </p:txBody>
+          </p:sp>
+          <p:sp>
+            <p:nvSpPr>
+              <p:cNvPr id="156" name="Document 155">
+                <a:extLst>
+                  <a:ext uri="{FF2B5EF4-FFF2-40B4-BE49-F238E27FC236}">
+                    <a16:creationId xmlns:a16="http://schemas.microsoft.com/office/drawing/2014/main" id="{9AD2F7B7-39CB-913C-48C4-E9EACAE1F364}"/>
+                  </a:ext>
+                </a:extLst>
+              </p:cNvPr>
+              <p:cNvSpPr/>
+              <p:nvPr/>
+            </p:nvSpPr>
+            <p:spPr>
+              <a:xfrm rot="10800000">
+                <a:off x="8717212" y="6035667"/>
+                <a:ext cx="514984" cy="230080"/>
+              </a:xfrm>
+              <a:prstGeom prst="flowChartDocument">
+                <a:avLst/>
+              </a:prstGeom>
+              <a:solidFill>
+                <a:srgbClr val="FFA7B8"/>
+              </a:solidFill>
+            </p:spPr>
+            <p:style>
+              <a:lnRef idx="2">
+                <a:schemeClr val="accent1">
+                  <a:shade val="15000"/>
+                </a:schemeClr>
+              </a:lnRef>
+              <a:fillRef idx="1">
+                <a:schemeClr val="accent1"/>
+              </a:fillRef>
+              <a:effectRef idx="0">
+                <a:schemeClr val="accent1"/>
+              </a:effectRef>
+              <a:fontRef idx="minor">
+                <a:schemeClr val="lt1"/>
+              </a:fontRef>
+            </p:style>
+            <p:txBody>
+              <a:bodyPr vert="horz" rtlCol="0" anchor="ctr"/>
+              <a:lstStyle/>
+              <a:p>
+                <a:pPr algn="ctr"/>
+                <a:endParaRPr lang="en-VN" sz="800" dirty="0">
+                  <a:solidFill>
+                    <a:schemeClr val="tx1"/>
+                  </a:solidFill>
+                  <a:latin typeface="Comic Sans MS" panose="030F0902030302020204" pitchFamily="66" charset="0"/>
+                </a:endParaRPr>
+              </a:p>
+            </p:txBody>
+          </p:sp>
+          <p:sp>
+            <p:nvSpPr>
+              <p:cNvPr id="157" name="Document 156">
+                <a:extLst>
+                  <a:ext uri="{FF2B5EF4-FFF2-40B4-BE49-F238E27FC236}">
+                    <a16:creationId xmlns:a16="http://schemas.microsoft.com/office/drawing/2014/main" id="{BA02D0B4-4B84-880D-17DE-0BFFAE87E919}"/>
+                  </a:ext>
+                </a:extLst>
+              </p:cNvPr>
+              <p:cNvSpPr/>
+              <p:nvPr/>
+            </p:nvSpPr>
+            <p:spPr>
+              <a:xfrm rot="10800000">
+                <a:off x="9289157" y="6035666"/>
+                <a:ext cx="514984" cy="230080"/>
+              </a:xfrm>
+              <a:prstGeom prst="flowChartDocument">
+                <a:avLst/>
+              </a:prstGeom>
+              <a:solidFill>
+                <a:srgbClr val="FFA7B8"/>
+              </a:solidFill>
+            </p:spPr>
+            <p:style>
+              <a:lnRef idx="2">
+                <a:schemeClr val="accent1">
+                  <a:shade val="15000"/>
+                </a:schemeClr>
+              </a:lnRef>
+              <a:fillRef idx="1">
+                <a:schemeClr val="accent1"/>
+              </a:fillRef>
+              <a:effectRef idx="0">
+                <a:schemeClr val="accent1"/>
+              </a:effectRef>
+              <a:fontRef idx="minor">
+                <a:schemeClr val="lt1"/>
+              </a:fontRef>
+            </p:style>
+            <p:txBody>
+              <a:bodyPr vert="horz" rtlCol="0" anchor="ctr"/>
+              <a:lstStyle/>
+              <a:p>
+                <a:pPr algn="ctr"/>
+                <a:endParaRPr lang="en-VN" sz="800" dirty="0">
+                  <a:solidFill>
+                    <a:schemeClr val="tx1"/>
+                  </a:solidFill>
+                  <a:latin typeface="Comic Sans MS" panose="030F0902030302020204" pitchFamily="66" charset="0"/>
+                </a:endParaRPr>
+              </a:p>
+            </p:txBody>
+          </p:sp>
+          <p:sp>
+            <p:nvSpPr>
+              <p:cNvPr id="159" name="TextBox 158">
+                <a:extLst>
+                  <a:ext uri="{FF2B5EF4-FFF2-40B4-BE49-F238E27FC236}">
+                    <a16:creationId xmlns:a16="http://schemas.microsoft.com/office/drawing/2014/main" id="{7D348B0F-486F-B209-C770-B50F5AE64B49}"/>
+                  </a:ext>
+                </a:extLst>
+              </p:cNvPr>
+              <p:cNvSpPr txBox="1"/>
+              <p:nvPr/>
+            </p:nvSpPr>
+            <p:spPr>
+              <a:xfrm>
+                <a:off x="7564404" y="5221227"/>
+                <a:ext cx="508463" cy="590452"/>
+              </a:xfrm>
+              <a:prstGeom prst="rect">
+                <a:avLst/>
+              </a:prstGeom>
+              <a:noFill/>
+            </p:spPr>
+            <p:txBody>
+              <a:bodyPr wrap="square" rtlCol="0">
+                <a:spAutoFit/>
+              </a:bodyPr>
+              <a:lstStyle/>
+              <a:p>
+                <a:pPr algn="ctr"/>
+                <a:r>
+                  <a:rPr lang="en-VN" sz="3200" dirty="0">
+                    <a:latin typeface="Comic Sans MS" panose="030F0902030302020204" pitchFamily="66" charset="0"/>
+                  </a:rPr>
+                  <a:t>…</a:t>
+                </a:r>
+              </a:p>
+            </p:txBody>
+          </p:sp>
+          <p:sp>
+            <p:nvSpPr>
+              <p:cNvPr id="160" name="TextBox 159">
+                <a:extLst>
+                  <a:ext uri="{FF2B5EF4-FFF2-40B4-BE49-F238E27FC236}">
+                    <a16:creationId xmlns:a16="http://schemas.microsoft.com/office/drawing/2014/main" id="{7C8ADCE0-15D0-0592-086A-7A281CCBE30D}"/>
+                  </a:ext>
+                </a:extLst>
+              </p:cNvPr>
+              <p:cNvSpPr txBox="1"/>
+              <p:nvPr/>
+            </p:nvSpPr>
+            <p:spPr>
+              <a:xfrm>
+                <a:off x="8139610" y="5213989"/>
+                <a:ext cx="508463" cy="590452"/>
+              </a:xfrm>
+              <a:prstGeom prst="rect">
+                <a:avLst/>
+              </a:prstGeom>
+              <a:noFill/>
+            </p:spPr>
+            <p:txBody>
+              <a:bodyPr wrap="square" rtlCol="0">
+                <a:spAutoFit/>
+              </a:bodyPr>
+              <a:lstStyle/>
+              <a:p>
+                <a:pPr algn="ctr"/>
+                <a:r>
+                  <a:rPr lang="en-VN" sz="3200" dirty="0">
+                    <a:latin typeface="Comic Sans MS" panose="030F0902030302020204" pitchFamily="66" charset="0"/>
+                  </a:rPr>
+                  <a:t>…</a:t>
+                </a:r>
+              </a:p>
+            </p:txBody>
+          </p:sp>
+          <p:sp>
+            <p:nvSpPr>
+              <p:cNvPr id="161" name="TextBox 160">
+                <a:extLst>
+                  <a:ext uri="{FF2B5EF4-FFF2-40B4-BE49-F238E27FC236}">
+                    <a16:creationId xmlns:a16="http://schemas.microsoft.com/office/drawing/2014/main" id="{4DDCFDC0-3F2A-16A4-32C4-18D82C79D588}"/>
+                  </a:ext>
+                </a:extLst>
+              </p:cNvPr>
+              <p:cNvSpPr txBox="1"/>
+              <p:nvPr/>
+            </p:nvSpPr>
+            <p:spPr>
+              <a:xfrm>
+                <a:off x="8720472" y="5221227"/>
+                <a:ext cx="508463" cy="590452"/>
+              </a:xfrm>
+              <a:prstGeom prst="rect">
+                <a:avLst/>
+              </a:prstGeom>
+              <a:noFill/>
+            </p:spPr>
+            <p:txBody>
+              <a:bodyPr wrap="square" rtlCol="0">
+                <a:spAutoFit/>
+              </a:bodyPr>
+              <a:lstStyle/>
+              <a:p>
+                <a:pPr algn="ctr"/>
+                <a:r>
+                  <a:rPr lang="en-VN" sz="3200" dirty="0">
+                    <a:latin typeface="Comic Sans MS" panose="030F0902030302020204" pitchFamily="66" charset="0"/>
+                  </a:rPr>
+                  <a:t>…</a:t>
+                </a:r>
+              </a:p>
+            </p:txBody>
+          </p:sp>
+          <p:sp>
+            <p:nvSpPr>
+              <p:cNvPr id="162" name="TextBox 161">
+                <a:extLst>
+                  <a:ext uri="{FF2B5EF4-FFF2-40B4-BE49-F238E27FC236}">
+                    <a16:creationId xmlns:a16="http://schemas.microsoft.com/office/drawing/2014/main" id="{EBBB099F-7A09-2AB3-05D6-E9CF84A33408}"/>
+                  </a:ext>
+                </a:extLst>
+              </p:cNvPr>
+              <p:cNvSpPr txBox="1"/>
+              <p:nvPr/>
+            </p:nvSpPr>
+            <p:spPr>
+              <a:xfrm>
+                <a:off x="9292417" y="5223880"/>
+                <a:ext cx="508463" cy="590452"/>
+              </a:xfrm>
+              <a:prstGeom prst="rect">
+                <a:avLst/>
+              </a:prstGeom>
+              <a:noFill/>
+            </p:spPr>
+            <p:txBody>
+              <a:bodyPr wrap="square" rtlCol="0">
+                <a:spAutoFit/>
+              </a:bodyPr>
+              <a:lstStyle/>
+              <a:p>
+                <a:pPr algn="ctr"/>
+                <a:r>
+                  <a:rPr lang="en-VN" sz="3200" dirty="0">
+                    <a:latin typeface="Comic Sans MS" panose="030F0902030302020204" pitchFamily="66" charset="0"/>
+                  </a:rPr>
+                  <a:t>…</a:t>
+                </a:r>
+              </a:p>
+            </p:txBody>
+          </p:sp>
+          <p:sp>
+            <p:nvSpPr>
+              <p:cNvPr id="164" name="TextBox 163">
+                <a:extLst>
+                  <a:ext uri="{FF2B5EF4-FFF2-40B4-BE49-F238E27FC236}">
+                    <a16:creationId xmlns:a16="http://schemas.microsoft.com/office/drawing/2014/main" id="{72975368-751B-C43B-C17E-9251BC2FCCC8}"/>
+                  </a:ext>
+                </a:extLst>
+              </p:cNvPr>
+              <p:cNvSpPr txBox="1"/>
+              <p:nvPr/>
+            </p:nvSpPr>
+            <p:spPr>
+              <a:xfrm>
+                <a:off x="10239365" y="5229106"/>
+                <a:ext cx="508463" cy="590452"/>
+              </a:xfrm>
+              <a:prstGeom prst="rect">
+                <a:avLst/>
+              </a:prstGeom>
+              <a:noFill/>
+            </p:spPr>
+            <p:txBody>
+              <a:bodyPr wrap="square" rtlCol="0">
+                <a:spAutoFit/>
+              </a:bodyPr>
+              <a:lstStyle/>
+              <a:p>
+                <a:pPr algn="ctr"/>
+                <a:r>
+                  <a:rPr lang="en-VN" sz="3200" dirty="0">
+                    <a:latin typeface="Comic Sans MS" panose="030F0902030302020204" pitchFamily="66" charset="0"/>
+                  </a:rPr>
+                  <a:t>…</a:t>
+                </a:r>
+              </a:p>
+            </p:txBody>
+          </p:sp>
+          <p:sp>
+            <p:nvSpPr>
+              <p:cNvPr id="165" name="TextBox 164">
+                <a:extLst>
+                  <a:ext uri="{FF2B5EF4-FFF2-40B4-BE49-F238E27FC236}">
+                    <a16:creationId xmlns:a16="http://schemas.microsoft.com/office/drawing/2014/main" id="{67E2FD13-8EBC-DD9B-8BDA-9CB1591C4B40}"/>
+                  </a:ext>
+                </a:extLst>
+              </p:cNvPr>
+              <p:cNvSpPr txBox="1"/>
+              <p:nvPr/>
+            </p:nvSpPr>
+            <p:spPr>
+              <a:xfrm>
+                <a:off x="9765889" y="5581514"/>
+                <a:ext cx="508463" cy="590452"/>
+              </a:xfrm>
+              <a:prstGeom prst="rect">
+                <a:avLst/>
+              </a:prstGeom>
+              <a:noFill/>
+            </p:spPr>
+            <p:txBody>
+              <a:bodyPr wrap="square" rtlCol="0">
+                <a:spAutoFit/>
+              </a:bodyPr>
+              <a:lstStyle/>
+              <a:p>
+                <a:pPr algn="ctr"/>
+                <a:r>
+                  <a:rPr lang="en-VN" sz="3200" dirty="0">
+                    <a:latin typeface="Comic Sans MS" panose="030F0902030302020204" pitchFamily="66" charset="0"/>
+                  </a:rPr>
+                  <a:t>…</a:t>
+                </a:r>
+              </a:p>
+            </p:txBody>
+          </p:sp>
+          <p:sp>
+            <p:nvSpPr>
+              <p:cNvPr id="166" name="TextBox 165">
+                <a:extLst>
+                  <a:ext uri="{FF2B5EF4-FFF2-40B4-BE49-F238E27FC236}">
+                    <a16:creationId xmlns:a16="http://schemas.microsoft.com/office/drawing/2014/main" id="{4460B181-CEDD-6F5A-0BFD-9B6B32A0C39A}"/>
+                  </a:ext>
+                </a:extLst>
+              </p:cNvPr>
+              <p:cNvSpPr txBox="1"/>
+              <p:nvPr/>
+            </p:nvSpPr>
+            <p:spPr>
+              <a:xfrm>
+                <a:off x="9765890" y="4789189"/>
+                <a:ext cx="508463" cy="590452"/>
+              </a:xfrm>
+              <a:prstGeom prst="rect">
+                <a:avLst/>
+              </a:prstGeom>
+              <a:noFill/>
+            </p:spPr>
+            <p:txBody>
+              <a:bodyPr wrap="square" rtlCol="0">
+                <a:spAutoFit/>
+              </a:bodyPr>
+              <a:lstStyle/>
+              <a:p>
+                <a:pPr algn="ctr"/>
+                <a:r>
+                  <a:rPr lang="en-VN" sz="3200" dirty="0">
+                    <a:latin typeface="Comic Sans MS" panose="030F0902030302020204" pitchFamily="66" charset="0"/>
+                  </a:rPr>
+                  <a:t>…</a:t>
+                </a:r>
+              </a:p>
+            </p:txBody>
+          </p:sp>
+          <p:sp>
+            <p:nvSpPr>
+              <p:cNvPr id="167" name="TextBox 166">
+                <a:extLst>
+                  <a:ext uri="{FF2B5EF4-FFF2-40B4-BE49-F238E27FC236}">
+                    <a16:creationId xmlns:a16="http://schemas.microsoft.com/office/drawing/2014/main" id="{F96CB0BC-EAC0-C625-952B-B19EC4149D64}"/>
+                  </a:ext>
+                </a:extLst>
+              </p:cNvPr>
+              <p:cNvSpPr txBox="1"/>
+              <p:nvPr/>
+            </p:nvSpPr>
+            <p:spPr>
+              <a:xfrm>
+                <a:off x="9765888" y="4198155"/>
+                <a:ext cx="508463" cy="590452"/>
+              </a:xfrm>
+              <a:prstGeom prst="rect">
+                <a:avLst/>
+              </a:prstGeom>
+              <a:noFill/>
+            </p:spPr>
+            <p:txBody>
+              <a:bodyPr wrap="square" rtlCol="0">
+                <a:spAutoFit/>
+              </a:bodyPr>
+              <a:lstStyle/>
+              <a:p>
+                <a:pPr algn="ctr"/>
+                <a:r>
+                  <a:rPr lang="en-VN" sz="3200" dirty="0">
+                    <a:latin typeface="Comic Sans MS" panose="030F0902030302020204" pitchFamily="66" charset="0"/>
+                  </a:rPr>
+                  <a:t>…</a:t>
+                </a:r>
+              </a:p>
+            </p:txBody>
+          </p:sp>
+        </p:grpSp>
+      </p:grpSp>
+      <p:cxnSp>
+        <p:nvCxnSpPr>
+          <p:cNvPr id="172" name="Straight Arrow Connector 171">
+            <a:extLst>
+              <a:ext uri="{FF2B5EF4-FFF2-40B4-BE49-F238E27FC236}">
+                <a16:creationId xmlns:a16="http://schemas.microsoft.com/office/drawing/2014/main" id="{B2D71E86-508D-109E-9CA8-73610E3A7A0C}"/>
+              </a:ext>
+            </a:extLst>
+          </p:cNvPr>
+          <p:cNvCxnSpPr>
+            <a:cxnSpLocks/>
+            <a:stCxn id="88" idx="4"/>
+            <a:endCxn id="141" idx="1"/>
+          </p:cNvCxnSpPr>
+          <p:nvPr/>
+        </p:nvCxnSpPr>
+        <p:spPr>
+          <a:xfrm>
+            <a:off x="5764009" y="1886562"/>
+            <a:ext cx="1512263" cy="5620"/>
+          </a:xfrm>
+          <a:prstGeom prst="straightConnector1">
+            <a:avLst/>
+          </a:prstGeom>
+          <a:ln w="38100">
+            <a:solidFill>
+              <a:schemeClr val="accent5"/>
+            </a:solidFill>
+            <a:tailEnd type="triangle"/>
+          </a:ln>
+        </p:spPr>
+        <p:style>
+          <a:lnRef idx="1">
+            <a:schemeClr val="accent2"/>
+          </a:lnRef>
+          <a:fillRef idx="0">
+            <a:schemeClr val="accent2"/>
+          </a:fillRef>
+          <a:effectRef idx="0">
+            <a:schemeClr val="accent2"/>
+          </a:effectRef>
+          <a:fontRef idx="minor">
+            <a:schemeClr val="tx1"/>
+          </a:fontRef>
+        </p:style>
+      </p:cxnSp>
+      <p:cxnSp>
+        <p:nvCxnSpPr>
+          <p:cNvPr id="174" name="Straight Arrow Connector 173">
+            <a:extLst>
+              <a:ext uri="{FF2B5EF4-FFF2-40B4-BE49-F238E27FC236}">
+                <a16:creationId xmlns:a16="http://schemas.microsoft.com/office/drawing/2014/main" id="{7A39A3BC-6356-9EF5-3782-70E13F367097}"/>
+              </a:ext>
+            </a:extLst>
+          </p:cNvPr>
+          <p:cNvCxnSpPr>
+            <a:cxnSpLocks/>
+            <a:stCxn id="141" idx="2"/>
+            <a:endCxn id="158" idx="1"/>
+          </p:cNvCxnSpPr>
+          <p:nvPr/>
+        </p:nvCxnSpPr>
+        <p:spPr>
+          <a:xfrm flipH="1">
+            <a:off x="9473975" y="3321601"/>
+            <a:ext cx="5725" cy="677913"/>
+          </a:xfrm>
+          <a:prstGeom prst="straightConnector1">
+            <a:avLst/>
+          </a:prstGeom>
+          <a:ln w="38100">
+            <a:solidFill>
+              <a:schemeClr val="accent5"/>
+            </a:solidFill>
+            <a:tailEnd type="triangle"/>
+          </a:ln>
+        </p:spPr>
+        <p:style>
+          <a:lnRef idx="1">
+            <a:schemeClr val="accent2"/>
+          </a:lnRef>
+          <a:fillRef idx="0">
+            <a:schemeClr val="accent2"/>
+          </a:fillRef>
+          <a:effectRef idx="0">
+            <a:schemeClr val="accent2"/>
+          </a:effectRef>
+          <a:fontRef idx="minor">
+            <a:schemeClr val="tx1"/>
+          </a:fontRef>
+        </p:style>
+      </p:cxnSp>
+      <p:cxnSp>
+        <p:nvCxnSpPr>
+          <p:cNvPr id="177" name="Straight Arrow Connector 176">
+            <a:extLst>
+              <a:ext uri="{FF2B5EF4-FFF2-40B4-BE49-F238E27FC236}">
+                <a16:creationId xmlns:a16="http://schemas.microsoft.com/office/drawing/2014/main" id="{4DADF769-6AB6-493E-6DC7-079BA8D1D8C0}"/>
+              </a:ext>
+            </a:extLst>
+          </p:cNvPr>
+          <p:cNvCxnSpPr>
+            <a:cxnSpLocks/>
+            <a:stCxn id="158" idx="2"/>
+            <a:endCxn id="122" idx="5"/>
+          </p:cNvCxnSpPr>
+          <p:nvPr/>
+        </p:nvCxnSpPr>
+        <p:spPr>
+          <a:xfrm flipH="1" flipV="1">
+            <a:off x="5223706" y="5199988"/>
+            <a:ext cx="2041117" cy="3073"/>
+          </a:xfrm>
+          <a:prstGeom prst="straightConnector1">
+            <a:avLst/>
+          </a:prstGeom>
+          <a:ln w="38100">
+            <a:solidFill>
+              <a:schemeClr val="accent5"/>
+            </a:solidFill>
+            <a:tailEnd type="triangle"/>
+          </a:ln>
+        </p:spPr>
+        <p:style>
+          <a:lnRef idx="1">
+            <a:schemeClr val="accent2"/>
+          </a:lnRef>
+          <a:fillRef idx="0">
+            <a:schemeClr val="accent2"/>
+          </a:fillRef>
+          <a:effectRef idx="0">
+            <a:schemeClr val="accent2"/>
+          </a:effectRef>
+          <a:fontRef idx="minor">
+            <a:schemeClr val="tx1"/>
+          </a:fontRef>
+        </p:style>
+      </p:cxnSp>
+      <p:sp>
+        <p:nvSpPr>
+          <p:cNvPr id="181" name="TextBox 180">
+            <a:extLst>
+              <a:ext uri="{FF2B5EF4-FFF2-40B4-BE49-F238E27FC236}">
+                <a16:creationId xmlns:a16="http://schemas.microsoft.com/office/drawing/2014/main" id="{ECE94952-849D-188B-91A0-341DBDF2B419}"/>
+              </a:ext>
+            </a:extLst>
+          </p:cNvPr>
+          <p:cNvSpPr txBox="1"/>
+          <p:nvPr/>
+        </p:nvSpPr>
+        <p:spPr>
+          <a:xfrm>
+            <a:off x="8335012" y="6430183"/>
+            <a:ext cx="2299084" cy="307777"/>
+          </a:xfrm>
+          <a:prstGeom prst="rect">
+            <a:avLst/>
+          </a:prstGeom>
+          <a:noFill/>
+        </p:spPr>
+        <p:txBody>
+          <a:bodyPr wrap="square" rtlCol="0">
+            <a:spAutoFit/>
+          </a:bodyPr>
+          <a:lstStyle/>
+          <a:p>
+            <a:pPr algn="ctr"/>
+            <a:r>
+              <a:rPr lang="en-VN" sz="1400" dirty="0">
+                <a:latin typeface="Comic Sans MS" panose="030F0902030302020204" pitchFamily="66" charset="0"/>
+              </a:rPr>
+              <a:t>Positive abstract pairs</a:t>
+            </a:r>
+          </a:p>
+        </p:txBody>
+      </p:sp>
+      <p:sp>
+        <p:nvSpPr>
+          <p:cNvPr id="186" name="TextBox 185">
+            <a:extLst>
+              <a:ext uri="{FF2B5EF4-FFF2-40B4-BE49-F238E27FC236}">
+                <a16:creationId xmlns:a16="http://schemas.microsoft.com/office/drawing/2014/main" id="{65089F51-B645-7462-AD8B-594822CDA739}"/>
+              </a:ext>
+            </a:extLst>
+          </p:cNvPr>
+          <p:cNvSpPr txBox="1"/>
+          <p:nvPr/>
+        </p:nvSpPr>
+        <p:spPr>
+          <a:xfrm>
+            <a:off x="5193941" y="4823152"/>
+            <a:ext cx="2070882" cy="338554"/>
+          </a:xfrm>
+          <a:prstGeom prst="rect">
+            <a:avLst/>
+          </a:prstGeom>
+          <a:noFill/>
+        </p:spPr>
+        <p:txBody>
+          <a:bodyPr wrap="square" rtlCol="0">
+            <a:spAutoFit/>
+          </a:bodyPr>
+          <a:lstStyle/>
+          <a:p>
+            <a:pPr algn="ctr"/>
+            <a:r>
+              <a:rPr lang="en-US" sz="1600" dirty="0">
+                <a:latin typeface="Comic Sans MS" panose="030F0902030302020204" pitchFamily="66" charset="0"/>
+              </a:rPr>
+              <a:t>F</a:t>
+            </a:r>
+            <a:r>
+              <a:rPr lang="en-VN" sz="1600" dirty="0">
+                <a:latin typeface="Comic Sans MS" panose="030F0902030302020204" pitchFamily="66" charset="0"/>
+              </a:rPr>
+              <a:t>ine-tune</a:t>
+            </a:r>
+          </a:p>
+        </p:txBody>
+      </p:sp>
+      <p:sp>
+        <p:nvSpPr>
+          <p:cNvPr id="190" name="TextBox 189">
+            <a:extLst>
+              <a:ext uri="{FF2B5EF4-FFF2-40B4-BE49-F238E27FC236}">
+                <a16:creationId xmlns:a16="http://schemas.microsoft.com/office/drawing/2014/main" id="{933A62B6-30E6-BFD4-8F55-4C54345C0845}"/>
+              </a:ext>
+            </a:extLst>
+          </p:cNvPr>
+          <p:cNvSpPr txBox="1"/>
+          <p:nvPr/>
+        </p:nvSpPr>
+        <p:spPr>
+          <a:xfrm>
+            <a:off x="5214444" y="5375739"/>
+            <a:ext cx="2036045" cy="584775"/>
+          </a:xfrm>
+          <a:prstGeom prst="rect">
+            <a:avLst/>
+          </a:prstGeom>
+          <a:noFill/>
+        </p:spPr>
+        <p:txBody>
+          <a:bodyPr wrap="square">
+            <a:spAutoFit/>
+          </a:bodyPr>
+          <a:lstStyle/>
+          <a:p>
+            <a:pPr algn="ctr"/>
+            <a:r>
+              <a:rPr lang="en-US" sz="1600" b="0" i="0" dirty="0">
+                <a:solidFill>
+                  <a:srgbClr val="1F2937"/>
+                </a:solidFill>
+                <a:effectLst/>
+                <a:latin typeface="Comic Sans MS" panose="030F0902030302020204" pitchFamily="66" charset="0"/>
+              </a:rPr>
+              <a:t>Multiple Negatives Ranking Loss</a:t>
+            </a:r>
+            <a:endParaRPr lang="en-VN" sz="1600" dirty="0">
+              <a:latin typeface="Comic Sans MS" panose="030F0902030302020204" pitchFamily="66" charset="0"/>
+            </a:endParaRPr>
+          </a:p>
+        </p:txBody>
+      </p:sp>
+      <p:cxnSp>
+        <p:nvCxnSpPr>
+          <p:cNvPr id="191" name="Straight Arrow Connector 190">
+            <a:extLst>
+              <a:ext uri="{FF2B5EF4-FFF2-40B4-BE49-F238E27FC236}">
+                <a16:creationId xmlns:a16="http://schemas.microsoft.com/office/drawing/2014/main" id="{F6F4C1D9-375A-3DC3-0898-25503FD7C83E}"/>
+              </a:ext>
+            </a:extLst>
+          </p:cNvPr>
+          <p:cNvCxnSpPr>
+            <a:cxnSpLocks/>
+            <a:stCxn id="88" idx="3"/>
+            <a:endCxn id="122" idx="0"/>
+          </p:cNvCxnSpPr>
+          <p:nvPr/>
+        </p:nvCxnSpPr>
+        <p:spPr>
+          <a:xfrm>
+            <a:off x="4278392" y="3321601"/>
+            <a:ext cx="13239" cy="1459091"/>
+          </a:xfrm>
+          <a:prstGeom prst="straightConnector1">
+            <a:avLst/>
+          </a:prstGeom>
+          <a:ln w="38100">
+            <a:solidFill>
+              <a:schemeClr val="accent3">
+                <a:lumMod val="60000"/>
+                <a:lumOff val="40000"/>
+              </a:schemeClr>
+            </a:solidFill>
+            <a:tailEnd type="triangle"/>
+          </a:ln>
+        </p:spPr>
+        <p:style>
+          <a:lnRef idx="1">
+            <a:schemeClr val="accent2"/>
+          </a:lnRef>
+          <a:fillRef idx="0">
+            <a:schemeClr val="accent2"/>
+          </a:fillRef>
+          <a:effectRef idx="0">
+            <a:schemeClr val="accent2"/>
+          </a:effectRef>
+          <a:fontRef idx="minor">
+            <a:schemeClr val="tx1"/>
+          </a:fontRef>
+        </p:style>
+      </p:cxnSp>
+      <p:cxnSp>
+        <p:nvCxnSpPr>
+          <p:cNvPr id="1037" name="Straight Arrow Connector 1036">
+            <a:extLst>
+              <a:ext uri="{FF2B5EF4-FFF2-40B4-BE49-F238E27FC236}">
+                <a16:creationId xmlns:a16="http://schemas.microsoft.com/office/drawing/2014/main" id="{9FD01C97-0A54-9117-BC36-E9C7FC16FA0D}"/>
+              </a:ext>
+            </a:extLst>
+          </p:cNvPr>
+          <p:cNvCxnSpPr>
+            <a:cxnSpLocks/>
+            <a:stCxn id="122" idx="2"/>
+            <a:endCxn id="121" idx="4"/>
+          </p:cNvCxnSpPr>
+          <p:nvPr/>
+        </p:nvCxnSpPr>
+        <p:spPr>
+          <a:xfrm flipH="1" flipV="1">
+            <a:off x="1728295" y="5414021"/>
+            <a:ext cx="1413080" cy="4148"/>
+          </a:xfrm>
+          <a:prstGeom prst="straightConnector1">
+            <a:avLst/>
+          </a:prstGeom>
+          <a:ln w="38100">
+            <a:solidFill>
+              <a:schemeClr val="accent3">
+                <a:lumMod val="60000"/>
+                <a:lumOff val="40000"/>
+              </a:schemeClr>
+            </a:solidFill>
+            <a:tailEnd type="triangle"/>
+          </a:ln>
+        </p:spPr>
+        <p:style>
+          <a:lnRef idx="1">
+            <a:schemeClr val="accent2"/>
+          </a:lnRef>
+          <a:fillRef idx="0">
+            <a:schemeClr val="accent2"/>
+          </a:fillRef>
+          <a:effectRef idx="0">
+            <a:schemeClr val="accent2"/>
+          </a:effectRef>
+          <a:fontRef idx="minor">
+            <a:schemeClr val="tx1"/>
+          </a:fontRef>
+        </p:style>
+      </p:cxnSp>
+      <p:sp>
+        <p:nvSpPr>
+          <p:cNvPr id="1061" name="TextBox 1060">
+            <a:extLst>
+              <a:ext uri="{FF2B5EF4-FFF2-40B4-BE49-F238E27FC236}">
+                <a16:creationId xmlns:a16="http://schemas.microsoft.com/office/drawing/2014/main" id="{57C28681-0BBE-9B20-E56E-ED1102864675}"/>
+              </a:ext>
+            </a:extLst>
+          </p:cNvPr>
+          <p:cNvSpPr txBox="1"/>
+          <p:nvPr/>
+        </p:nvSpPr>
+        <p:spPr>
+          <a:xfrm>
+            <a:off x="110837" y="6192043"/>
+            <a:ext cx="2070882" cy="338554"/>
+          </a:xfrm>
+          <a:prstGeom prst="rect">
+            <a:avLst/>
+          </a:prstGeom>
+          <a:noFill/>
+        </p:spPr>
+        <p:txBody>
+          <a:bodyPr wrap="square" rtlCol="0">
+            <a:spAutoFit/>
+          </a:bodyPr>
+          <a:lstStyle/>
+          <a:p>
+            <a:pPr algn="ctr"/>
+            <a:r>
+              <a:rPr lang="en-US" sz="1600" dirty="0" err="1">
+                <a:latin typeface="Comic Sans MS" panose="030F0902030302020204" pitchFamily="66" charset="0"/>
+              </a:rPr>
+              <a:t>ChromaDB</a:t>
+            </a:r>
+            <a:endParaRPr lang="en-VN" sz="1600" dirty="0">
+              <a:latin typeface="Comic Sans MS" panose="030F0902030302020204" pitchFamily="66" charset="0"/>
+            </a:endParaRPr>
+          </a:p>
+        </p:txBody>
+      </p:sp>
+      <p:sp>
+        <p:nvSpPr>
+          <p:cNvPr id="1063" name="TextBox 1062">
+            <a:extLst>
+              <a:ext uri="{FF2B5EF4-FFF2-40B4-BE49-F238E27FC236}">
+                <a16:creationId xmlns:a16="http://schemas.microsoft.com/office/drawing/2014/main" id="{4BA97C9F-39AF-71D5-E3CA-85D6559C0AE1}"/>
+              </a:ext>
+            </a:extLst>
+          </p:cNvPr>
+          <p:cNvSpPr txBox="1"/>
+          <p:nvPr/>
+        </p:nvSpPr>
+        <p:spPr>
+          <a:xfrm>
+            <a:off x="2644391" y="3845841"/>
+            <a:ext cx="2070882" cy="338554"/>
+          </a:xfrm>
+          <a:prstGeom prst="rect">
+            <a:avLst/>
+          </a:prstGeom>
+          <a:noFill/>
+        </p:spPr>
+        <p:txBody>
+          <a:bodyPr wrap="square" rtlCol="0">
+            <a:spAutoFit/>
+          </a:bodyPr>
+          <a:lstStyle/>
+          <a:p>
+            <a:pPr algn="ctr"/>
+            <a:r>
+              <a:rPr lang="en-US" sz="1600" dirty="0">
+                <a:latin typeface="Comic Sans MS" panose="030F0902030302020204" pitchFamily="66" charset="0"/>
+              </a:rPr>
+              <a:t>Embedding</a:t>
+            </a:r>
+            <a:endParaRPr lang="en-VN" sz="1600" dirty="0">
+              <a:latin typeface="Comic Sans MS" panose="030F0902030302020204" pitchFamily="66" charset="0"/>
+            </a:endParaRPr>
+          </a:p>
+        </p:txBody>
+      </p:sp>
+      <p:sp>
+        <p:nvSpPr>
+          <p:cNvPr id="1064" name="TextBox 1063">
+            <a:extLst>
+              <a:ext uri="{FF2B5EF4-FFF2-40B4-BE49-F238E27FC236}">
+                <a16:creationId xmlns:a16="http://schemas.microsoft.com/office/drawing/2014/main" id="{F3C1D835-1087-0A3B-B95C-270294FF64E8}"/>
+              </a:ext>
+            </a:extLst>
+          </p:cNvPr>
+          <p:cNvSpPr txBox="1"/>
+          <p:nvPr/>
+        </p:nvSpPr>
+        <p:spPr>
+          <a:xfrm>
+            <a:off x="1711991" y="4829245"/>
+            <a:ext cx="1413080" cy="584775"/>
+          </a:xfrm>
+          <a:prstGeom prst="rect">
+            <a:avLst/>
+          </a:prstGeom>
+          <a:noFill/>
+        </p:spPr>
+        <p:txBody>
+          <a:bodyPr wrap="square" rtlCol="0">
+            <a:spAutoFit/>
+          </a:bodyPr>
+          <a:lstStyle/>
+          <a:p>
+            <a:pPr algn="ctr"/>
+            <a:r>
+              <a:rPr lang="en-US" sz="1600" dirty="0">
+                <a:latin typeface="Comic Sans MS" panose="030F0902030302020204" pitchFamily="66" charset="0"/>
+              </a:rPr>
+              <a:t>vector database</a:t>
+            </a:r>
+            <a:endParaRPr lang="en-VN" sz="1600" dirty="0">
+              <a:latin typeface="Comic Sans MS" panose="030F0902030302020204" pitchFamily="66" charset="0"/>
+            </a:endParaRPr>
+          </a:p>
+        </p:txBody>
+      </p:sp>
+    </p:spTree>
+    <p:extLst>
+      <p:ext uri="{BB962C8B-B14F-4D97-AF65-F5344CB8AC3E}">
+        <p14:creationId xmlns:p14="http://schemas.microsoft.com/office/powerpoint/2010/main" val="3907253069"/>
+      </p:ext>
+    </p:extLst>
+  </p:cSld>
+  <p:clrMapOvr>
+    <a:masterClrMapping/>
+  </p:clrMapOvr>
+</p:sld>
+</file>
+
 <file path=ppt/theme/theme1.xml><?xml version="1.0" encoding="utf-8"?>
 <a:theme xmlns:a="http://schemas.openxmlformats.org/drawingml/2006/main" name="Office Theme">
   <a:themeElements>
